--- a/resume-templates/template6/template6.pptx
+++ b/resume-templates/template6/template6.pptx
@@ -8,7 +8,7 @@
     <p:notesMasterId r:id="rId3"/>
   </p:notesMasterIdLst>
   <p:sldIdLst>
-    <p:sldId id="274" r:id="rId2"/>
+    <p:sldId id="261" r:id="rId2"/>
   </p:sldIdLst>
   <p:sldSz cx="7874000" cy="11137900"/>
   <p:notesSz cx="6858000" cy="9144000"/>
@@ -310,11 +310,6 @@
       </a:defRPr>
     </a:lvl9pPr>
   </p:defaultTextStyle>
-  <p:extLst>
-    <p:ext uri="{EFAFB233-063F-42B5-8137-9DF3F51BA10A}">
-      <p15:sldGuideLst xmlns:p15="http://schemas.microsoft.com/office/powerpoint/2012/main"/>
-    </p:ext>
-  </p:extLst>
 </p:presentation>
 </file>
 
@@ -475,6 +470,584 @@
 </file>
 
 <file path=ppt/slideLayouts/slideLayout1.xml><?xml version="1.0" encoding="utf-8"?>
+<p:sldLayout xmlns:a="http://schemas.openxmlformats.org/drawingml/2006/main" xmlns:r="http://schemas.openxmlformats.org/officeDocument/2006/relationships" xmlns:p="http://schemas.openxmlformats.org/presentationml/2006/main" type="title">
+  <p:cSld name="Титульный слайд">
+    <p:spTree>
+      <p:nvGrpSpPr>
+        <p:cNvPr id="1" name=""/>
+        <p:cNvGrpSpPr/>
+        <p:nvPr/>
+      </p:nvGrpSpPr>
+      <p:grpSpPr>
+        <a:xfrm>
+          <a:off x="0" y="0"/>
+          <a:ext cx="0" cy="0"/>
+          <a:chOff x="0" y="0"/>
+          <a:chExt cx="0" cy="0"/>
+        </a:xfrm>
+      </p:grpSpPr>
+      <p:sp>
+        <p:nvSpPr>
+          <p:cNvPr id="11" name="Title Text"/>
+          <p:cNvSpPr txBox="1">
+            <a:spLocks noGrp="1"/>
+          </p:cNvSpPr>
+          <p:nvPr>
+            <p:ph type="title"/>
+          </p:nvPr>
+        </p:nvSpPr>
+        <p:spPr>
+          <a:xfrm>
+            <a:off x="659886" y="1822800"/>
+            <a:ext cx="6554228" cy="3877641"/>
+          </a:xfrm>
+          <a:prstGeom prst="rect">
+            <a:avLst/>
+          </a:prstGeom>
+        </p:spPr>
+        <p:txBody>
+          <a:bodyPr anchor="b"/>
+          <a:lstStyle>
+            <a:lvl1pPr algn="ctr">
+              <a:defRPr sz="5000"/>
+            </a:lvl1pPr>
+          </a:lstStyle>
+          <a:p>
+            <a:r>
+              <a:t>Title Text</a:t>
+            </a:r>
+          </a:p>
+        </p:txBody>
+      </p:sp>
+      <p:sp>
+        <p:nvSpPr>
+          <p:cNvPr id="12" name="Body Level One…"/>
+          <p:cNvSpPr txBox="1">
+            <a:spLocks noGrp="1"/>
+          </p:cNvSpPr>
+          <p:nvPr>
+            <p:ph type="body" sz="quarter" idx="1"/>
+          </p:nvPr>
+        </p:nvSpPr>
+        <p:spPr>
+          <a:xfrm>
+            <a:off x="1045429" y="5849977"/>
+            <a:ext cx="5783142" cy="2689080"/>
+          </a:xfrm>
+          <a:prstGeom prst="rect">
+            <a:avLst/>
+          </a:prstGeom>
+        </p:spPr>
+        <p:txBody>
+          <a:bodyPr/>
+          <a:lstStyle>
+            <a:lvl1pPr marL="0" indent="0" algn="ctr">
+              <a:buSzTx/>
+              <a:buFontTx/>
+              <a:buNone/>
+              <a:defRPr sz="2000"/>
+            </a:lvl1pPr>
+            <a:lvl2pPr marL="0" indent="342900" algn="ctr">
+              <a:buSzTx/>
+              <a:buFontTx/>
+              <a:buNone/>
+              <a:defRPr sz="2000"/>
+            </a:lvl2pPr>
+            <a:lvl3pPr marL="0" indent="685800" algn="ctr">
+              <a:buSzTx/>
+              <a:buFontTx/>
+              <a:buNone/>
+              <a:defRPr sz="2000"/>
+            </a:lvl3pPr>
+            <a:lvl4pPr marL="0" indent="1028700" algn="ctr">
+              <a:buSzTx/>
+              <a:buFontTx/>
+              <a:buNone/>
+              <a:defRPr sz="2000"/>
+            </a:lvl4pPr>
+            <a:lvl5pPr marL="0" indent="1371600" algn="ctr">
+              <a:buSzTx/>
+              <a:buFontTx/>
+              <a:buNone/>
+              <a:defRPr sz="2000"/>
+            </a:lvl5pPr>
+          </a:lstStyle>
+          <a:p>
+            <a:r>
+              <a:t>Body Level One</a:t>
+            </a:r>
+          </a:p>
+          <a:p>
+            <a:pPr lvl="1"/>
+            <a:r>
+              <a:t>Body Level Two</a:t>
+            </a:r>
+          </a:p>
+          <a:p>
+            <a:pPr lvl="2"/>
+            <a:r>
+              <a:t>Body Level Three</a:t>
+            </a:r>
+          </a:p>
+          <a:p>
+            <a:pPr lvl="3"/>
+            <a:r>
+              <a:t>Body Level Four</a:t>
+            </a:r>
+          </a:p>
+          <a:p>
+            <a:pPr lvl="4"/>
+            <a:r>
+              <a:t>Body Level Five</a:t>
+            </a:r>
+          </a:p>
+        </p:txBody>
+      </p:sp>
+      <p:sp>
+        <p:nvSpPr>
+          <p:cNvPr id="13" name="01"/>
+          <p:cNvSpPr txBox="1">
+            <a:spLocks noGrp="1"/>
+          </p:cNvSpPr>
+          <p:nvPr>
+            <p:ph type="sldNum" sz="quarter" idx="2"/>
+          </p:nvPr>
+        </p:nvSpPr>
+        <p:spPr>
+          <a:prstGeom prst="rect">
+            <a:avLst/>
+          </a:prstGeom>
+        </p:spPr>
+        <p:txBody>
+          <a:bodyPr/>
+          <a:lstStyle/>
+          <a:p>
+            <a:fld id="{86CB4B4D-7CA3-9044-876B-883B54F8677D}" type="slidenum">
+              <a:t>‹#›</a:t>
+            </a:fld>
+            <a:endParaRPr/>
+          </a:p>
+        </p:txBody>
+      </p:sp>
+    </p:spTree>
+  </p:cSld>
+  <p:clrMapOvr>
+    <a:masterClrMapping/>
+  </p:clrMapOvr>
+  <p:transition spd="med"/>
+</p:sldLayout>
+</file>
+
+<file path=ppt/slideLayouts/slideLayout10.xml><?xml version="1.0" encoding="utf-8"?>
+<p:sldLayout xmlns:a="http://schemas.openxmlformats.org/drawingml/2006/main" xmlns:r="http://schemas.openxmlformats.org/officeDocument/2006/relationships" xmlns:p="http://schemas.openxmlformats.org/presentationml/2006/main" type="tx">
+  <p:cSld name="Заголовок и пункты">
+    <p:spTree>
+      <p:nvGrpSpPr>
+        <p:cNvPr id="1" name=""/>
+        <p:cNvGrpSpPr/>
+        <p:nvPr/>
+      </p:nvGrpSpPr>
+      <p:grpSpPr>
+        <a:xfrm>
+          <a:off x="0" y="0"/>
+          <a:ext cx="0" cy="0"/>
+          <a:chOff x="0" y="0"/>
+          <a:chExt cx="0" cy="0"/>
+        </a:xfrm>
+      </p:grpSpPr>
+      <p:sp>
+        <p:nvSpPr>
+          <p:cNvPr id="92" name="Body Level One…"/>
+          <p:cNvSpPr txBox="1">
+            <a:spLocks noGrp="1"/>
+          </p:cNvSpPr>
+          <p:nvPr>
+            <p:ph type="body" sz="quarter" idx="1" hasCustomPrompt="1"/>
+          </p:nvPr>
+        </p:nvSpPr>
+        <p:spPr>
+          <a:xfrm>
+            <a:off x="1356047" y="4716162"/>
+            <a:ext cx="5161906" cy="2710848"/>
+          </a:xfrm>
+          <a:prstGeom prst="rect">
+            <a:avLst/>
+          </a:prstGeom>
+        </p:spPr>
+        <p:txBody>
+          <a:bodyPr lIns="22590" tIns="22590" rIns="22590" bIns="22590"/>
+          <a:lstStyle>
+            <a:lvl1pPr marL="152400" indent="-152400" defTabSz="1980021">
+              <a:lnSpc>
+                <a:spcPct val="110000"/>
+              </a:lnSpc>
+              <a:spcBef>
+                <a:spcPts val="3600"/>
+              </a:spcBef>
+              <a:buSzPct val="123000"/>
+              <a:buFontTx/>
+              <a:defRPr sz="1200">
+                <a:latin typeface="+mn-lt"/>
+                <a:ea typeface="+mn-ea"/>
+                <a:cs typeface="+mn-cs"/>
+                <a:sym typeface="Helvetica"/>
+              </a:defRPr>
+            </a:lvl1pPr>
+            <a:lvl2pPr marL="533400" indent="-152400" defTabSz="1980021">
+              <a:lnSpc>
+                <a:spcPct val="110000"/>
+              </a:lnSpc>
+              <a:spcBef>
+                <a:spcPts val="3600"/>
+              </a:spcBef>
+              <a:buSzPct val="123000"/>
+              <a:buFontTx/>
+              <a:defRPr sz="1200">
+                <a:latin typeface="+mn-lt"/>
+                <a:ea typeface="+mn-ea"/>
+                <a:cs typeface="+mn-cs"/>
+                <a:sym typeface="Helvetica"/>
+              </a:defRPr>
+            </a:lvl2pPr>
+            <a:lvl3pPr marL="914400" indent="-152400" defTabSz="1980021">
+              <a:lnSpc>
+                <a:spcPct val="110000"/>
+              </a:lnSpc>
+              <a:spcBef>
+                <a:spcPts val="3600"/>
+              </a:spcBef>
+              <a:buSzPct val="123000"/>
+              <a:buFontTx/>
+              <a:defRPr sz="1200">
+                <a:latin typeface="+mn-lt"/>
+                <a:ea typeface="+mn-ea"/>
+                <a:cs typeface="+mn-cs"/>
+                <a:sym typeface="Helvetica"/>
+              </a:defRPr>
+            </a:lvl3pPr>
+            <a:lvl4pPr marL="1295400" indent="-152400" defTabSz="1980021">
+              <a:lnSpc>
+                <a:spcPct val="110000"/>
+              </a:lnSpc>
+              <a:spcBef>
+                <a:spcPts val="3600"/>
+              </a:spcBef>
+              <a:buSzPct val="123000"/>
+              <a:buFontTx/>
+              <a:defRPr sz="1200">
+                <a:latin typeface="+mn-lt"/>
+                <a:ea typeface="+mn-ea"/>
+                <a:cs typeface="+mn-cs"/>
+                <a:sym typeface="Helvetica"/>
+              </a:defRPr>
+            </a:lvl4pPr>
+            <a:lvl5pPr marL="1676400" indent="-152400" defTabSz="1980021">
+              <a:lnSpc>
+                <a:spcPct val="110000"/>
+              </a:lnSpc>
+              <a:spcBef>
+                <a:spcPts val="3600"/>
+              </a:spcBef>
+              <a:buSzPct val="123000"/>
+              <a:buFontTx/>
+              <a:defRPr sz="1200">
+                <a:latin typeface="+mn-lt"/>
+                <a:ea typeface="+mn-ea"/>
+                <a:cs typeface="+mn-cs"/>
+                <a:sym typeface="Helvetica"/>
+              </a:defRPr>
+            </a:lvl5pPr>
+          </a:lstStyle>
+          <a:p>
+            <a:r>
+              <a:t>Текст пункта на слайде</a:t>
+            </a:r>
+          </a:p>
+          <a:p>
+            <a:pPr lvl="1"/>
+            <a:endParaRPr/>
+          </a:p>
+          <a:p>
+            <a:pPr lvl="2"/>
+            <a:endParaRPr/>
+          </a:p>
+          <a:p>
+            <a:pPr lvl="3"/>
+            <a:endParaRPr/>
+          </a:p>
+          <a:p>
+            <a:pPr lvl="4"/>
+            <a:endParaRPr/>
+          </a:p>
+        </p:txBody>
+      </p:sp>
+      <p:sp>
+        <p:nvSpPr>
+          <p:cNvPr id="93" name="Подзаголовок слайда"/>
+          <p:cNvSpPr txBox="1">
+            <a:spLocks noGrp="1"/>
+          </p:cNvSpPr>
+          <p:nvPr>
+            <p:ph type="body" sz="quarter" idx="21" hasCustomPrompt="1"/>
+          </p:nvPr>
+        </p:nvSpPr>
+        <p:spPr>
+          <a:xfrm>
+            <a:off x="1356047" y="4028613"/>
+            <a:ext cx="5161906" cy="298746"/>
+          </a:xfrm>
+          <a:prstGeom prst="rect">
+            <a:avLst/>
+          </a:prstGeom>
+          <a:ln w="3175"/>
+        </p:spPr>
+        <p:txBody>
+          <a:bodyPr lIns="22590" tIns="22590" rIns="22590" bIns="22590"/>
+          <a:lstStyle>
+            <a:lvl1pPr marL="0" indent="0" defTabSz="335168">
+              <a:lnSpc>
+                <a:spcPct val="100000"/>
+              </a:lnSpc>
+              <a:spcBef>
+                <a:spcPts val="0"/>
+              </a:spcBef>
+              <a:buSzTx/>
+              <a:buFontTx/>
+              <a:buNone/>
+              <a:defRPr sz="1700" b="1">
+                <a:latin typeface="Helvetica Neue"/>
+                <a:ea typeface="Helvetica Neue"/>
+                <a:cs typeface="Helvetica Neue"/>
+                <a:sym typeface="Helvetica Neue"/>
+              </a:defRPr>
+            </a:lvl1pPr>
+          </a:lstStyle>
+          <a:p>
+            <a:r>
+              <a:t>Подзаголовок слайда</a:t>
+            </a:r>
+          </a:p>
+        </p:txBody>
+      </p:sp>
+      <p:sp>
+        <p:nvSpPr>
+          <p:cNvPr id="94" name="Заголовок слайда"/>
+          <p:cNvSpPr txBox="1">
+            <a:spLocks noGrp="1"/>
+          </p:cNvSpPr>
+          <p:nvPr>
+            <p:ph type="title" hasCustomPrompt="1"/>
+          </p:nvPr>
+        </p:nvSpPr>
+        <p:spPr>
+          <a:xfrm>
+            <a:off x="1356047" y="3596055"/>
+            <a:ext cx="5161906" cy="451809"/>
+          </a:xfrm>
+          <a:prstGeom prst="rect">
+            <a:avLst/>
+          </a:prstGeom>
+        </p:spPr>
+        <p:txBody>
+          <a:bodyPr lIns="22590" tIns="22590" rIns="22590" bIns="22590" anchor="t"/>
+          <a:lstStyle>
+            <a:lvl1pPr defTabSz="1980021">
+              <a:lnSpc>
+                <a:spcPct val="80000"/>
+              </a:lnSpc>
+              <a:defRPr sz="6000" b="1" spc="-119">
+                <a:latin typeface="Helvetica Neue"/>
+                <a:ea typeface="Helvetica Neue"/>
+                <a:cs typeface="Helvetica Neue"/>
+                <a:sym typeface="Helvetica Neue"/>
+              </a:defRPr>
+            </a:lvl1pPr>
+          </a:lstStyle>
+          <a:p>
+            <a:r>
+              <a:t>Заголовок слайда</a:t>
+            </a:r>
+          </a:p>
+        </p:txBody>
+      </p:sp>
+      <p:sp>
+        <p:nvSpPr>
+          <p:cNvPr id="95" name="01"/>
+          <p:cNvSpPr txBox="1">
+            <a:spLocks noGrp="1"/>
+          </p:cNvSpPr>
+          <p:nvPr>
+            <p:ph type="sldNum" sz="quarter" idx="2"/>
+          </p:nvPr>
+        </p:nvSpPr>
+        <p:spPr>
+          <a:xfrm>
+            <a:off x="3828880" y="7434598"/>
+            <a:ext cx="213228" cy="193670"/>
+          </a:xfrm>
+          <a:prstGeom prst="rect">
+            <a:avLst/>
+          </a:prstGeom>
+        </p:spPr>
+        <p:txBody>
+          <a:bodyPr lIns="22590" tIns="22590" rIns="22590" bIns="22590" anchor="b"/>
+          <a:lstStyle>
+            <a:lvl1pPr algn="ctr" defTabSz="667113">
+              <a:defRPr sz="1100">
+                <a:solidFill>
+                  <a:srgbClr val="000000"/>
+                </a:solidFill>
+                <a:latin typeface="Helvetica Neue"/>
+                <a:ea typeface="Helvetica Neue"/>
+                <a:cs typeface="Helvetica Neue"/>
+                <a:sym typeface="Helvetica Neue"/>
+              </a:defRPr>
+            </a:lvl1pPr>
+          </a:lstStyle>
+          <a:p>
+            <a:fld id="{86CB4B4D-7CA3-9044-876B-883B54F8677D}" type="slidenum">
+              <a:t>‹#›</a:t>
+            </a:fld>
+            <a:endParaRPr/>
+          </a:p>
+        </p:txBody>
+      </p:sp>
+    </p:spTree>
+  </p:cSld>
+  <p:clrMapOvr>
+    <a:masterClrMapping/>
+  </p:clrMapOvr>
+  <p:transition spd="med"/>
+</p:sldLayout>
+</file>
+
+<file path=ppt/slideLayouts/slideLayout2.xml><?xml version="1.0" encoding="utf-8"?>
+<p:sldLayout xmlns:a="http://schemas.openxmlformats.org/drawingml/2006/main" xmlns:r="http://schemas.openxmlformats.org/officeDocument/2006/relationships" xmlns:p="http://schemas.openxmlformats.org/presentationml/2006/main" type="tx">
+  <p:cSld name="Заголовок и объект">
+    <p:spTree>
+      <p:nvGrpSpPr>
+        <p:cNvPr id="1" name=""/>
+        <p:cNvGrpSpPr/>
+        <p:nvPr/>
+      </p:nvGrpSpPr>
+      <p:grpSpPr>
+        <a:xfrm>
+          <a:off x="0" y="0"/>
+          <a:ext cx="0" cy="0"/>
+          <a:chOff x="0" y="0"/>
+          <a:chExt cx="0" cy="0"/>
+        </a:xfrm>
+      </p:grpSpPr>
+      <p:sp>
+        <p:nvSpPr>
+          <p:cNvPr id="20" name="Title Text"/>
+          <p:cNvSpPr txBox="1">
+            <a:spLocks noGrp="1"/>
+          </p:cNvSpPr>
+          <p:nvPr>
+            <p:ph type="title"/>
+          </p:nvPr>
+        </p:nvSpPr>
+        <p:spPr>
+          <a:prstGeom prst="rect">
+            <a:avLst/>
+          </a:prstGeom>
+        </p:spPr>
+        <p:txBody>
+          <a:bodyPr/>
+          <a:lstStyle/>
+          <a:p>
+            <a:r>
+              <a:t>Title Text</a:t>
+            </a:r>
+          </a:p>
+        </p:txBody>
+      </p:sp>
+      <p:sp>
+        <p:nvSpPr>
+          <p:cNvPr id="21" name="Body Level One…"/>
+          <p:cNvSpPr txBox="1">
+            <a:spLocks noGrp="1"/>
+          </p:cNvSpPr>
+          <p:nvPr>
+            <p:ph type="body" idx="1"/>
+          </p:nvPr>
+        </p:nvSpPr>
+        <p:spPr>
+          <a:prstGeom prst="rect">
+            <a:avLst/>
+          </a:prstGeom>
+        </p:spPr>
+        <p:txBody>
+          <a:bodyPr/>
+          <a:lstStyle/>
+          <a:p>
+            <a:r>
+              <a:t>Body Level One</a:t>
+            </a:r>
+          </a:p>
+          <a:p>
+            <a:pPr lvl="1"/>
+            <a:r>
+              <a:t>Body Level Two</a:t>
+            </a:r>
+          </a:p>
+          <a:p>
+            <a:pPr lvl="2"/>
+            <a:r>
+              <a:t>Body Level Three</a:t>
+            </a:r>
+          </a:p>
+          <a:p>
+            <a:pPr lvl="3"/>
+            <a:r>
+              <a:t>Body Level Four</a:t>
+            </a:r>
+          </a:p>
+          <a:p>
+            <a:pPr lvl="4"/>
+            <a:r>
+              <a:t>Body Level Five</a:t>
+            </a:r>
+          </a:p>
+        </p:txBody>
+      </p:sp>
+      <p:sp>
+        <p:nvSpPr>
+          <p:cNvPr id="22" name="01"/>
+          <p:cNvSpPr txBox="1">
+            <a:spLocks noGrp="1"/>
+          </p:cNvSpPr>
+          <p:nvPr>
+            <p:ph type="sldNum" sz="quarter" idx="2"/>
+          </p:nvPr>
+        </p:nvSpPr>
+        <p:spPr>
+          <a:prstGeom prst="rect">
+            <a:avLst/>
+          </a:prstGeom>
+        </p:spPr>
+        <p:txBody>
+          <a:bodyPr/>
+          <a:lstStyle/>
+          <a:p>
+            <a:fld id="{86CB4B4D-7CA3-9044-876B-883B54F8677D}" type="slidenum">
+              <a:t>‹#›</a:t>
+            </a:fld>
+            <a:endParaRPr/>
+          </a:p>
+        </p:txBody>
+      </p:sp>
+    </p:spTree>
+  </p:cSld>
+  <p:clrMapOvr>
+    <a:masterClrMapping/>
+  </p:clrMapOvr>
+  <p:transition spd="med"/>
+</p:sldLayout>
+</file>
+
+<file path=ppt/slideLayouts/slideLayout3.xml><?xml version="1.0" encoding="utf-8"?>
 <p:sldLayout xmlns:a="http://schemas.openxmlformats.org/drawingml/2006/main" xmlns:r="http://schemas.openxmlformats.org/officeDocument/2006/relationships" xmlns:p="http://schemas.openxmlformats.org/presentationml/2006/main" type="tx">
   <p:cSld name="Заголовок раздела">
     <p:spTree>
@@ -493,7 +1066,7 @@
       </p:grpSpPr>
       <p:sp>
         <p:nvSpPr>
-          <p:cNvPr id="29" name="Текст заголовка"/>
+          <p:cNvPr id="29" name="Title Text"/>
           <p:cNvSpPr txBox="1">
             <a:spLocks noGrp="1"/>
           </p:cNvSpPr>
@@ -519,14 +1092,14 @@
           </a:lstStyle>
           <a:p>
             <a:r>
-              <a:t>Текст заголовка</a:t>
-            </a:r>
-          </a:p>
-        </p:txBody>
-      </p:sp>
-      <p:sp>
-        <p:nvSpPr>
-          <p:cNvPr id="30" name="Уровень текста 1…"/>
+              <a:t>Title Text</a:t>
+            </a:r>
+          </a:p>
+        </p:txBody>
+      </p:sp>
+      <p:sp>
+        <p:nvSpPr>
+          <p:cNvPr id="30" name="Body Level One…"/>
           <p:cNvSpPr txBox="1">
             <a:spLocks noGrp="1"/>
           </p:cNvSpPr>
@@ -579,38 +1152,38 @@
           </a:lstStyle>
           <a:p>
             <a:r>
-              <a:t>Уровень текста 1</a:t>
+              <a:t>Body Level One</a:t>
             </a:r>
           </a:p>
           <a:p>
             <a:pPr lvl="1"/>
             <a:r>
-              <a:t>Уровень текста 2</a:t>
+              <a:t>Body Level Two</a:t>
             </a:r>
           </a:p>
           <a:p>
             <a:pPr lvl="2"/>
             <a:r>
-              <a:t>Уровень текста 3</a:t>
+              <a:t>Body Level Three</a:t>
             </a:r>
           </a:p>
           <a:p>
             <a:pPr lvl="3"/>
             <a:r>
-              <a:t>Уровень текста 4</a:t>
+              <a:t>Body Level Four</a:t>
             </a:r>
           </a:p>
           <a:p>
             <a:pPr lvl="4"/>
             <a:r>
-              <a:t>Уровень текста 5</a:t>
-            </a:r>
-          </a:p>
-        </p:txBody>
-      </p:sp>
-      <p:sp>
-        <p:nvSpPr>
-          <p:cNvPr id="31" name="Номер слайда"/>
+              <a:t>Body Level Five</a:t>
+            </a:r>
+          </a:p>
+        </p:txBody>
+      </p:sp>
+      <p:sp>
+        <p:nvSpPr>
+          <p:cNvPr id="31" name="01"/>
           <p:cNvSpPr txBox="1">
             <a:spLocks noGrp="1"/>
           </p:cNvSpPr>
@@ -643,7 +1216,7 @@
 </p:sldLayout>
 </file>
 
-<file path=ppt/slideLayouts/slideLayout2.xml><?xml version="1.0" encoding="utf-8"?>
+<file path=ppt/slideLayouts/slideLayout4.xml><?xml version="1.0" encoding="utf-8"?>
 <p:sldLayout xmlns:a="http://schemas.openxmlformats.org/drawingml/2006/main" xmlns:r="http://schemas.openxmlformats.org/officeDocument/2006/relationships" xmlns:p="http://schemas.openxmlformats.org/presentationml/2006/main" type="tx">
   <p:cSld name="Два объекта">
     <p:spTree>
@@ -662,7 +1235,7 @@
       </p:grpSpPr>
       <p:sp>
         <p:nvSpPr>
-          <p:cNvPr id="38" name="Текст заголовка"/>
+          <p:cNvPr id="38" name="Title Text"/>
           <p:cNvSpPr txBox="1">
             <a:spLocks noGrp="1"/>
           </p:cNvSpPr>
@@ -680,14 +1253,14 @@
           <a:lstStyle/>
           <a:p>
             <a:r>
-              <a:t>Текст заголовка</a:t>
-            </a:r>
-          </a:p>
-        </p:txBody>
-      </p:sp>
-      <p:sp>
-        <p:nvSpPr>
-          <p:cNvPr id="39" name="Уровень текста 1…"/>
+              <a:t>Title Text</a:t>
+            </a:r>
+          </a:p>
+        </p:txBody>
+      </p:sp>
+      <p:sp>
+        <p:nvSpPr>
+          <p:cNvPr id="39" name="Body Level One…"/>
           <p:cNvSpPr txBox="1">
             <a:spLocks noGrp="1"/>
           </p:cNvSpPr>
@@ -709,38 +1282,38 @@
           <a:lstStyle/>
           <a:p>
             <a:r>
-              <a:t>Уровень текста 1</a:t>
+              <a:t>Body Level One</a:t>
             </a:r>
           </a:p>
           <a:p>
             <a:pPr lvl="1"/>
             <a:r>
-              <a:t>Уровень текста 2</a:t>
+              <a:t>Body Level Two</a:t>
             </a:r>
           </a:p>
           <a:p>
             <a:pPr lvl="2"/>
             <a:r>
-              <a:t>Уровень текста 3</a:t>
+              <a:t>Body Level Three</a:t>
             </a:r>
           </a:p>
           <a:p>
             <a:pPr lvl="3"/>
             <a:r>
-              <a:t>Уровень текста 4</a:t>
+              <a:t>Body Level Four</a:t>
             </a:r>
           </a:p>
           <a:p>
             <a:pPr lvl="4"/>
             <a:r>
-              <a:t>Уровень текста 5</a:t>
-            </a:r>
-          </a:p>
-        </p:txBody>
-      </p:sp>
-      <p:sp>
-        <p:nvSpPr>
-          <p:cNvPr id="40" name="Номер слайда"/>
+              <a:t>Body Level Five</a:t>
+            </a:r>
+          </a:p>
+        </p:txBody>
+      </p:sp>
+      <p:sp>
+        <p:nvSpPr>
+          <p:cNvPr id="40" name="01"/>
           <p:cNvSpPr txBox="1">
             <a:spLocks noGrp="1"/>
           </p:cNvSpPr>
@@ -773,7 +1346,7 @@
 </p:sldLayout>
 </file>
 
-<file path=ppt/slideLayouts/slideLayout3.xml><?xml version="1.0" encoding="utf-8"?>
+<file path=ppt/slideLayouts/slideLayout5.xml><?xml version="1.0" encoding="utf-8"?>
 <p:sldLayout xmlns:a="http://schemas.openxmlformats.org/drawingml/2006/main" xmlns:r="http://schemas.openxmlformats.org/officeDocument/2006/relationships" xmlns:p="http://schemas.openxmlformats.org/presentationml/2006/main" type="tx">
   <p:cSld name="Сравнение">
     <p:spTree>
@@ -792,7 +1365,7 @@
       </p:grpSpPr>
       <p:sp>
         <p:nvSpPr>
-          <p:cNvPr id="47" name="Текст заголовка"/>
+          <p:cNvPr id="47" name="Title Text"/>
           <p:cNvSpPr txBox="1">
             <a:spLocks noGrp="1"/>
           </p:cNvSpPr>
@@ -814,14 +1387,14 @@
           <a:lstStyle/>
           <a:p>
             <a:r>
-              <a:t>Текст заголовка</a:t>
-            </a:r>
-          </a:p>
-        </p:txBody>
-      </p:sp>
-      <p:sp>
-        <p:nvSpPr>
-          <p:cNvPr id="48" name="Уровень текста 1…"/>
+              <a:t>Title Text</a:t>
+            </a:r>
+          </a:p>
+        </p:txBody>
+      </p:sp>
+      <p:sp>
+        <p:nvSpPr>
+          <p:cNvPr id="48" name="Body Level One…"/>
           <p:cNvSpPr txBox="1">
             <a:spLocks noGrp="1"/>
           </p:cNvSpPr>
@@ -874,31 +1447,31 @@
           </a:lstStyle>
           <a:p>
             <a:r>
-              <a:t>Уровень текста 1</a:t>
+              <a:t>Body Level One</a:t>
             </a:r>
           </a:p>
           <a:p>
             <a:pPr lvl="1"/>
             <a:r>
-              <a:t>Уровень текста 2</a:t>
+              <a:t>Body Level Two</a:t>
             </a:r>
           </a:p>
           <a:p>
             <a:pPr lvl="2"/>
             <a:r>
-              <a:t>Уровень текста 3</a:t>
+              <a:t>Body Level Three</a:t>
             </a:r>
           </a:p>
           <a:p>
             <a:pPr lvl="3"/>
             <a:r>
-              <a:t>Уровень текста 4</a:t>
+              <a:t>Body Level Four</a:t>
             </a:r>
           </a:p>
           <a:p>
             <a:pPr lvl="4"/>
             <a:r>
-              <a:t>Уровень текста 5</a:t>
+              <a:t>Body Level Five</a:t>
             </a:r>
           </a:p>
         </p:txBody>
@@ -938,7 +1511,7 @@
       </p:sp>
       <p:sp>
         <p:nvSpPr>
-          <p:cNvPr id="50" name="Номер слайда"/>
+          <p:cNvPr id="50" name="01"/>
           <p:cNvSpPr txBox="1">
             <a:spLocks noGrp="1"/>
           </p:cNvSpPr>
@@ -971,7 +1544,7 @@
 </p:sldLayout>
 </file>
 
-<file path=ppt/slideLayouts/slideLayout4.xml><?xml version="1.0" encoding="utf-8"?>
+<file path=ppt/slideLayouts/slideLayout6.xml><?xml version="1.0" encoding="utf-8"?>
 <p:sldLayout xmlns:a="http://schemas.openxmlformats.org/drawingml/2006/main" xmlns:r="http://schemas.openxmlformats.org/officeDocument/2006/relationships" xmlns:p="http://schemas.openxmlformats.org/presentationml/2006/main" type="tx">
   <p:cSld name="Только заголовок">
     <p:spTree>
@@ -990,7 +1563,7 @@
       </p:grpSpPr>
       <p:sp>
         <p:nvSpPr>
-          <p:cNvPr id="57" name="Текст заголовка"/>
+          <p:cNvPr id="57" name="Title Text"/>
           <p:cNvSpPr txBox="1">
             <a:spLocks noGrp="1"/>
           </p:cNvSpPr>
@@ -1008,14 +1581,14 @@
           <a:lstStyle/>
           <a:p>
             <a:r>
-              <a:t>Текст заголовка</a:t>
-            </a:r>
-          </a:p>
-        </p:txBody>
-      </p:sp>
-      <p:sp>
-        <p:nvSpPr>
-          <p:cNvPr id="58" name="Номер слайда"/>
+              <a:t>Title Text</a:t>
+            </a:r>
+          </a:p>
+        </p:txBody>
+      </p:sp>
+      <p:sp>
+        <p:nvSpPr>
+          <p:cNvPr id="58" name="01"/>
           <p:cNvSpPr txBox="1">
             <a:spLocks noGrp="1"/>
           </p:cNvSpPr>
@@ -1048,7 +1621,7 @@
 </p:sldLayout>
 </file>
 
-<file path=ppt/slideLayouts/slideLayout5.xml><?xml version="1.0" encoding="utf-8"?>
+<file path=ppt/slideLayouts/slideLayout7.xml><?xml version="1.0" encoding="utf-8"?>
 <p:sldLayout xmlns:a="http://schemas.openxmlformats.org/drawingml/2006/main" xmlns:r="http://schemas.openxmlformats.org/officeDocument/2006/relationships" xmlns:p="http://schemas.openxmlformats.org/presentationml/2006/main" type="tx">
   <p:cSld name="Пустой слайд">
     <p:spTree>
@@ -1067,7 +1640,7 @@
       </p:grpSpPr>
       <p:sp>
         <p:nvSpPr>
-          <p:cNvPr id="65" name="Номер слайда"/>
+          <p:cNvPr id="65" name="01"/>
           <p:cNvSpPr txBox="1">
             <a:spLocks noGrp="1"/>
           </p:cNvSpPr>
@@ -1100,7 +1673,7 @@
 </p:sldLayout>
 </file>
 
-<file path=ppt/slideLayouts/slideLayout6.xml><?xml version="1.0" encoding="utf-8"?>
+<file path=ppt/slideLayouts/slideLayout8.xml><?xml version="1.0" encoding="utf-8"?>
 <p:sldLayout xmlns:a="http://schemas.openxmlformats.org/drawingml/2006/main" xmlns:r="http://schemas.openxmlformats.org/officeDocument/2006/relationships" xmlns:p="http://schemas.openxmlformats.org/presentationml/2006/main" type="tx">
   <p:cSld name="Объект с подписью">
     <p:spTree>
@@ -1119,7 +1692,7 @@
       </p:grpSpPr>
       <p:sp>
         <p:nvSpPr>
-          <p:cNvPr id="72" name="Текст заголовка"/>
+          <p:cNvPr id="72" name="Title Text"/>
           <p:cNvSpPr txBox="1">
             <a:spLocks noGrp="1"/>
           </p:cNvSpPr>
@@ -1145,14 +1718,14 @@
           </a:lstStyle>
           <a:p>
             <a:r>
-              <a:t>Текст заголовка</a:t>
-            </a:r>
-          </a:p>
-        </p:txBody>
-      </p:sp>
-      <p:sp>
-        <p:nvSpPr>
-          <p:cNvPr id="73" name="Уровень текста 1…"/>
+              <a:t>Title Text</a:t>
+            </a:r>
+          </a:p>
+        </p:txBody>
+      </p:sp>
+      <p:sp>
+        <p:nvSpPr>
+          <p:cNvPr id="73" name="Body Level One…"/>
           <p:cNvSpPr txBox="1">
             <a:spLocks noGrp="1"/>
           </p:cNvSpPr>
@@ -1190,31 +1763,31 @@
           </a:lstStyle>
           <a:p>
             <a:r>
-              <a:t>Уровень текста 1</a:t>
+              <a:t>Body Level One</a:t>
             </a:r>
           </a:p>
           <a:p>
             <a:pPr lvl="1"/>
             <a:r>
-              <a:t>Уровень текста 2</a:t>
+              <a:t>Body Level Two</a:t>
             </a:r>
           </a:p>
           <a:p>
             <a:pPr lvl="2"/>
             <a:r>
-              <a:t>Уровень текста 3</a:t>
+              <a:t>Body Level Three</a:t>
             </a:r>
           </a:p>
           <a:p>
             <a:pPr lvl="3"/>
             <a:r>
-              <a:t>Уровень текста 4</a:t>
+              <a:t>Body Level Four</a:t>
             </a:r>
           </a:p>
           <a:p>
             <a:pPr lvl="4"/>
             <a:r>
-              <a:t>Уровень текста 5</a:t>
+              <a:t>Body Level Five</a:t>
             </a:r>
           </a:p>
         </p:txBody>
@@ -1254,7 +1827,7 @@
       </p:sp>
       <p:sp>
         <p:nvSpPr>
-          <p:cNvPr id="75" name="Номер слайда"/>
+          <p:cNvPr id="75" name="01"/>
           <p:cNvSpPr txBox="1">
             <a:spLocks noGrp="1"/>
           </p:cNvSpPr>
@@ -1287,7 +1860,7 @@
 </p:sldLayout>
 </file>
 
-<file path=ppt/slideLayouts/slideLayout7.xml><?xml version="1.0" encoding="utf-8"?>
+<file path=ppt/slideLayouts/slideLayout9.xml><?xml version="1.0" encoding="utf-8"?>
 <p:sldLayout xmlns:a="http://schemas.openxmlformats.org/drawingml/2006/main" xmlns:r="http://schemas.openxmlformats.org/officeDocument/2006/relationships" xmlns:p="http://schemas.openxmlformats.org/presentationml/2006/main" type="tx">
   <p:cSld name="Рисунок с подписью">
     <p:spTree>
@@ -1306,7 +1879,7 @@
       </p:grpSpPr>
       <p:sp>
         <p:nvSpPr>
-          <p:cNvPr id="82" name="Текст заголовка"/>
+          <p:cNvPr id="82" name="Title Text"/>
           <p:cNvSpPr txBox="1">
             <a:spLocks noGrp="1"/>
           </p:cNvSpPr>
@@ -1332,7 +1905,7 @@
           </a:lstStyle>
           <a:p>
             <a:r>
-              <a:t>Текст заголовка</a:t>
+              <a:t>Title Text</a:t>
             </a:r>
           </a:p>
         </p:txBody>
@@ -1368,7 +1941,7 @@
       </p:sp>
       <p:sp>
         <p:nvSpPr>
-          <p:cNvPr id="84" name="Уровень текста 1…"/>
+          <p:cNvPr id="84" name="Body Level One…"/>
           <p:cNvSpPr txBox="1">
             <a:spLocks noGrp="1"/>
           </p:cNvSpPr>
@@ -1421,38 +1994,38 @@
           </a:lstStyle>
           <a:p>
             <a:r>
-              <a:t>Уровень текста 1</a:t>
+              <a:t>Body Level One</a:t>
             </a:r>
           </a:p>
           <a:p>
             <a:pPr lvl="1"/>
             <a:r>
-              <a:t>Уровень текста 2</a:t>
+              <a:t>Body Level Two</a:t>
             </a:r>
           </a:p>
           <a:p>
             <a:pPr lvl="2"/>
             <a:r>
-              <a:t>Уровень текста 3</a:t>
+              <a:t>Body Level Three</a:t>
             </a:r>
           </a:p>
           <a:p>
             <a:pPr lvl="3"/>
             <a:r>
-              <a:t>Уровень текста 4</a:t>
+              <a:t>Body Level Four</a:t>
             </a:r>
           </a:p>
           <a:p>
             <a:pPr lvl="4"/>
             <a:r>
-              <a:t>Уровень текста 5</a:t>
-            </a:r>
-          </a:p>
-        </p:txBody>
-      </p:sp>
-      <p:sp>
-        <p:nvSpPr>
-          <p:cNvPr id="85" name="Номер слайда"/>
+              <a:t>Body Level Five</a:t>
+            </a:r>
+          </a:p>
+        </p:txBody>
+      </p:sp>
+      <p:sp>
+        <p:nvSpPr>
+          <p:cNvPr id="85" name="01"/>
           <p:cNvSpPr txBox="1">
             <a:spLocks noGrp="1"/>
           </p:cNvSpPr>
@@ -1468,572 +2041,6 @@
         <p:txBody>
           <a:bodyPr/>
           <a:lstStyle/>
-          <a:p>
-            <a:fld id="{86CB4B4D-7CA3-9044-876B-883B54F8677D}" type="slidenum">
-              <a:t>‹#›</a:t>
-            </a:fld>
-            <a:endParaRPr/>
-          </a:p>
-        </p:txBody>
-      </p:sp>
-    </p:spTree>
-  </p:cSld>
-  <p:clrMapOvr>
-    <a:masterClrMapping/>
-  </p:clrMapOvr>
-  <p:transition spd="med"/>
-</p:sldLayout>
-</file>
-
-<file path=ppt/slideLayouts/slideLayout8.xml><?xml version="1.0" encoding="utf-8"?>
-<p:sldLayout xmlns:a="http://schemas.openxmlformats.org/drawingml/2006/main" xmlns:r="http://schemas.openxmlformats.org/officeDocument/2006/relationships" xmlns:p="http://schemas.openxmlformats.org/presentationml/2006/main" type="tx">
-  <p:cSld name="Заголовок и пункты">
-    <p:spTree>
-      <p:nvGrpSpPr>
-        <p:cNvPr id="1" name=""/>
-        <p:cNvGrpSpPr/>
-        <p:nvPr/>
-      </p:nvGrpSpPr>
-      <p:grpSpPr>
-        <a:xfrm>
-          <a:off x="0" y="0"/>
-          <a:ext cx="0" cy="0"/>
-          <a:chOff x="0" y="0"/>
-          <a:chExt cx="0" cy="0"/>
-        </a:xfrm>
-      </p:grpSpPr>
-      <p:sp>
-        <p:nvSpPr>
-          <p:cNvPr id="92" name="Уровень текста 1…"/>
-          <p:cNvSpPr txBox="1">
-            <a:spLocks noGrp="1"/>
-          </p:cNvSpPr>
-          <p:nvPr>
-            <p:ph type="body" sz="quarter" idx="1" hasCustomPrompt="1"/>
-          </p:nvPr>
-        </p:nvSpPr>
-        <p:spPr>
-          <a:xfrm>
-            <a:off x="1356047" y="4716162"/>
-            <a:ext cx="5161906" cy="2710848"/>
-          </a:xfrm>
-          <a:prstGeom prst="rect">
-            <a:avLst/>
-          </a:prstGeom>
-        </p:spPr>
-        <p:txBody>
-          <a:bodyPr lIns="22590" tIns="22590" rIns="22590" bIns="22590"/>
-          <a:lstStyle>
-            <a:lvl1pPr marL="152400" indent="-152400" defTabSz="1980021">
-              <a:lnSpc>
-                <a:spcPct val="110000"/>
-              </a:lnSpc>
-              <a:spcBef>
-                <a:spcPts val="3600"/>
-              </a:spcBef>
-              <a:buSzPct val="123000"/>
-              <a:buFontTx/>
-              <a:defRPr sz="1200">
-                <a:latin typeface="Roboto Light"/>
-                <a:ea typeface="Roboto Light"/>
-                <a:cs typeface="Roboto Light"/>
-                <a:sym typeface="Roboto Light"/>
-              </a:defRPr>
-            </a:lvl1pPr>
-            <a:lvl2pPr marL="533400" indent="-152400" defTabSz="1980021">
-              <a:lnSpc>
-                <a:spcPct val="110000"/>
-              </a:lnSpc>
-              <a:spcBef>
-                <a:spcPts val="3600"/>
-              </a:spcBef>
-              <a:buSzPct val="123000"/>
-              <a:buFontTx/>
-              <a:defRPr sz="1200">
-                <a:latin typeface="Roboto Light"/>
-                <a:ea typeface="Roboto Light"/>
-                <a:cs typeface="Roboto Light"/>
-                <a:sym typeface="Roboto Light"/>
-              </a:defRPr>
-            </a:lvl2pPr>
-            <a:lvl3pPr marL="914400" indent="-152400" defTabSz="1980021">
-              <a:lnSpc>
-                <a:spcPct val="110000"/>
-              </a:lnSpc>
-              <a:spcBef>
-                <a:spcPts val="3600"/>
-              </a:spcBef>
-              <a:buSzPct val="123000"/>
-              <a:buFontTx/>
-              <a:defRPr sz="1200">
-                <a:latin typeface="Roboto Light"/>
-                <a:ea typeface="Roboto Light"/>
-                <a:cs typeface="Roboto Light"/>
-                <a:sym typeface="Roboto Light"/>
-              </a:defRPr>
-            </a:lvl3pPr>
-            <a:lvl4pPr marL="1295400" indent="-152400" defTabSz="1980021">
-              <a:lnSpc>
-                <a:spcPct val="110000"/>
-              </a:lnSpc>
-              <a:spcBef>
-                <a:spcPts val="3600"/>
-              </a:spcBef>
-              <a:buSzPct val="123000"/>
-              <a:buFontTx/>
-              <a:defRPr sz="1200">
-                <a:latin typeface="Roboto Light"/>
-                <a:ea typeface="Roboto Light"/>
-                <a:cs typeface="Roboto Light"/>
-                <a:sym typeface="Roboto Light"/>
-              </a:defRPr>
-            </a:lvl4pPr>
-            <a:lvl5pPr marL="1676400" indent="-152400" defTabSz="1980021">
-              <a:lnSpc>
-                <a:spcPct val="110000"/>
-              </a:lnSpc>
-              <a:spcBef>
-                <a:spcPts val="3600"/>
-              </a:spcBef>
-              <a:buSzPct val="123000"/>
-              <a:buFontTx/>
-              <a:defRPr sz="1200">
-                <a:latin typeface="Roboto Light"/>
-                <a:ea typeface="Roboto Light"/>
-                <a:cs typeface="Roboto Light"/>
-                <a:sym typeface="Roboto Light"/>
-              </a:defRPr>
-            </a:lvl5pPr>
-          </a:lstStyle>
-          <a:p>
-            <a:r>
-              <a:t>Текст пункта на слайде</a:t>
-            </a:r>
-          </a:p>
-          <a:p>
-            <a:pPr lvl="1"/>
-            <a:endParaRPr/>
-          </a:p>
-          <a:p>
-            <a:pPr lvl="2"/>
-            <a:endParaRPr/>
-          </a:p>
-          <a:p>
-            <a:pPr lvl="3"/>
-            <a:endParaRPr/>
-          </a:p>
-          <a:p>
-            <a:pPr lvl="4"/>
-            <a:endParaRPr/>
-          </a:p>
-        </p:txBody>
-      </p:sp>
-      <p:sp>
-        <p:nvSpPr>
-          <p:cNvPr id="93" name="Подзаголовок слайда"/>
-          <p:cNvSpPr txBox="1">
-            <a:spLocks noGrp="1"/>
-          </p:cNvSpPr>
-          <p:nvPr>
-            <p:ph type="body" sz="quarter" idx="21" hasCustomPrompt="1"/>
-          </p:nvPr>
-        </p:nvSpPr>
-        <p:spPr>
-          <a:xfrm>
-            <a:off x="1356047" y="4028613"/>
-            <a:ext cx="5161906" cy="298746"/>
-          </a:xfrm>
-          <a:prstGeom prst="rect">
-            <a:avLst/>
-          </a:prstGeom>
-          <a:ln w="3175"/>
-        </p:spPr>
-        <p:txBody>
-          <a:bodyPr lIns="22590" tIns="22590" rIns="22590" bIns="22590"/>
-          <a:lstStyle>
-            <a:lvl1pPr marL="0" indent="0" defTabSz="335168">
-              <a:lnSpc>
-                <a:spcPct val="100000"/>
-              </a:lnSpc>
-              <a:spcBef>
-                <a:spcPts val="0"/>
-              </a:spcBef>
-              <a:buSzTx/>
-              <a:buFontTx/>
-              <a:buNone/>
-              <a:defRPr sz="1700" b="1">
-                <a:latin typeface="Helvetica Neue"/>
-                <a:ea typeface="Helvetica Neue"/>
-                <a:cs typeface="Helvetica Neue"/>
-                <a:sym typeface="Helvetica Neue"/>
-              </a:defRPr>
-            </a:lvl1pPr>
-          </a:lstStyle>
-          <a:p>
-            <a:r>
-              <a:t>Подзаголовок слайда</a:t>
-            </a:r>
-          </a:p>
-        </p:txBody>
-      </p:sp>
-      <p:sp>
-        <p:nvSpPr>
-          <p:cNvPr id="94" name="Заголовок слайда"/>
-          <p:cNvSpPr txBox="1">
-            <a:spLocks noGrp="1"/>
-          </p:cNvSpPr>
-          <p:nvPr>
-            <p:ph type="title" hasCustomPrompt="1"/>
-          </p:nvPr>
-        </p:nvSpPr>
-        <p:spPr>
-          <a:xfrm>
-            <a:off x="1356047" y="3596055"/>
-            <a:ext cx="5161906" cy="451809"/>
-          </a:xfrm>
-          <a:prstGeom prst="rect">
-            <a:avLst/>
-          </a:prstGeom>
-        </p:spPr>
-        <p:txBody>
-          <a:bodyPr lIns="22590" tIns="22590" rIns="22590" bIns="22590" anchor="t"/>
-          <a:lstStyle>
-            <a:lvl1pPr defTabSz="1980021">
-              <a:lnSpc>
-                <a:spcPct val="80000"/>
-              </a:lnSpc>
-              <a:defRPr sz="6000" b="1" spc="-119">
-                <a:latin typeface="Helvetica Neue"/>
-                <a:ea typeface="Helvetica Neue"/>
-                <a:cs typeface="Helvetica Neue"/>
-                <a:sym typeface="Helvetica Neue"/>
-              </a:defRPr>
-            </a:lvl1pPr>
-          </a:lstStyle>
-          <a:p>
-            <a:r>
-              <a:t>Заголовок слайда</a:t>
-            </a:r>
-          </a:p>
-        </p:txBody>
-      </p:sp>
-      <p:sp>
-        <p:nvSpPr>
-          <p:cNvPr id="95" name="Номер слайда"/>
-          <p:cNvSpPr txBox="1">
-            <a:spLocks noGrp="1"/>
-          </p:cNvSpPr>
-          <p:nvPr>
-            <p:ph type="sldNum" sz="quarter" idx="2"/>
-          </p:nvPr>
-        </p:nvSpPr>
-        <p:spPr>
-          <a:xfrm>
-            <a:off x="3828880" y="7434598"/>
-            <a:ext cx="213228" cy="193670"/>
-          </a:xfrm>
-          <a:prstGeom prst="rect">
-            <a:avLst/>
-          </a:prstGeom>
-        </p:spPr>
-        <p:txBody>
-          <a:bodyPr lIns="22590" tIns="22590" rIns="22590" bIns="22590" anchor="b"/>
-          <a:lstStyle>
-            <a:lvl1pPr algn="ctr" defTabSz="667113">
-              <a:defRPr sz="1100">
-                <a:solidFill>
-                  <a:srgbClr val="000000"/>
-                </a:solidFill>
-                <a:latin typeface="Helvetica Neue"/>
-                <a:ea typeface="Helvetica Neue"/>
-                <a:cs typeface="Helvetica Neue"/>
-                <a:sym typeface="Helvetica Neue"/>
-              </a:defRPr>
-            </a:lvl1pPr>
-          </a:lstStyle>
-          <a:p>
-            <a:fld id="{86CB4B4D-7CA3-9044-876B-883B54F8677D}" type="slidenum">
-              <a:t>‹#›</a:t>
-            </a:fld>
-            <a:endParaRPr/>
-          </a:p>
-        </p:txBody>
-      </p:sp>
-    </p:spTree>
-  </p:cSld>
-  <p:clrMapOvr>
-    <a:masterClrMapping/>
-  </p:clrMapOvr>
-  <p:transition spd="med"/>
-</p:sldLayout>
-</file>
-
-<file path=ppt/slideLayouts/slideLayout9.xml><?xml version="1.0" encoding="utf-8"?>
-<p:sldLayout xmlns:a="http://schemas.openxmlformats.org/drawingml/2006/main" xmlns:r="http://schemas.openxmlformats.org/officeDocument/2006/relationships" xmlns:p="http://schemas.openxmlformats.org/presentationml/2006/main" type="tx">
-  <p:cSld name="Заголовок и пункты">
-    <p:spTree>
-      <p:nvGrpSpPr>
-        <p:cNvPr id="1" name=""/>
-        <p:cNvGrpSpPr/>
-        <p:nvPr/>
-      </p:nvGrpSpPr>
-      <p:grpSpPr>
-        <a:xfrm>
-          <a:off x="0" y="0"/>
-          <a:ext cx="0" cy="0"/>
-          <a:chOff x="0" y="0"/>
-          <a:chExt cx="0" cy="0"/>
-        </a:xfrm>
-      </p:grpSpPr>
-      <p:sp>
-        <p:nvSpPr>
-          <p:cNvPr id="102" name="Уровень текста 1…"/>
-          <p:cNvSpPr txBox="1">
-            <a:spLocks noGrp="1"/>
-          </p:cNvSpPr>
-          <p:nvPr>
-            <p:ph type="body" sz="quarter" idx="1" hasCustomPrompt="1"/>
-          </p:nvPr>
-        </p:nvSpPr>
-        <p:spPr>
-          <a:xfrm>
-            <a:off x="1301439" y="4698119"/>
-            <a:ext cx="5271122" cy="2768204"/>
-          </a:xfrm>
-          <a:prstGeom prst="rect">
-            <a:avLst/>
-          </a:prstGeom>
-        </p:spPr>
-        <p:txBody>
-          <a:bodyPr lIns="23068" tIns="23068" rIns="23068" bIns="23068"/>
-          <a:lstStyle>
-            <a:lvl1pPr marL="190500" indent="-190500" defTabSz="1980021">
-              <a:lnSpc>
-                <a:spcPct val="110000"/>
-              </a:lnSpc>
-              <a:spcBef>
-                <a:spcPts val="3600"/>
-              </a:spcBef>
-              <a:buSzPct val="123000"/>
-              <a:buFontTx/>
-              <a:defRPr sz="1500">
-                <a:latin typeface="Roboto Light"/>
-                <a:ea typeface="Roboto Light"/>
-                <a:cs typeface="Roboto Light"/>
-                <a:sym typeface="Roboto Light"/>
-              </a:defRPr>
-            </a:lvl1pPr>
-            <a:lvl2pPr marL="571500" indent="-190500" defTabSz="1980021">
-              <a:lnSpc>
-                <a:spcPct val="110000"/>
-              </a:lnSpc>
-              <a:spcBef>
-                <a:spcPts val="3600"/>
-              </a:spcBef>
-              <a:buSzPct val="123000"/>
-              <a:buFontTx/>
-              <a:defRPr sz="1500">
-                <a:latin typeface="Roboto Light"/>
-                <a:ea typeface="Roboto Light"/>
-                <a:cs typeface="Roboto Light"/>
-                <a:sym typeface="Roboto Light"/>
-              </a:defRPr>
-            </a:lvl2pPr>
-            <a:lvl3pPr marL="952500" indent="-190500" defTabSz="1980021">
-              <a:lnSpc>
-                <a:spcPct val="110000"/>
-              </a:lnSpc>
-              <a:spcBef>
-                <a:spcPts val="3600"/>
-              </a:spcBef>
-              <a:buSzPct val="123000"/>
-              <a:buFontTx/>
-              <a:defRPr sz="1500">
-                <a:latin typeface="Roboto Light"/>
-                <a:ea typeface="Roboto Light"/>
-                <a:cs typeface="Roboto Light"/>
-                <a:sym typeface="Roboto Light"/>
-              </a:defRPr>
-            </a:lvl3pPr>
-            <a:lvl4pPr marL="1333500" indent="-190500" defTabSz="1980021">
-              <a:lnSpc>
-                <a:spcPct val="110000"/>
-              </a:lnSpc>
-              <a:spcBef>
-                <a:spcPts val="3600"/>
-              </a:spcBef>
-              <a:buSzPct val="123000"/>
-              <a:buFontTx/>
-              <a:defRPr sz="1500">
-                <a:latin typeface="Roboto Light"/>
-                <a:ea typeface="Roboto Light"/>
-                <a:cs typeface="Roboto Light"/>
-                <a:sym typeface="Roboto Light"/>
-              </a:defRPr>
-            </a:lvl4pPr>
-            <a:lvl5pPr marL="1714500" indent="-190500" defTabSz="1980021">
-              <a:lnSpc>
-                <a:spcPct val="110000"/>
-              </a:lnSpc>
-              <a:spcBef>
-                <a:spcPts val="3600"/>
-              </a:spcBef>
-              <a:buSzPct val="123000"/>
-              <a:buFontTx/>
-              <a:defRPr sz="1500">
-                <a:latin typeface="Roboto Light"/>
-                <a:ea typeface="Roboto Light"/>
-                <a:cs typeface="Roboto Light"/>
-                <a:sym typeface="Roboto Light"/>
-              </a:defRPr>
-            </a:lvl5pPr>
-          </a:lstStyle>
-          <a:p>
-            <a:r>
-              <a:t>Текст пункта на слайде</a:t>
-            </a:r>
-          </a:p>
-          <a:p>
-            <a:pPr lvl="1"/>
-            <a:endParaRPr/>
-          </a:p>
-          <a:p>
-            <a:pPr lvl="2"/>
-            <a:endParaRPr/>
-          </a:p>
-          <a:p>
-            <a:pPr lvl="3"/>
-            <a:endParaRPr/>
-          </a:p>
-          <a:p>
-            <a:pPr lvl="4"/>
-            <a:endParaRPr/>
-          </a:p>
-        </p:txBody>
-      </p:sp>
-      <p:sp>
-        <p:nvSpPr>
-          <p:cNvPr id="103" name="Подзаголовок слайда"/>
-          <p:cNvSpPr txBox="1">
-            <a:spLocks noGrp="1"/>
-          </p:cNvSpPr>
-          <p:nvPr>
-            <p:ph type="body" sz="quarter" idx="21" hasCustomPrompt="1"/>
-          </p:nvPr>
-        </p:nvSpPr>
-        <p:spPr>
-          <a:xfrm>
-            <a:off x="1301439" y="3996022"/>
-            <a:ext cx="5271122" cy="305067"/>
-          </a:xfrm>
-          <a:prstGeom prst="rect">
-            <a:avLst/>
-          </a:prstGeom>
-          <a:ln w="3175"/>
-        </p:spPr>
-        <p:txBody>
-          <a:bodyPr lIns="23068" tIns="23068" rIns="23068" bIns="23068"/>
-          <a:lstStyle>
-            <a:lvl1pPr marL="0" indent="0" defTabSz="315058">
-              <a:lnSpc>
-                <a:spcPct val="100000"/>
-              </a:lnSpc>
-              <a:spcBef>
-                <a:spcPts val="0"/>
-              </a:spcBef>
-              <a:buSzTx/>
-              <a:buFontTx/>
-              <a:buNone/>
-              <a:defRPr sz="1692" b="1">
-                <a:latin typeface="Helvetica Neue"/>
-                <a:ea typeface="Helvetica Neue"/>
-                <a:cs typeface="Helvetica Neue"/>
-                <a:sym typeface="Helvetica Neue"/>
-              </a:defRPr>
-            </a:lvl1pPr>
-          </a:lstStyle>
-          <a:p>
-            <a:r>
-              <a:t>Подзаголовок слайда</a:t>
-            </a:r>
-          </a:p>
-        </p:txBody>
-      </p:sp>
-      <p:sp>
-        <p:nvSpPr>
-          <p:cNvPr id="104" name="Заголовок слайда"/>
-          <p:cNvSpPr txBox="1">
-            <a:spLocks noGrp="1"/>
-          </p:cNvSpPr>
-          <p:nvPr>
-            <p:ph type="title" hasCustomPrompt="1"/>
-          </p:nvPr>
-        </p:nvSpPr>
-        <p:spPr>
-          <a:xfrm>
-            <a:off x="1301439" y="3554313"/>
-            <a:ext cx="5271122" cy="461368"/>
-          </a:xfrm>
-          <a:prstGeom prst="rect">
-            <a:avLst/>
-          </a:prstGeom>
-        </p:spPr>
-        <p:txBody>
-          <a:bodyPr lIns="23068" tIns="23068" rIns="23068" bIns="23068" anchor="t"/>
-          <a:lstStyle>
-            <a:lvl1pPr defTabSz="1980021">
-              <a:lnSpc>
-                <a:spcPct val="80000"/>
-              </a:lnSpc>
-              <a:defRPr sz="6200" b="1" spc="-124">
-                <a:latin typeface="Helvetica Neue"/>
-                <a:ea typeface="Helvetica Neue"/>
-                <a:cs typeface="Helvetica Neue"/>
-                <a:sym typeface="Helvetica Neue"/>
-              </a:defRPr>
-            </a:lvl1pPr>
-          </a:lstStyle>
-          <a:p>
-            <a:r>
-              <a:t>Заголовок слайда</a:t>
-            </a:r>
-          </a:p>
-        </p:txBody>
-      </p:sp>
-      <p:sp>
-        <p:nvSpPr>
-          <p:cNvPr id="105" name="Номер слайда"/>
-          <p:cNvSpPr txBox="1">
-            <a:spLocks noGrp="1"/>
-          </p:cNvSpPr>
-          <p:nvPr>
-            <p:ph type="sldNum" sz="quarter" idx="2"/>
-          </p:nvPr>
-        </p:nvSpPr>
-        <p:spPr>
-          <a:xfrm>
-            <a:off x="3821309" y="7452169"/>
-            <a:ext cx="228306" cy="219670"/>
-          </a:xfrm>
-          <a:prstGeom prst="rect">
-            <a:avLst/>
-          </a:prstGeom>
-        </p:spPr>
-        <p:txBody>
-          <a:bodyPr lIns="23068" tIns="23068" rIns="23068" bIns="23068" anchor="b"/>
-          <a:lstStyle>
-            <a:lvl1pPr algn="ctr" defTabSz="667113">
-              <a:defRPr sz="1200">
-                <a:solidFill>
-                  <a:srgbClr val="000000"/>
-                </a:solidFill>
-                <a:latin typeface="Helvetica Neue"/>
-                <a:ea typeface="Helvetica Neue"/>
-                <a:cs typeface="Helvetica Neue"/>
-                <a:sym typeface="Helvetica Neue"/>
-              </a:defRPr>
-            </a:lvl1pPr>
-          </a:lstStyle>
           <a:p>
             <a:fld id="{86CB4B4D-7CA3-9044-876B-883B54F8677D}" type="slidenum">
               <a:t>‹#›</a:t>
@@ -2078,7 +2085,7 @@
       </p:grpSpPr>
       <p:sp>
         <p:nvSpPr>
-          <p:cNvPr id="2" name="Текст заголовка"/>
+          <p:cNvPr id="2" name="Title Text"/>
           <p:cNvSpPr txBox="1">
             <a:spLocks noGrp="1"/>
           </p:cNvSpPr>
@@ -2099,7 +2106,7 @@
           </a:ln>
           <a:extLst>
             <a:ext uri="{C572A759-6A51-4108-AA02-DFA0A04FC94B}">
-              <ma14:wrappingTextBoxFlag xmlns="" xmlns:m="http://schemas.openxmlformats.org/officeDocument/2006/math" xmlns:a14="http://schemas.microsoft.com/office/drawing/2010/main" xmlns:ma14="http://schemas.microsoft.com/office/mac/drawingml/2011/main" val="1"/>
+              <ma14:wrappingTextBoxFlag xmlns:ma14="http://schemas.microsoft.com/office/mac/drawingml/2011/main" xmlns:a14="http://schemas.microsoft.com/office/drawing/2010/main" xmlns:m="http://schemas.openxmlformats.org/officeDocument/2006/math" xmlns="" val="1"/>
             </a:ext>
           </a:extLst>
         </p:spPr>
@@ -2110,14 +2117,14 @@
           <a:lstStyle/>
           <a:p>
             <a:r>
-              <a:t>Текст заголовка</a:t>
-            </a:r>
-          </a:p>
-        </p:txBody>
-      </p:sp>
-      <p:sp>
-        <p:nvSpPr>
-          <p:cNvPr id="3" name="Уровень текста 1…"/>
+              <a:t>Title Text</a:t>
+            </a:r>
+          </a:p>
+        </p:txBody>
+      </p:sp>
+      <p:sp>
+        <p:nvSpPr>
+          <p:cNvPr id="3" name="Body Level One…"/>
           <p:cNvSpPr txBox="1">
             <a:spLocks noGrp="1"/>
           </p:cNvSpPr>
@@ -2138,7 +2145,7 @@
           </a:ln>
           <a:extLst>
             <a:ext uri="{C572A759-6A51-4108-AA02-DFA0A04FC94B}">
-              <ma14:wrappingTextBoxFlag xmlns="" xmlns:m="http://schemas.openxmlformats.org/officeDocument/2006/math" xmlns:a14="http://schemas.microsoft.com/office/drawing/2010/main" xmlns:ma14="http://schemas.microsoft.com/office/mac/drawingml/2011/main" val="1"/>
+              <ma14:wrappingTextBoxFlag xmlns:ma14="http://schemas.microsoft.com/office/mac/drawingml/2011/main" xmlns:a14="http://schemas.microsoft.com/office/drawing/2010/main" xmlns:m="http://schemas.openxmlformats.org/officeDocument/2006/math" xmlns="" val="1"/>
             </a:ext>
           </a:extLst>
         </p:spPr>
@@ -2149,38 +2156,38 @@
           <a:lstStyle/>
           <a:p>
             <a:r>
-              <a:t>Уровень текста 1</a:t>
+              <a:t>Body Level One</a:t>
             </a:r>
           </a:p>
           <a:p>
             <a:pPr lvl="1"/>
             <a:r>
-              <a:t>Уровень текста 2</a:t>
+              <a:t>Body Level Two</a:t>
             </a:r>
           </a:p>
           <a:p>
             <a:pPr lvl="2"/>
             <a:r>
-              <a:t>Уровень текста 3</a:t>
+              <a:t>Body Level Three</a:t>
             </a:r>
           </a:p>
           <a:p>
             <a:pPr lvl="3"/>
             <a:r>
-              <a:t>Уровень текста 4</a:t>
+              <a:t>Body Level Four</a:t>
             </a:r>
           </a:p>
           <a:p>
             <a:pPr lvl="4"/>
             <a:r>
-              <a:t>Уровень текста 5</a:t>
-            </a:r>
-          </a:p>
-        </p:txBody>
-      </p:sp>
-      <p:sp>
-        <p:nvSpPr>
-          <p:cNvPr id="4" name="Номер слайда"/>
+              <a:t>Body Level Five</a:t>
+            </a:r>
+          </a:p>
+        </p:txBody>
+      </p:sp>
+      <p:sp>
+        <p:nvSpPr>
+          <p:cNvPr id="4" name="01"/>
           <p:cNvSpPr txBox="1">
             <a:spLocks noGrp="1"/>
           </p:cNvSpPr>
@@ -2225,15 +2232,16 @@
   </p:cSld>
   <p:clrMap bg1="lt1" tx1="dk1" bg2="lt2" tx2="dk2" accent1="accent1" accent2="accent2" accent3="accent3" accent4="accent4" accent5="accent5" accent6="accent6" hlink="hlink" folHlink="folHlink"/>
   <p:sldLayoutIdLst>
-    <p:sldLayoutId id="2147483651" r:id="rId1"/>
-    <p:sldLayoutId id="2147483652" r:id="rId2"/>
-    <p:sldLayoutId id="2147483653" r:id="rId3"/>
-    <p:sldLayoutId id="2147483654" r:id="rId4"/>
-    <p:sldLayoutId id="2147483655" r:id="rId5"/>
-    <p:sldLayoutId id="2147483656" r:id="rId6"/>
-    <p:sldLayoutId id="2147483657" r:id="rId7"/>
-    <p:sldLayoutId id="2147483658" r:id="rId8"/>
-    <p:sldLayoutId id="2147483659" r:id="rId9"/>
+    <p:sldLayoutId id="2147483649" r:id="rId1"/>
+    <p:sldLayoutId id="2147483650" r:id="rId2"/>
+    <p:sldLayoutId id="2147483651" r:id="rId3"/>
+    <p:sldLayoutId id="2147483652" r:id="rId4"/>
+    <p:sldLayoutId id="2147483653" r:id="rId5"/>
+    <p:sldLayoutId id="2147483654" r:id="rId6"/>
+    <p:sldLayoutId id="2147483655" r:id="rId7"/>
+    <p:sldLayoutId id="2147483656" r:id="rId8"/>
+    <p:sldLayoutId id="2147483657" r:id="rId9"/>
+    <p:sldLayoutId id="2147483658" r:id="rId10"/>
   </p:sldLayoutIdLst>
   <p:transition spd="med"/>
   <p:txStyles>
@@ -2968,38 +2976,34 @@
       </p:grpSpPr>
       <p:sp>
         <p:nvSpPr>
-          <p:cNvPr id="981" name="Прямоугольник"/>
+          <p:cNvPr id="356" name="Oval"/>
           <p:cNvSpPr/>
           <p:nvPr/>
         </p:nvSpPr>
         <p:spPr>
           <a:xfrm>
-            <a:off x="0" y="2626424"/>
-            <a:ext cx="2946717" cy="8526556"/>
+            <a:off x="6627207" y="10180357"/>
+            <a:ext cx="404013" cy="411314"/>
           </a:xfrm>
-          <a:prstGeom prst="rect">
+          <a:prstGeom prst="ellipse">
             <a:avLst/>
           </a:prstGeom>
           <a:solidFill>
-            <a:srgbClr val="F1F7F8"/>
+            <a:srgbClr val="59BFDF"/>
           </a:solidFill>
-          <a:ln w="3175">
+          <a:ln w="12700">
             <a:miter lim="400000"/>
           </a:ln>
         </p:spPr>
         <p:txBody>
-          <a:bodyPr lIns="50800" tIns="50800" rIns="50800" bIns="50800" anchor="ctr"/>
+          <a:bodyPr lIns="51405" tIns="51405" rIns="51405" bIns="51405" anchor="ctr"/>
           <a:lstStyle/>
           <a:p>
-            <a:pPr algn="ctr" defTabSz="584200">
-              <a:defRPr sz="1200">
+            <a:pPr>
+              <a:defRPr>
                 <a:solidFill>
                   <a:srgbClr val="FFFFFF"/>
                 </a:solidFill>
-                <a:latin typeface="Helvetica Neue Medium"/>
-                <a:ea typeface="Helvetica Neue Medium"/>
-                <a:cs typeface="Helvetica Neue Medium"/>
-                <a:sym typeface="Helvetica Neue Medium"/>
               </a:defRPr>
             </a:pPr>
             <a:endParaRPr/>
@@ -3008,41 +3012,34 @@
       </p:sp>
       <p:sp>
         <p:nvSpPr>
-          <p:cNvPr id="982" name="Кружок"/>
+          <p:cNvPr id="357" name="Oval"/>
           <p:cNvSpPr/>
           <p:nvPr/>
         </p:nvSpPr>
         <p:spPr>
           <a:xfrm>
-            <a:off x="383854" y="2926426"/>
-            <a:ext cx="1089505" cy="1089505"/>
+            <a:off x="4964869" y="3334680"/>
+            <a:ext cx="670713" cy="678014"/>
           </a:xfrm>
           <a:prstGeom prst="ellipse">
             <a:avLst/>
           </a:prstGeom>
-          <a:blipFill>
-            <a:blip r:embed="rId2"/>
-            <a:stretch>
-              <a:fillRect/>
-            </a:stretch>
-          </a:blipFill>
-          <a:ln w="3175">
+          <a:solidFill>
+            <a:srgbClr val="3FB0DA"/>
+          </a:solidFill>
+          <a:ln w="12700">
             <a:miter lim="400000"/>
           </a:ln>
         </p:spPr>
         <p:txBody>
-          <a:bodyPr lIns="50800" tIns="50800" rIns="50800" bIns="50800" anchor="ctr"/>
+          <a:bodyPr lIns="51405" tIns="51405" rIns="51405" bIns="51405" anchor="ctr"/>
           <a:lstStyle/>
           <a:p>
-            <a:pPr algn="ctr" defTabSz="584200">
-              <a:defRPr sz="1200">
+            <a:pPr>
+              <a:defRPr>
                 <a:solidFill>
                   <a:srgbClr val="FFFFFF"/>
                 </a:solidFill>
-                <a:latin typeface="Helvetica Neue Medium"/>
-                <a:ea typeface="Helvetica Neue Medium"/>
-                <a:cs typeface="Helvetica Neue Medium"/>
-                <a:sym typeface="Helvetica Neue Medium"/>
               </a:defRPr>
             </a:pPr>
             <a:endParaRPr/>
@@ -3051,14 +3048,99 @@
       </p:sp>
       <p:sp>
         <p:nvSpPr>
-          <p:cNvPr id="983" name="Alexandro Moreno"/>
+          <p:cNvPr id="358" name="Oval"/>
+          <p:cNvSpPr/>
+          <p:nvPr/>
+        </p:nvSpPr>
+        <p:spPr>
+          <a:xfrm>
+            <a:off x="1212285" y="7321781"/>
+            <a:ext cx="556413" cy="557706"/>
+          </a:xfrm>
+          <a:prstGeom prst="ellipse">
+            <a:avLst/>
+          </a:prstGeom>
+          <a:solidFill>
+            <a:srgbClr val="F4B161"/>
+          </a:solidFill>
+          <a:ln w="12700">
+            <a:miter lim="400000"/>
+          </a:ln>
+        </p:spPr>
+        <p:txBody>
+          <a:bodyPr lIns="51405" tIns="51405" rIns="51405" bIns="51405" anchor="ctr"/>
+          <a:lstStyle/>
+          <a:p>
+            <a:pPr>
+              <a:defRPr>
+                <a:solidFill>
+                  <a:srgbClr val="2A9D8F"/>
+                </a:solidFill>
+              </a:defRPr>
+            </a:pPr>
+            <a:endParaRPr/>
+          </a:p>
+        </p:txBody>
+      </p:sp>
+      <p:sp>
+        <p:nvSpPr>
+          <p:cNvPr id="359" name="Oval"/>
+          <p:cNvSpPr/>
+          <p:nvPr/>
+        </p:nvSpPr>
+        <p:spPr>
+          <a:xfrm>
+            <a:off x="309532" y="137555"/>
+            <a:ext cx="946319" cy="950943"/>
+          </a:xfrm>
+          <a:prstGeom prst="ellipse">
+            <a:avLst/>
+          </a:prstGeom>
+          <a:gradFill>
+            <a:gsLst>
+              <a:gs pos="0">
+                <a:schemeClr val="accent4">
+                  <a:hueOff val="-406799"/>
+                  <a:lumOff val="30382"/>
+                </a:schemeClr>
+              </a:gs>
+              <a:gs pos="50000">
+                <a:srgbClr val="FFD58D"/>
+              </a:gs>
+              <a:gs pos="100000">
+                <a:schemeClr val="accent4">
+                  <a:hueOff val="-362075"/>
+                  <a:lumOff val="23565"/>
+                </a:schemeClr>
+              </a:gs>
+            </a:gsLst>
+            <a:lin ang="5400000"/>
+          </a:gradFill>
+          <a:ln w="3175">
+            <a:solidFill>
+              <a:srgbClr val="F4A261"/>
+            </a:solidFill>
+            <a:miter/>
+          </a:ln>
+        </p:spPr>
+        <p:txBody>
+          <a:bodyPr lIns="51405" tIns="51405" rIns="51405" bIns="51405" anchor="ctr"/>
+          <a:lstStyle/>
+          <a:p>
+            <a:endParaRPr/>
+          </a:p>
+        </p:txBody>
+      </p:sp>
+      <p:sp>
+        <p:nvSpPr>
+          <p:cNvPr id="360" name="(555) 123-4567"/>
           <p:cNvSpPr txBox="1"/>
           <p:nvPr/>
         </p:nvSpPr>
         <p:spPr>
           <a:xfrm>
-            <a:off x="383854" y="501204"/>
-            <a:ext cx="3333155" cy="866371"/>
+            <a:off x="5772112" y="657071"/>
+            <a:ext cx="1680666" cy="288250"/>
           </a:xfrm>
           <a:prstGeom prst="rect">
             <a:avLst/>
@@ -3068,21 +3150,18 @@
           </a:ln>
           <a:extLst>
             <a:ext uri="{C572A759-6A51-4108-AA02-DFA0A04FC94B}">
-              <ma14:wrappingTextBoxFlag xmlns="" xmlns:m="http://schemas.openxmlformats.org/officeDocument/2006/math" xmlns:a14="http://schemas.microsoft.com/office/drawing/2010/main" xmlns:ma14="http://schemas.microsoft.com/office/mac/drawingml/2011/main" val="1"/>
+              <ma14:wrappingTextBoxFlag xmlns:ma14="http://schemas.microsoft.com/office/mac/drawingml/2011/main" xmlns:a14="http://schemas.microsoft.com/office/drawing/2010/main" xmlns:m="http://schemas.openxmlformats.org/officeDocument/2006/math" xmlns="" val="1"/>
             </a:ext>
           </a:extLst>
         </p:spPr>
         <p:txBody>
-          <a:bodyPr lIns="0" tIns="0" rIns="0" bIns="0" anchor="ctr"/>
+          <a:bodyPr lIns="57117" tIns="57117" rIns="57117" bIns="57117" anchor="ctr"/>
           <a:lstStyle>
-            <a:lvl1pPr defTabSz="457200">
-              <a:lnSpc>
-                <a:spcPct val="110000"/>
-              </a:lnSpc>
-              <a:tabLst>
-                <a:tab pos="228600" algn="l"/>
-              </a:tabLst>
-              <a:defRPr sz="2500" cap="all" spc="625">
+            <a:lvl1pPr algn="r">
+              <a:defRPr sz="1000">
+                <a:solidFill>
+                  <a:srgbClr val="333333"/>
+                </a:solidFill>
                 <a:latin typeface="Helvetica Neue"/>
                 <a:ea typeface="Helvetica Neue"/>
                 <a:cs typeface="Helvetica Neue"/>
@@ -3092,21 +3171,21 @@
           </a:lstStyle>
           <a:p>
             <a:r>
-              <a:t>Alexandro Moreno</a:t>
-            </a:r>
-          </a:p>
-        </p:txBody>
-      </p:sp>
-      <p:sp>
-        <p:nvSpPr>
-          <p:cNvPr id="984" name="web-Designer"/>
+              <a:t>(555) 123-4567</a:t>
+            </a:r>
+          </a:p>
+        </p:txBody>
+      </p:sp>
+      <p:sp>
+        <p:nvSpPr>
+          <p:cNvPr id="361" name="matthewmoore@email.com"/>
           <p:cNvSpPr txBox="1"/>
           <p:nvPr/>
         </p:nvSpPr>
         <p:spPr>
           <a:xfrm>
-            <a:off x="383854" y="1528084"/>
-            <a:ext cx="2997902" cy="287770"/>
+            <a:off x="5772112" y="890960"/>
+            <a:ext cx="1680666" cy="291398"/>
           </a:xfrm>
           <a:prstGeom prst="rect">
             <a:avLst/>
@@ -3116,42 +3195,42 @@
           </a:ln>
           <a:extLst>
             <a:ext uri="{C572A759-6A51-4108-AA02-DFA0A04FC94B}">
-              <ma14:wrappingTextBoxFlag xmlns="" xmlns:m="http://schemas.openxmlformats.org/officeDocument/2006/math" xmlns:a14="http://schemas.microsoft.com/office/drawing/2010/main" xmlns:ma14="http://schemas.microsoft.com/office/mac/drawingml/2011/main" val="1"/>
+              <ma14:wrappingTextBoxFlag xmlns:ma14="http://schemas.microsoft.com/office/mac/drawingml/2011/main" xmlns:a14="http://schemas.microsoft.com/office/drawing/2010/main" xmlns:m="http://schemas.openxmlformats.org/officeDocument/2006/math" xmlns="" val="1"/>
             </a:ext>
           </a:extLst>
         </p:spPr>
         <p:txBody>
-          <a:bodyPr lIns="0" tIns="0" rIns="0" bIns="0"/>
+          <a:bodyPr lIns="57117" tIns="57117" rIns="57117" bIns="57117" anchor="ctr"/>
           <a:lstStyle>
-            <a:lvl1pPr defTabSz="457200">
-              <a:tabLst>
-                <a:tab pos="228600" algn="l"/>
-              </a:tabLst>
-              <a:defRPr sz="1200" cap="all" spc="300">
-                <a:latin typeface="Helvetica Neue Light"/>
-                <a:ea typeface="Helvetica Neue Light"/>
-                <a:cs typeface="Helvetica Neue Light"/>
-                <a:sym typeface="Helvetica Neue Light"/>
+            <a:lvl1pPr algn="r">
+              <a:defRPr sz="1000">
+                <a:solidFill>
+                  <a:srgbClr val="333333"/>
+                </a:solidFill>
+                <a:latin typeface="Helvetica Neue"/>
+                <a:ea typeface="Helvetica Neue"/>
+                <a:cs typeface="Helvetica Neue"/>
+                <a:sym typeface="Helvetica Neue"/>
               </a:defRPr>
             </a:lvl1pPr>
           </a:lstStyle>
           <a:p>
             <a:r>
-              <a:t>web-Designer</a:t>
-            </a:r>
-          </a:p>
-        </p:txBody>
-      </p:sp>
-      <p:sp>
-        <p:nvSpPr>
-          <p:cNvPr id="985" name="Experience"/>
+              <a:t>matthewmoore@email.com</a:t>
+            </a:r>
+          </a:p>
+        </p:txBody>
+      </p:sp>
+      <p:sp>
+        <p:nvSpPr>
+          <p:cNvPr id="362" name="Linkedin Profile"/>
           <p:cNvSpPr txBox="1"/>
           <p:nvPr/>
         </p:nvSpPr>
         <p:spPr>
           <a:xfrm>
-            <a:off x="3840195" y="2338655"/>
-            <a:ext cx="2941253" cy="287770"/>
+            <a:off x="5772112" y="1140198"/>
+            <a:ext cx="1680666" cy="288249"/>
           </a:xfrm>
           <a:prstGeom prst="rect">
             <a:avLst/>
@@ -3161,20 +3240,203 @@
           </a:ln>
           <a:extLst>
             <a:ext uri="{C572A759-6A51-4108-AA02-DFA0A04FC94B}">
-              <ma14:wrappingTextBoxFlag xmlns="" xmlns:m="http://schemas.openxmlformats.org/officeDocument/2006/math" xmlns:a14="http://schemas.microsoft.com/office/drawing/2010/main" xmlns:ma14="http://schemas.microsoft.com/office/mac/drawingml/2011/main" val="1"/>
+              <ma14:wrappingTextBoxFlag xmlns:ma14="http://schemas.microsoft.com/office/mac/drawingml/2011/main" xmlns:a14="http://schemas.microsoft.com/office/drawing/2010/main" xmlns:m="http://schemas.openxmlformats.org/officeDocument/2006/math" xmlns="" val="1"/>
             </a:ext>
           </a:extLst>
         </p:spPr>
         <p:txBody>
-          <a:bodyPr lIns="50800" tIns="50800" rIns="50800" bIns="50800" anchor="ctr"/>
+          <a:bodyPr lIns="57117" tIns="57117" rIns="57117" bIns="57117" anchor="ctr"/>
           <a:lstStyle>
-            <a:lvl1pPr algn="ctr" defTabSz="457200">
-              <a:tabLst>
-                <a:tab pos="228600" algn="l"/>
-              </a:tabLst>
-              <a:defRPr sz="1000" cap="all" spc="250">
+            <a:lvl1pPr algn="r">
+              <a:defRPr sz="1000">
                 <a:solidFill>
-                  <a:srgbClr val="FFFFFF"/>
+                  <a:srgbClr val="333333"/>
+                </a:solidFill>
+                <a:latin typeface="Helvetica Neue"/>
+                <a:ea typeface="Helvetica Neue"/>
+                <a:cs typeface="Helvetica Neue"/>
+                <a:sym typeface="Helvetica Neue"/>
+              </a:defRPr>
+            </a:lvl1pPr>
+          </a:lstStyle>
+          <a:p>
+            <a:r>
+              <a:t>Linkedin Profile</a:t>
+            </a:r>
+          </a:p>
+        </p:txBody>
+      </p:sp>
+      <p:sp>
+        <p:nvSpPr>
+          <p:cNvPr id="363" name="Education"/>
+          <p:cNvSpPr txBox="1"/>
+          <p:nvPr/>
+        </p:nvSpPr>
+        <p:spPr>
+          <a:xfrm>
+            <a:off x="538089" y="3702861"/>
+            <a:ext cx="2298495" cy="447351"/>
+          </a:xfrm>
+          <a:prstGeom prst="rect">
+            <a:avLst/>
+          </a:prstGeom>
+          <a:ln w="12700">
+            <a:miter lim="400000"/>
+          </a:ln>
+          <a:extLst>
+            <a:ext uri="{C572A759-6A51-4108-AA02-DFA0A04FC94B}">
+              <ma14:wrappingTextBoxFlag xmlns:ma14="http://schemas.microsoft.com/office/mac/drawingml/2011/main" xmlns:a14="http://schemas.microsoft.com/office/drawing/2010/main" xmlns:m="http://schemas.openxmlformats.org/officeDocument/2006/math" xmlns="" val="1"/>
+            </a:ext>
+          </a:extLst>
+        </p:spPr>
+        <p:txBody>
+          <a:bodyPr lIns="57117" tIns="57117" rIns="57117" bIns="57117" anchor="ctr"/>
+          <a:lstStyle>
+            <a:lvl1pPr>
+              <a:defRPr sz="1900" cap="all" spc="228">
+                <a:latin typeface="Helvetica Neue"/>
+                <a:ea typeface="Helvetica Neue"/>
+                <a:cs typeface="Helvetica Neue"/>
+                <a:sym typeface="Helvetica Neue"/>
+              </a:defRPr>
+            </a:lvl1pPr>
+          </a:lstStyle>
+          <a:p>
+            <a:r>
+              <a:t>Education</a:t>
+            </a:r>
+          </a:p>
+        </p:txBody>
+      </p:sp>
+      <p:sp>
+        <p:nvSpPr>
+          <p:cNvPr id="364" name="Matthew…"/>
+          <p:cNvSpPr txBox="1"/>
+          <p:nvPr/>
+        </p:nvSpPr>
+        <p:spPr>
+          <a:xfrm>
+            <a:off x="538089" y="440532"/>
+            <a:ext cx="3867739" cy="919314"/>
+          </a:xfrm>
+          <a:prstGeom prst="rect">
+            <a:avLst/>
+          </a:prstGeom>
+          <a:ln w="12700">
+            <a:miter lim="400000"/>
+          </a:ln>
+          <a:extLst>
+            <a:ext uri="{C572A759-6A51-4108-AA02-DFA0A04FC94B}">
+              <ma14:wrappingTextBoxFlag xmlns:ma14="http://schemas.microsoft.com/office/mac/drawingml/2011/main" xmlns:a14="http://schemas.microsoft.com/office/drawing/2010/main" xmlns:m="http://schemas.openxmlformats.org/officeDocument/2006/math" xmlns="" val="1"/>
+            </a:ext>
+          </a:extLst>
+        </p:spPr>
+        <p:txBody>
+          <a:bodyPr lIns="57117" tIns="57117" rIns="57117" bIns="57117" anchor="ctr"/>
+          <a:lstStyle/>
+          <a:p>
+            <a:pPr>
+              <a:defRPr sz="2500" cap="all" spc="375">
+                <a:latin typeface="Helvetica Neue Medium"/>
+                <a:ea typeface="Helvetica Neue Medium"/>
+                <a:cs typeface="Helvetica Neue Medium"/>
+                <a:sym typeface="Helvetica Neue Medium"/>
+              </a:defRPr>
+            </a:pPr>
+            <a:r>
+              <a:t>Matthew</a:t>
+            </a:r>
+          </a:p>
+          <a:p>
+            <a:pPr>
+              <a:defRPr sz="2500" cap="all" spc="375">
+                <a:latin typeface="Helvetica Neue Medium"/>
+                <a:ea typeface="Helvetica Neue Medium"/>
+                <a:cs typeface="Helvetica Neue Medium"/>
+                <a:sym typeface="Helvetica Neue Medium"/>
+              </a:defRPr>
+            </a:pPr>
+            <a:r>
+              <a:t>Moore</a:t>
+            </a:r>
+          </a:p>
+        </p:txBody>
+      </p:sp>
+      <p:sp>
+        <p:nvSpPr>
+          <p:cNvPr id="365" name="About ME"/>
+          <p:cNvSpPr txBox="1"/>
+          <p:nvPr/>
+        </p:nvSpPr>
+        <p:spPr>
+          <a:xfrm>
+            <a:off x="538089" y="1909218"/>
+            <a:ext cx="2298495" cy="447350"/>
+          </a:xfrm>
+          <a:prstGeom prst="rect">
+            <a:avLst/>
+          </a:prstGeom>
+          <a:ln w="12700">
+            <a:miter lim="400000"/>
+          </a:ln>
+          <a:extLst>
+            <a:ext uri="{C572A759-6A51-4108-AA02-DFA0A04FC94B}">
+              <ma14:wrappingTextBoxFlag xmlns:ma14="http://schemas.microsoft.com/office/mac/drawingml/2011/main" xmlns:a14="http://schemas.microsoft.com/office/drawing/2010/main" xmlns:m="http://schemas.openxmlformats.org/officeDocument/2006/math" xmlns="" val="1"/>
+            </a:ext>
+          </a:extLst>
+        </p:spPr>
+        <p:txBody>
+          <a:bodyPr lIns="57117" tIns="57117" rIns="57117" bIns="57117" anchor="ctr"/>
+          <a:lstStyle>
+            <a:lvl1pPr>
+              <a:defRPr sz="1900" cap="all" spc="228">
+                <a:latin typeface="Helvetica Neue"/>
+                <a:ea typeface="Helvetica Neue"/>
+                <a:cs typeface="Helvetica Neue"/>
+                <a:sym typeface="Helvetica Neue"/>
+              </a:defRPr>
+            </a:lvl1pPr>
+          </a:lstStyle>
+          <a:p>
+            <a:r>
+              <a:t>About ME</a:t>
+            </a:r>
+          </a:p>
+        </p:txBody>
+      </p:sp>
+      <p:sp>
+        <p:nvSpPr>
+          <p:cNvPr id="366" name="Dedicated and results-driven Sales Manager with over 8 years of experience in leading sales teams to exceed targets and drive revenue growth. Proven track record of developing effective sales strategies, building strong client relationships, and deliveri"/>
+          <p:cNvSpPr txBox="1"/>
+          <p:nvPr/>
+        </p:nvSpPr>
+        <p:spPr>
+          <a:xfrm>
+            <a:off x="569390" y="2399705"/>
+            <a:ext cx="6883388" cy="1225468"/>
+          </a:xfrm>
+          <a:prstGeom prst="rect">
+            <a:avLst/>
+          </a:prstGeom>
+          <a:ln w="12700">
+            <a:miter lim="400000"/>
+          </a:ln>
+          <a:extLst>
+            <a:ext uri="{C572A759-6A51-4108-AA02-DFA0A04FC94B}">
+              <ma14:wrappingTextBoxFlag xmlns:ma14="http://schemas.microsoft.com/office/mac/drawingml/2011/main" xmlns:a14="http://schemas.microsoft.com/office/drawing/2010/main" xmlns:m="http://schemas.openxmlformats.org/officeDocument/2006/math" xmlns="" val="1"/>
+            </a:ext>
+          </a:extLst>
+        </p:spPr>
+        <p:txBody>
+          <a:bodyPr lIns="0" tIns="0" rIns="0" bIns="0"/>
+          <a:lstStyle>
+            <a:lvl1pPr algn="just">
+              <a:lnSpc>
+                <a:spcPct val="130000"/>
+              </a:lnSpc>
+              <a:defRPr sz="1000">
+                <a:solidFill>
+                  <a:srgbClr val="333333"/>
                 </a:solidFill>
                 <a:latin typeface="Helvetica Neue Light"/>
                 <a:ea typeface="Helvetica Neue Light"/>
@@ -3185,301 +3447,111 @@
           </a:lstStyle>
           <a:p>
             <a:r>
-              <a:t>Experience</a:t>
-            </a:r>
-          </a:p>
-        </p:txBody>
-      </p:sp>
-      <p:grpSp>
-        <p:nvGrpSpPr>
-          <p:cNvPr id="990" name="Сгруппировать"/>
-          <p:cNvGrpSpPr/>
+              <a:t>Dedicated and results-driven Sales Manager with over 8 years of experience in leading sales teams to exceed targets and drive revenue growth. Proven track record of developing effective sales strategies, building strong client relationships, and delivering outstanding customer service. Skilled in team leadership, negotiation, and market analysis. Seeking to leverage expertise in sales management to drive business success at a dynamic organization.</a:t>
+            </a:r>
+          </a:p>
+        </p:txBody>
+      </p:sp>
+      <p:sp>
+        <p:nvSpPr>
+          <p:cNvPr id="367" name="Lorem ipsum dolor sit amet, consectetur adipiscing elit. Aliquam ac bibendum dui. Proin convallis libero id diam porta, facilisis varius velit tempus. Mauris semper, sem sit amet semper porttitor …"/>
+          <p:cNvSpPr txBox="1"/>
           <p:nvPr/>
-        </p:nvGrpSpPr>
-        <p:grpSpPr>
+        </p:nvSpPr>
+        <p:spPr>
           <a:xfrm>
-            <a:off x="3251171" y="2913199"/>
-            <a:ext cx="4251576" cy="1102119"/>
-            <a:chOff x="0" y="0"/>
-            <a:chExt cx="4251575" cy="1102117"/>
-          </a:xfrm>
-        </p:grpSpPr>
-        <p:sp>
-          <p:nvSpPr>
-            <p:cNvPr id="986" name="Web-designer"/>
-            <p:cNvSpPr txBox="1"/>
-            <p:nvPr/>
-          </p:nvSpPr>
-          <p:spPr>
-            <a:xfrm>
-              <a:off x="717324" y="0"/>
-              <a:ext cx="1719133" cy="264450"/>
-            </a:xfrm>
-            <a:prstGeom prst="rect">
-              <a:avLst/>
-            </a:prstGeom>
-            <a:noFill/>
-            <a:ln w="12700" cap="flat">
-              <a:noFill/>
-              <a:miter lim="400000"/>
-            </a:ln>
-            <a:effectLst/>
-            <a:extLst>
-              <a:ext uri="{C572A759-6A51-4108-AA02-DFA0A04FC94B}">
-                <ma14:wrappingTextBoxFlag xmlns="" xmlns:m="http://schemas.openxmlformats.org/officeDocument/2006/math" xmlns:a14="http://schemas.microsoft.com/office/drawing/2010/main" xmlns:ma14="http://schemas.microsoft.com/office/mac/drawingml/2011/main" val="1"/>
-              </a:ext>
-            </a:extLst>
-          </p:spPr>
-          <p:txBody>
-            <a:bodyPr wrap="square" lIns="0" tIns="0" rIns="0" bIns="0" numCol="1" anchor="t">
-              <a:noAutofit/>
-            </a:bodyPr>
-            <a:lstStyle>
-              <a:lvl1pPr defTabSz="457200">
-                <a:defRPr sz="900" cap="all" spc="45">
-                  <a:latin typeface="Helvetica Neue Medium"/>
-                  <a:ea typeface="Helvetica Neue Medium"/>
-                  <a:cs typeface="Helvetica Neue Medium"/>
-                  <a:sym typeface="Helvetica Neue Medium"/>
-                </a:defRPr>
-              </a:lvl1pPr>
-            </a:lstStyle>
-            <a:p>
-              <a:r>
-                <a:t>Web-designer</a:t>
-              </a:r>
-            </a:p>
-          </p:txBody>
-        </p:sp>
-        <p:sp>
-          <p:nvSpPr>
-            <p:cNvPr id="987" name="Company name | Location"/>
-            <p:cNvSpPr txBox="1"/>
-            <p:nvPr/>
-          </p:nvSpPr>
-          <p:spPr>
-            <a:xfrm>
-              <a:off x="717324" y="198361"/>
-              <a:ext cx="1862257" cy="264451"/>
-            </a:xfrm>
-            <a:prstGeom prst="rect">
-              <a:avLst/>
-            </a:prstGeom>
-            <a:noFill/>
-            <a:ln w="12700" cap="flat">
-              <a:noFill/>
-              <a:miter lim="400000"/>
-            </a:ln>
-            <a:effectLst/>
-            <a:extLst>
-              <a:ext uri="{C572A759-6A51-4108-AA02-DFA0A04FC94B}">
-                <ma14:wrappingTextBoxFlag xmlns="" xmlns:m="http://schemas.openxmlformats.org/officeDocument/2006/math" xmlns:a14="http://schemas.microsoft.com/office/drawing/2010/main" xmlns:ma14="http://schemas.microsoft.com/office/mac/drawingml/2011/main" val="1"/>
-              </a:ext>
-            </a:extLst>
-          </p:spPr>
-          <p:txBody>
-            <a:bodyPr wrap="square" lIns="0" tIns="0" rIns="0" bIns="0" numCol="1" anchor="ctr">
-              <a:noAutofit/>
-            </a:bodyPr>
-            <a:lstStyle>
-              <a:lvl1pPr defTabSz="457200">
-                <a:defRPr sz="900">
-                  <a:latin typeface="Helvetica Neue Light"/>
-                  <a:ea typeface="Helvetica Neue Light"/>
-                  <a:cs typeface="Helvetica Neue Light"/>
-                  <a:sym typeface="Helvetica Neue Light"/>
-                </a:defRPr>
-              </a:lvl1pPr>
-            </a:lstStyle>
-            <a:p>
-              <a:r>
-                <a:t>Company name | Location</a:t>
-              </a:r>
-            </a:p>
-          </p:txBody>
-        </p:sp>
-        <p:sp>
-          <p:nvSpPr>
-            <p:cNvPr id="988" name="2016…"/>
-            <p:cNvSpPr txBox="1"/>
-            <p:nvPr/>
-          </p:nvSpPr>
-          <p:spPr>
-            <a:xfrm>
-              <a:off x="0" y="0"/>
-              <a:ext cx="249631" cy="462812"/>
-            </a:xfrm>
-            <a:prstGeom prst="rect">
-              <a:avLst/>
-            </a:prstGeom>
-            <a:noFill/>
-            <a:ln w="12700" cap="flat">
-              <a:noFill/>
-              <a:miter lim="400000"/>
-            </a:ln>
-            <a:effectLst/>
-            <a:extLst>
-              <a:ext uri="{C572A759-6A51-4108-AA02-DFA0A04FC94B}">
-                <ma14:wrappingTextBoxFlag xmlns="" xmlns:m="http://schemas.openxmlformats.org/officeDocument/2006/math" xmlns:a14="http://schemas.microsoft.com/office/drawing/2010/main" xmlns:ma14="http://schemas.microsoft.com/office/mac/drawingml/2011/main" val="1"/>
-              </a:ext>
-            </a:extLst>
-          </p:spPr>
-          <p:txBody>
-            <a:bodyPr wrap="square" lIns="0" tIns="0" rIns="0" bIns="0" numCol="1" anchor="t">
-              <a:noAutofit/>
-            </a:bodyPr>
-            <a:lstStyle/>
-            <a:p>
-              <a:pPr defTabSz="457200">
-                <a:lnSpc>
-                  <a:spcPct val="110000"/>
-                </a:lnSpc>
-                <a:defRPr sz="800">
-                  <a:latin typeface="Helvetica Neue"/>
-                  <a:ea typeface="Helvetica Neue"/>
-                  <a:cs typeface="Helvetica Neue"/>
-                  <a:sym typeface="Helvetica Neue"/>
-                </a:defRPr>
-              </a:pPr>
-              <a:r>
-                <a:t>2016</a:t>
-              </a:r>
-            </a:p>
-            <a:p>
-              <a:pPr defTabSz="457200">
-                <a:lnSpc>
-                  <a:spcPct val="110000"/>
-                </a:lnSpc>
-                <a:defRPr sz="800">
-                  <a:latin typeface="Helvetica Neue"/>
-                  <a:ea typeface="Helvetica Neue"/>
-                  <a:cs typeface="Helvetica Neue"/>
-                  <a:sym typeface="Helvetica Neue"/>
-                </a:defRPr>
-              </a:pPr>
-              <a:r>
-                <a:t>-</a:t>
-              </a:r>
-            </a:p>
-            <a:p>
-              <a:pPr defTabSz="457200">
-                <a:lnSpc>
-                  <a:spcPct val="110000"/>
-                </a:lnSpc>
-                <a:defRPr sz="800">
-                  <a:latin typeface="Helvetica Neue"/>
-                  <a:ea typeface="Helvetica Neue"/>
-                  <a:cs typeface="Helvetica Neue"/>
-                  <a:sym typeface="Helvetica Neue"/>
-                </a:defRPr>
-              </a:pPr>
-              <a:r>
-                <a:t>2018</a:t>
-              </a:r>
-            </a:p>
-          </p:txBody>
-        </p:sp>
-        <p:sp>
-          <p:nvSpPr>
-            <p:cNvPr id="989" name="Lorem ipsum dolor sit amet, consectetur adipiscing elit. Aliquam ac bibendum dui. Proin convallis libero id diam porta, facilisis varius velit tempus. Mauris semper, sem sit amet semper porttitor, lectus enim vehicula enim, vel scelerisque metus ligula i"/>
-            <p:cNvSpPr txBox="1"/>
-            <p:nvPr/>
-          </p:nvSpPr>
-          <p:spPr>
-            <a:xfrm>
-              <a:off x="717324" y="449583"/>
-              <a:ext cx="3534252" cy="652535"/>
-            </a:xfrm>
-            <a:prstGeom prst="rect">
-              <a:avLst/>
-            </a:prstGeom>
-            <a:noFill/>
-            <a:ln w="12700" cap="flat">
-              <a:noFill/>
-              <a:miter lim="400000"/>
-            </a:ln>
-            <a:effectLst/>
-            <a:extLst>
-              <a:ext uri="{C572A759-6A51-4108-AA02-DFA0A04FC94B}">
-                <ma14:wrappingTextBoxFlag xmlns="" xmlns:m="http://schemas.openxmlformats.org/officeDocument/2006/math" xmlns:a14="http://schemas.microsoft.com/office/drawing/2010/main" xmlns:ma14="http://schemas.microsoft.com/office/mac/drawingml/2011/main" val="1"/>
-              </a:ext>
-            </a:extLst>
-          </p:spPr>
-          <p:txBody>
-            <a:bodyPr wrap="square" lIns="0" tIns="0" rIns="0" bIns="0" numCol="1" anchor="t">
-              <a:noAutofit/>
-            </a:bodyPr>
-            <a:lstStyle>
-              <a:lvl1pPr algn="just" defTabSz="457200">
-                <a:lnSpc>
-                  <a:spcPct val="120000"/>
-                </a:lnSpc>
-                <a:defRPr sz="800">
-                  <a:latin typeface="Helvetica Neue Light"/>
-                  <a:ea typeface="Helvetica Neue Light"/>
-                  <a:cs typeface="Helvetica Neue Light"/>
-                  <a:sym typeface="Helvetica Neue Light"/>
-                </a:defRPr>
-              </a:lvl1pPr>
-            </a:lstStyle>
-            <a:p>
-              <a:r>
-                <a:t>Lorem ipsum dolor sit amet, consectetur adipiscing elit. Aliquam ac bibendum dui. Proin convallis libero id diam porta, facilisis varius velit tempus. Mauris semper, sem sit amet semper porttitor, lectus enim vehicula enim, vel scelerisque metus ligula id nibh.</a:t>
-              </a:r>
-            </a:p>
-          </p:txBody>
-        </p:sp>
-      </p:grpSp>
-      <p:sp>
-        <p:nvSpPr>
-          <p:cNvPr id="991" name="Прямоугольник"/>
-          <p:cNvSpPr/>
-          <p:nvPr/>
-        </p:nvSpPr>
-        <p:spPr>
-          <a:xfrm>
-            <a:off x="0" y="2189991"/>
-            <a:ext cx="7874000" cy="449941"/>
+            <a:off x="3408609" y="4661379"/>
+            <a:ext cx="3983368" cy="606614"/>
           </a:xfrm>
           <a:prstGeom prst="rect">
             <a:avLst/>
           </a:prstGeom>
-          <a:solidFill>
-            <a:srgbClr val="335C67"/>
-          </a:solidFill>
-          <a:ln w="3175">
+          <a:ln w="12700">
             <a:miter lim="400000"/>
           </a:ln>
-        </p:spPr>
-        <p:txBody>
-          <a:bodyPr lIns="50800" tIns="50800" rIns="50800" bIns="50800" anchor="ctr"/>
-          <a:lstStyle/>
-          <a:p>
-            <a:pPr algn="ctr" defTabSz="584200">
-              <a:defRPr sz="1200">
+          <a:extLst>
+            <a:ext uri="{C572A759-6A51-4108-AA02-DFA0A04FC94B}">
+              <ma14:wrappingTextBoxFlag xmlns:ma14="http://schemas.microsoft.com/office/mac/drawingml/2011/main" xmlns:a14="http://schemas.microsoft.com/office/drawing/2010/main" xmlns:m="http://schemas.openxmlformats.org/officeDocument/2006/math" xmlns="" val="1"/>
+            </a:ext>
+          </a:extLst>
+        </p:spPr>
+        <p:txBody>
+          <a:bodyPr lIns="0" tIns="0" rIns="0" bIns="0"/>
+          <a:lstStyle>
+            <a:lvl1pPr algn="just">
+              <a:lnSpc>
+                <a:spcPct val="130000"/>
+              </a:lnSpc>
+              <a:defRPr sz="1000">
                 <a:solidFill>
-                  <a:srgbClr val="FFFFFF"/>
+                  <a:srgbClr val="333333"/>
                 </a:solidFill>
+                <a:latin typeface="Helvetica Neue Light"/>
+                <a:ea typeface="Helvetica Neue Light"/>
+                <a:cs typeface="Helvetica Neue Light"/>
+                <a:sym typeface="Helvetica Neue Light"/>
+              </a:defRPr>
+            </a:lvl1pPr>
+          </a:lstStyle>
+          <a:p>
+            <a:r>
+              <a:t>Lorem ipsum dolor sit amet, consectetur adipiscing elit. Aliquam ac bibendum dui. Proin convallis libero id diam porta, facilisis varius velit tempus. Mauris semper, sem sit amet semper porttitor …</a:t>
+            </a:r>
+          </a:p>
+        </p:txBody>
+      </p:sp>
+      <p:sp>
+        <p:nvSpPr>
+          <p:cNvPr id="368" name="Enter your job position here"/>
+          <p:cNvSpPr txBox="1"/>
+          <p:nvPr/>
+        </p:nvSpPr>
+        <p:spPr>
+          <a:xfrm>
+            <a:off x="3408609" y="4207815"/>
+            <a:ext cx="2920795" cy="253297"/>
+          </a:xfrm>
+          <a:prstGeom prst="rect">
+            <a:avLst/>
+          </a:prstGeom>
+          <a:ln w="12700">
+            <a:miter lim="400000"/>
+          </a:ln>
+          <a:extLst>
+            <a:ext uri="{C572A759-6A51-4108-AA02-DFA0A04FC94B}">
+              <ma14:wrappingTextBoxFlag xmlns:ma14="http://schemas.microsoft.com/office/mac/drawingml/2011/main" xmlns:a14="http://schemas.microsoft.com/office/drawing/2010/main" xmlns:m="http://schemas.openxmlformats.org/officeDocument/2006/math" xmlns="" val="1"/>
+            </a:ext>
+          </a:extLst>
+        </p:spPr>
+        <p:txBody>
+          <a:bodyPr lIns="57117" tIns="57117" rIns="57117" bIns="57117" anchor="ctr"/>
+          <a:lstStyle>
+            <a:lvl1pPr>
+              <a:defRPr sz="1000" cap="all" spc="50">
                 <a:latin typeface="Helvetica Neue Medium"/>
                 <a:ea typeface="Helvetica Neue Medium"/>
                 <a:cs typeface="Helvetica Neue Medium"/>
                 <a:sym typeface="Helvetica Neue Medium"/>
               </a:defRPr>
-            </a:pPr>
-            <a:endParaRPr/>
-          </a:p>
-        </p:txBody>
-      </p:sp>
-      <p:sp>
-        <p:nvSpPr>
-          <p:cNvPr id="992" name="Profile"/>
+            </a:lvl1pPr>
+          </a:lstStyle>
+          <a:p>
+            <a:r>
+              <a:t>Enter your job position here</a:t>
+            </a:r>
+          </a:p>
+        </p:txBody>
+      </p:sp>
+      <p:sp>
+        <p:nvSpPr>
+          <p:cNvPr id="369" name="Name of Company - address"/>
           <p:cNvSpPr txBox="1"/>
           <p:nvPr/>
         </p:nvSpPr>
         <p:spPr>
           <a:xfrm>
-            <a:off x="383854" y="2271076"/>
-            <a:ext cx="1634113" cy="287770"/>
+            <a:off x="3408609" y="4390747"/>
+            <a:ext cx="2920795" cy="304097"/>
           </a:xfrm>
           <a:prstGeom prst="rect">
             <a:avLst/>
@@ -3489,20 +3561,233 @@
           </a:ln>
           <a:extLst>
             <a:ext uri="{C572A759-6A51-4108-AA02-DFA0A04FC94B}">
-              <ma14:wrappingTextBoxFlag xmlns="" xmlns:m="http://schemas.openxmlformats.org/officeDocument/2006/math" xmlns:a14="http://schemas.microsoft.com/office/drawing/2010/main" xmlns:ma14="http://schemas.microsoft.com/office/mac/drawingml/2011/main" val="1"/>
+              <ma14:wrappingTextBoxFlag xmlns:ma14="http://schemas.microsoft.com/office/mac/drawingml/2011/main" xmlns:a14="http://schemas.microsoft.com/office/drawing/2010/main" xmlns:m="http://schemas.openxmlformats.org/officeDocument/2006/math" xmlns="" val="1"/>
             </a:ext>
           </a:extLst>
         </p:spPr>
         <p:txBody>
+          <a:bodyPr lIns="57117" tIns="57117" rIns="57117" bIns="57117" anchor="ctr"/>
+          <a:lstStyle>
+            <a:lvl1pPr>
+              <a:defRPr sz="1000">
+                <a:latin typeface="Helvetica Neue"/>
+                <a:ea typeface="Helvetica Neue"/>
+                <a:cs typeface="Helvetica Neue"/>
+                <a:sym typeface="Helvetica Neue"/>
+              </a:defRPr>
+            </a:lvl1pPr>
+          </a:lstStyle>
+          <a:p>
+            <a:r>
+              <a:t>Name of Company - address</a:t>
+            </a:r>
+          </a:p>
+        </p:txBody>
+      </p:sp>
+      <p:sp>
+        <p:nvSpPr>
+          <p:cNvPr id="370" name="Bachelor of Business Administration (BBA)"/>
+          <p:cNvSpPr txBox="1"/>
+          <p:nvPr/>
+        </p:nvSpPr>
+        <p:spPr>
+          <a:xfrm>
+            <a:off x="538089" y="4215739"/>
+            <a:ext cx="2525264" cy="250149"/>
+          </a:xfrm>
+          <a:prstGeom prst="rect">
+            <a:avLst/>
+          </a:prstGeom>
+          <a:ln w="12700">
+            <a:miter lim="400000"/>
+          </a:ln>
+          <a:extLst>
+            <a:ext uri="{C572A759-6A51-4108-AA02-DFA0A04FC94B}">
+              <ma14:wrappingTextBoxFlag xmlns:ma14="http://schemas.microsoft.com/office/mac/drawingml/2011/main" xmlns:a14="http://schemas.microsoft.com/office/drawing/2010/main" xmlns:m="http://schemas.openxmlformats.org/officeDocument/2006/math" xmlns="" val="1"/>
+            </a:ext>
+          </a:extLst>
+        </p:spPr>
+        <p:txBody>
           <a:bodyPr lIns="0" tIns="0" rIns="0" bIns="0" anchor="ctr"/>
           <a:lstStyle>
-            <a:lvl1pPr defTabSz="457200">
-              <a:tabLst>
-                <a:tab pos="228600" algn="l"/>
-              </a:tabLst>
-              <a:defRPr sz="1000" spc="250">
+            <a:lvl1pPr>
+              <a:defRPr sz="1000">
+                <a:latin typeface="Helvetica Neue Medium"/>
+                <a:ea typeface="Helvetica Neue Medium"/>
+                <a:cs typeface="Helvetica Neue Medium"/>
+                <a:sym typeface="Helvetica Neue Medium"/>
+              </a:defRPr>
+            </a:lvl1pPr>
+          </a:lstStyle>
+          <a:p>
+            <a:r>
+              <a:t>Bachelor of Business Administration (BBA)</a:t>
+            </a:r>
+          </a:p>
+        </p:txBody>
+      </p:sp>
+      <p:sp>
+        <p:nvSpPr>
+          <p:cNvPr id="371" name="Skills"/>
+          <p:cNvSpPr txBox="1"/>
+          <p:nvPr/>
+        </p:nvSpPr>
+        <p:spPr>
+          <a:xfrm>
+            <a:off x="538089" y="7606300"/>
+            <a:ext cx="1904805" cy="447350"/>
+          </a:xfrm>
+          <a:prstGeom prst="rect">
+            <a:avLst/>
+          </a:prstGeom>
+          <a:ln w="12700">
+            <a:miter lim="400000"/>
+          </a:ln>
+          <a:extLst>
+            <a:ext uri="{C572A759-6A51-4108-AA02-DFA0A04FC94B}">
+              <ma14:wrappingTextBoxFlag xmlns:ma14="http://schemas.microsoft.com/office/mac/drawingml/2011/main" xmlns:a14="http://schemas.microsoft.com/office/drawing/2010/main" xmlns:m="http://schemas.openxmlformats.org/officeDocument/2006/math" xmlns="" val="1"/>
+            </a:ext>
+          </a:extLst>
+        </p:spPr>
+        <p:txBody>
+          <a:bodyPr lIns="57117" tIns="57117" rIns="57117" bIns="57117" anchor="ctr"/>
+          <a:lstStyle>
+            <a:lvl1pPr>
+              <a:defRPr sz="1900" cap="all" spc="228">
+                <a:latin typeface="Helvetica Neue"/>
+                <a:ea typeface="Helvetica Neue"/>
+                <a:cs typeface="Helvetica Neue"/>
+                <a:sym typeface="Helvetica Neue"/>
+              </a:defRPr>
+            </a:lvl1pPr>
+          </a:lstStyle>
+          <a:p>
+            <a:r>
+              <a:t>Skills</a:t>
+            </a:r>
+          </a:p>
+        </p:txBody>
+      </p:sp>
+      <p:sp>
+        <p:nvSpPr>
+          <p:cNvPr id="372" name="University Name, City, State"/>
+          <p:cNvSpPr txBox="1"/>
+          <p:nvPr/>
+        </p:nvSpPr>
+        <p:spPr>
+          <a:xfrm>
+            <a:off x="538089" y="4484439"/>
+            <a:ext cx="2525264" cy="209586"/>
+          </a:xfrm>
+          <a:prstGeom prst="rect">
+            <a:avLst/>
+          </a:prstGeom>
+          <a:ln w="12700">
+            <a:miter lim="400000"/>
+          </a:ln>
+          <a:extLst>
+            <a:ext uri="{C572A759-6A51-4108-AA02-DFA0A04FC94B}">
+              <ma14:wrappingTextBoxFlag xmlns:ma14="http://schemas.microsoft.com/office/mac/drawingml/2011/main" xmlns:a14="http://schemas.microsoft.com/office/drawing/2010/main" xmlns:m="http://schemas.openxmlformats.org/officeDocument/2006/math" xmlns="" val="1"/>
+            </a:ext>
+          </a:extLst>
+        </p:spPr>
+        <p:txBody>
+          <a:bodyPr lIns="0" tIns="0" rIns="0" bIns="0" anchor="ctr"/>
+          <a:lstStyle>
+            <a:lvl1pPr>
+              <a:defRPr sz="1000">
                 <a:solidFill>
-                  <a:srgbClr val="FFFFFF"/>
+                  <a:srgbClr val="333333"/>
+                </a:solidFill>
+                <a:latin typeface="Helvetica Neue Light"/>
+                <a:ea typeface="Helvetica Neue Light"/>
+                <a:cs typeface="Helvetica Neue Light"/>
+                <a:sym typeface="Helvetica Neue Light"/>
+              </a:defRPr>
+            </a:lvl1pPr>
+          </a:lstStyle>
+          <a:p>
+            <a:r>
+              <a:t>University Name, City, State</a:t>
+            </a:r>
+          </a:p>
+        </p:txBody>
+      </p:sp>
+      <p:sp>
+        <p:nvSpPr>
+          <p:cNvPr id="373" name="Graduated: May 2012"/>
+          <p:cNvSpPr txBox="1"/>
+          <p:nvPr/>
+        </p:nvSpPr>
+        <p:spPr>
+          <a:xfrm>
+            <a:off x="538089" y="4742171"/>
+            <a:ext cx="2525264" cy="209586"/>
+          </a:xfrm>
+          <a:prstGeom prst="rect">
+            <a:avLst/>
+          </a:prstGeom>
+          <a:ln w="12700">
+            <a:miter lim="400000"/>
+          </a:ln>
+          <a:extLst>
+            <a:ext uri="{C572A759-6A51-4108-AA02-DFA0A04FC94B}">
+              <ma14:wrappingTextBoxFlag xmlns:ma14="http://schemas.microsoft.com/office/mac/drawingml/2011/main" xmlns:a14="http://schemas.microsoft.com/office/drawing/2010/main" xmlns:m="http://schemas.openxmlformats.org/officeDocument/2006/math" xmlns="" val="1"/>
+            </a:ext>
+          </a:extLst>
+        </p:spPr>
+        <p:txBody>
+          <a:bodyPr lIns="0" tIns="0" rIns="0" bIns="0"/>
+          <a:lstStyle>
+            <a:lvl1pPr>
+              <a:defRPr sz="1000">
+                <a:solidFill>
+                  <a:srgbClr val="333333"/>
+                </a:solidFill>
+                <a:latin typeface="Helvetica Neue Light"/>
+                <a:ea typeface="Helvetica Neue Light"/>
+                <a:cs typeface="Helvetica Neue Light"/>
+                <a:sym typeface="Helvetica Neue Light"/>
+              </a:defRPr>
+            </a:lvl1pPr>
+          </a:lstStyle>
+          <a:p>
+            <a:r>
+              <a:t>Graduated: May 2012</a:t>
+            </a:r>
+          </a:p>
+        </p:txBody>
+      </p:sp>
+      <p:sp>
+        <p:nvSpPr>
+          <p:cNvPr id="374" name="123 Main St, New York, NY"/>
+          <p:cNvSpPr txBox="1"/>
+          <p:nvPr/>
+        </p:nvSpPr>
+        <p:spPr>
+          <a:xfrm>
+            <a:off x="5772112" y="440532"/>
+            <a:ext cx="1680666" cy="288250"/>
+          </a:xfrm>
+          <a:prstGeom prst="rect">
+            <a:avLst/>
+          </a:prstGeom>
+          <a:ln w="12700">
+            <a:miter lim="400000"/>
+          </a:ln>
+          <a:extLst>
+            <a:ext uri="{C572A759-6A51-4108-AA02-DFA0A04FC94B}">
+              <ma14:wrappingTextBoxFlag xmlns:ma14="http://schemas.microsoft.com/office/mac/drawingml/2011/main" xmlns:a14="http://schemas.microsoft.com/office/drawing/2010/main" xmlns:m="http://schemas.openxmlformats.org/officeDocument/2006/math" xmlns="" val="1"/>
+            </a:ext>
+          </a:extLst>
+        </p:spPr>
+        <p:txBody>
+          <a:bodyPr lIns="57117" tIns="57117" rIns="57117" bIns="57117"/>
+          <a:lstStyle>
+            <a:lvl1pPr algn="r">
+              <a:defRPr sz="1000">
+                <a:solidFill>
+                  <a:srgbClr val="333333"/>
                 </a:solidFill>
                 <a:latin typeface="Helvetica Neue"/>
                 <a:ea typeface="Helvetica Neue"/>
@@ -3513,21 +3798,21 @@
           </a:lstStyle>
           <a:p>
             <a:r>
-              <a:t>Profile</a:t>
-            </a:r>
-          </a:p>
-        </p:txBody>
-      </p:sp>
-      <p:sp>
-        <p:nvSpPr>
-          <p:cNvPr id="993" name="Lorem ipsum dolor sit amet, consectetur adipiscing elit. Aliquam ac bibendum dui. Proin convallis libero id diam porta, facilisis varius velit tempus. Mauris semper, sem sit amet semper porttitor, lectus enim vehicula enim."/>
+              <a:t>123 Main St, New York, NY</a:t>
+            </a:r>
+          </a:p>
+        </p:txBody>
+      </p:sp>
+      <p:sp>
+        <p:nvSpPr>
+          <p:cNvPr id="375" name="Lorem ipsum dolor sit amet, consectetur adipiscing elit. Aliquam ac bibendum dui. Proin convallis libero id diam porta, facilisis varius velit tempus. Mauris semper, sem sit amet semper porttitor …"/>
           <p:cNvSpPr txBox="1"/>
           <p:nvPr/>
         </p:nvSpPr>
         <p:spPr>
           <a:xfrm>
-            <a:off x="383854" y="4299061"/>
-            <a:ext cx="2230275" cy="769906"/>
+            <a:off x="3408609" y="5715479"/>
+            <a:ext cx="3983368" cy="606614"/>
           </a:xfrm>
           <a:prstGeom prst="rect">
             <a:avLst/>
@@ -3537,18 +3822,21 @@
           </a:ln>
           <a:extLst>
             <a:ext uri="{C572A759-6A51-4108-AA02-DFA0A04FC94B}">
-              <ma14:wrappingTextBoxFlag xmlns="" xmlns:m="http://schemas.openxmlformats.org/officeDocument/2006/math" xmlns:a14="http://schemas.microsoft.com/office/drawing/2010/main" xmlns:ma14="http://schemas.microsoft.com/office/mac/drawingml/2011/main" val="1"/>
+              <ma14:wrappingTextBoxFlag xmlns:ma14="http://schemas.microsoft.com/office/mac/drawingml/2011/main" xmlns:a14="http://schemas.microsoft.com/office/drawing/2010/main" xmlns:m="http://schemas.openxmlformats.org/officeDocument/2006/math" xmlns="" val="1"/>
             </a:ext>
           </a:extLst>
         </p:spPr>
         <p:txBody>
           <a:bodyPr lIns="0" tIns="0" rIns="0" bIns="0"/>
           <a:lstStyle>
-            <a:lvl1pPr algn="just" defTabSz="457200">
+            <a:lvl1pPr algn="just">
               <a:lnSpc>
-                <a:spcPct val="120000"/>
+                <a:spcPct val="130000"/>
               </a:lnSpc>
-              <a:defRPr sz="800">
+              <a:defRPr sz="1000">
+                <a:solidFill>
+                  <a:srgbClr val="333333"/>
+                </a:solidFill>
                 <a:latin typeface="Helvetica Neue Light"/>
                 <a:ea typeface="Helvetica Neue Light"/>
                 <a:cs typeface="Helvetica Neue Light"/>
@@ -3558,1297 +3846,63 @@
           </a:lstStyle>
           <a:p>
             <a:r>
-              <a:t>Lorem ipsum dolor sit amet, consectetur adipiscing elit. Aliquam ac bibendum dui. Proin convallis libero id diam porta, facilisis varius velit tempus. Mauris semper, sem sit amet semper porttitor, lectus enim vehicula enim.</a:t>
-            </a:r>
-          </a:p>
-        </p:txBody>
-      </p:sp>
-      <p:grpSp>
-        <p:nvGrpSpPr>
-          <p:cNvPr id="1002" name="Сгруппировать"/>
-          <p:cNvGrpSpPr/>
+              <a:t>Lorem ipsum dolor sit amet, consectetur adipiscing elit. Aliquam ac bibendum dui. Proin convallis libero id diam porta, facilisis varius velit tempus. Mauris semper, sem sit amet semper porttitor …</a:t>
+            </a:r>
+          </a:p>
+        </p:txBody>
+      </p:sp>
+      <p:sp>
+        <p:nvSpPr>
+          <p:cNvPr id="376" name="Enter your job position here"/>
+          <p:cNvSpPr txBox="1"/>
           <p:nvPr/>
-        </p:nvGrpSpPr>
-        <p:grpSpPr>
+        </p:nvSpPr>
+        <p:spPr>
           <a:xfrm>
-            <a:off x="5827051" y="546402"/>
-            <a:ext cx="1675507" cy="1138606"/>
-            <a:chOff x="0" y="0"/>
-            <a:chExt cx="1675506" cy="1138604"/>
-          </a:xfrm>
-        </p:grpSpPr>
-        <p:sp>
-          <p:nvSpPr>
-            <p:cNvPr id="994" name="+0857 632 645"/>
-            <p:cNvSpPr txBox="1"/>
-            <p:nvPr/>
-          </p:nvSpPr>
-          <p:spPr>
-            <a:xfrm>
-              <a:off x="161515" y="0"/>
-              <a:ext cx="1205990" cy="244581"/>
-            </a:xfrm>
-            <a:prstGeom prst="rect">
-              <a:avLst/>
-            </a:prstGeom>
-            <a:noFill/>
-            <a:ln w="12700" cap="flat">
-              <a:noFill/>
-              <a:miter lim="400000"/>
-            </a:ln>
-            <a:effectLst/>
-            <a:extLst>
-              <a:ext uri="{C572A759-6A51-4108-AA02-DFA0A04FC94B}">
-                <ma14:wrappingTextBoxFlag xmlns="" xmlns:m="http://schemas.openxmlformats.org/officeDocument/2006/math" xmlns:a14="http://schemas.microsoft.com/office/drawing/2010/main" xmlns:ma14="http://schemas.microsoft.com/office/mac/drawingml/2011/main" val="1"/>
-              </a:ext>
-            </a:extLst>
-          </p:spPr>
-          <p:txBody>
-            <a:bodyPr wrap="square" lIns="0" tIns="0" rIns="0" bIns="0" numCol="1" anchor="ctr">
-              <a:noAutofit/>
-            </a:bodyPr>
-            <a:lstStyle>
-              <a:lvl1pPr algn="r" defTabSz="457200">
-                <a:defRPr sz="800">
-                  <a:latin typeface="Helvetica Neue Light"/>
-                  <a:ea typeface="Helvetica Neue Light"/>
-                  <a:cs typeface="Helvetica Neue Light"/>
-                  <a:sym typeface="Helvetica Neue Light"/>
-                </a:defRPr>
-              </a:lvl1pPr>
-            </a:lstStyle>
-            <a:p>
-              <a:r>
-                <a:t>+0857 632 645</a:t>
-              </a:r>
-            </a:p>
-          </p:txBody>
-        </p:sp>
-        <p:sp>
-          <p:nvSpPr>
-            <p:cNvPr id="995" name="yourmail@mail.com"/>
-            <p:cNvSpPr txBox="1"/>
-            <p:nvPr/>
-          </p:nvSpPr>
-          <p:spPr>
-            <a:xfrm>
-              <a:off x="229227" y="277009"/>
-              <a:ext cx="1138278" cy="288270"/>
-            </a:xfrm>
-            <a:prstGeom prst="rect">
-              <a:avLst/>
-            </a:prstGeom>
-            <a:noFill/>
-            <a:ln w="12700" cap="flat">
-              <a:noFill/>
-              <a:miter lim="400000"/>
-            </a:ln>
-            <a:effectLst/>
-            <a:extLst>
-              <a:ext uri="{C572A759-6A51-4108-AA02-DFA0A04FC94B}">
-                <ma14:wrappingTextBoxFlag xmlns="" xmlns:m="http://schemas.openxmlformats.org/officeDocument/2006/math" xmlns:a14="http://schemas.microsoft.com/office/drawing/2010/main" xmlns:ma14="http://schemas.microsoft.com/office/mac/drawingml/2011/main" val="1"/>
-              </a:ext>
-            </a:extLst>
-          </p:spPr>
-          <p:txBody>
-            <a:bodyPr wrap="square" lIns="0" tIns="0" rIns="0" bIns="0" numCol="1" anchor="ctr">
-              <a:noAutofit/>
-            </a:bodyPr>
-            <a:lstStyle>
-              <a:lvl1pPr algn="r" defTabSz="457200">
-                <a:defRPr sz="800">
-                  <a:latin typeface="Helvetica Neue Light"/>
-                  <a:ea typeface="Helvetica Neue Light"/>
-                  <a:cs typeface="Helvetica Neue Light"/>
-                  <a:sym typeface="Helvetica Neue Light"/>
-                </a:defRPr>
-              </a:lvl1pPr>
-            </a:lstStyle>
-            <a:p>
-              <a:r>
-                <a:t>yourmail@mail.com</a:t>
-              </a:r>
-            </a:p>
-          </p:txBody>
-        </p:sp>
-        <p:sp>
-          <p:nvSpPr>
-            <p:cNvPr id="996" name="www.website.com"/>
-            <p:cNvSpPr txBox="1"/>
-            <p:nvPr/>
-          </p:nvSpPr>
-          <p:spPr>
-            <a:xfrm>
-              <a:off x="229227" y="590026"/>
-              <a:ext cx="1138278" cy="288270"/>
-            </a:xfrm>
-            <a:prstGeom prst="rect">
-              <a:avLst/>
-            </a:prstGeom>
-            <a:noFill/>
-            <a:ln w="12700" cap="flat">
-              <a:noFill/>
-              <a:miter lim="400000"/>
-            </a:ln>
-            <a:effectLst/>
-            <a:extLst>
-              <a:ext uri="{C572A759-6A51-4108-AA02-DFA0A04FC94B}">
-                <ma14:wrappingTextBoxFlag xmlns="" xmlns:m="http://schemas.openxmlformats.org/officeDocument/2006/math" xmlns:a14="http://schemas.microsoft.com/office/drawing/2010/main" xmlns:ma14="http://schemas.microsoft.com/office/mac/drawingml/2011/main" val="1"/>
-              </a:ext>
-            </a:extLst>
-          </p:spPr>
-          <p:txBody>
-            <a:bodyPr wrap="square" lIns="0" tIns="0" rIns="0" bIns="0" numCol="1" anchor="ctr">
-              <a:noAutofit/>
-            </a:bodyPr>
-            <a:lstStyle>
-              <a:lvl1pPr algn="r" defTabSz="457200">
-                <a:defRPr sz="800">
-                  <a:latin typeface="Helvetica Neue Light"/>
-                  <a:ea typeface="Helvetica Neue Light"/>
-                  <a:cs typeface="Helvetica Neue Light"/>
-                  <a:sym typeface="Helvetica Neue Light"/>
-                </a:defRPr>
-              </a:lvl1pPr>
-            </a:lstStyle>
-            <a:p>
-              <a:r>
-                <a:t>www.website.com</a:t>
-              </a:r>
-            </a:p>
-          </p:txBody>
-        </p:sp>
-        <p:sp>
-          <p:nvSpPr>
-            <p:cNvPr id="997" name="123 street, City, 1983647"/>
-            <p:cNvSpPr txBox="1"/>
-            <p:nvPr/>
-          </p:nvSpPr>
-          <p:spPr>
-            <a:xfrm>
-              <a:off x="0" y="950969"/>
-              <a:ext cx="1367505" cy="174758"/>
-            </a:xfrm>
-            <a:prstGeom prst="rect">
-              <a:avLst/>
-            </a:prstGeom>
-            <a:noFill/>
-            <a:ln w="12700" cap="flat">
-              <a:noFill/>
-              <a:miter lim="400000"/>
-            </a:ln>
-            <a:effectLst/>
-            <a:extLst>
-              <a:ext uri="{C572A759-6A51-4108-AA02-DFA0A04FC94B}">
-                <ma14:wrappingTextBoxFlag xmlns="" xmlns:m="http://schemas.openxmlformats.org/officeDocument/2006/math" xmlns:a14="http://schemas.microsoft.com/office/drawing/2010/main" xmlns:ma14="http://schemas.microsoft.com/office/mac/drawingml/2011/main" val="1"/>
-              </a:ext>
-            </a:extLst>
-          </p:spPr>
-          <p:txBody>
-            <a:bodyPr wrap="square" lIns="0" tIns="0" rIns="0" bIns="0" numCol="1" anchor="ctr">
-              <a:noAutofit/>
-            </a:bodyPr>
-            <a:lstStyle>
-              <a:lvl1pPr algn="r" defTabSz="457200">
-                <a:defRPr sz="800">
-                  <a:latin typeface="Helvetica Neue Light"/>
-                  <a:ea typeface="Helvetica Neue Light"/>
-                  <a:cs typeface="Helvetica Neue Light"/>
-                  <a:sym typeface="Helvetica Neue Light"/>
-                </a:defRPr>
-              </a:lvl1pPr>
-            </a:lstStyle>
-            <a:p>
-              <a:r>
-                <a:t>123 street, City, 1983647</a:t>
-              </a:r>
-            </a:p>
-          </p:txBody>
-        </p:sp>
-        <p:pic>
-          <p:nvPicPr>
-            <p:cNvPr id="998" name="Group 1.png" descr="Group 1.png"/>
-            <p:cNvPicPr>
-              <a:picLocks noChangeAspect="1"/>
-            </p:cNvPicPr>
-            <p:nvPr/>
-          </p:nvPicPr>
-          <p:blipFill>
-            <a:blip r:embed="rId3"/>
-            <a:srcRect/>
-            <a:stretch>
-              <a:fillRect/>
-            </a:stretch>
-          </p:blipFill>
-          <p:spPr>
-            <a:xfrm>
-              <a:off x="1474804" y="320698"/>
-              <a:ext cx="200703" cy="200703"/>
-            </a:xfrm>
-            <a:prstGeom prst="rect">
-              <a:avLst/>
-            </a:prstGeom>
-            <a:ln w="12700" cap="flat">
-              <a:noFill/>
-              <a:miter lim="400000"/>
-            </a:ln>
-            <a:effectLst/>
-          </p:spPr>
-        </p:pic>
-        <p:pic>
-          <p:nvPicPr>
-            <p:cNvPr id="999" name="Group 2.png" descr="Group 2.png"/>
-            <p:cNvPicPr>
-              <a:picLocks noChangeAspect="1"/>
-            </p:cNvPicPr>
-            <p:nvPr/>
-          </p:nvPicPr>
-          <p:blipFill>
-            <a:blip r:embed="rId4"/>
-            <a:srcRect/>
-            <a:stretch>
-              <a:fillRect/>
-            </a:stretch>
-          </p:blipFill>
-          <p:spPr>
-            <a:xfrm>
-              <a:off x="1474804" y="937902"/>
-              <a:ext cx="200703" cy="200703"/>
-            </a:xfrm>
-            <a:prstGeom prst="rect">
-              <a:avLst/>
-            </a:prstGeom>
-            <a:ln w="12700" cap="flat">
-              <a:noFill/>
-              <a:miter lim="400000"/>
-            </a:ln>
-            <a:effectLst/>
-          </p:spPr>
-        </p:pic>
-        <p:pic>
-          <p:nvPicPr>
-            <p:cNvPr id="1000" name="Group 3.png" descr="Group 3.png"/>
-            <p:cNvPicPr>
-              <a:picLocks noChangeAspect="1"/>
-            </p:cNvPicPr>
-            <p:nvPr/>
-          </p:nvPicPr>
-          <p:blipFill>
-            <a:blip r:embed="rId5"/>
-            <a:srcRect/>
-            <a:stretch>
-              <a:fillRect/>
-            </a:stretch>
-          </p:blipFill>
-          <p:spPr>
-            <a:xfrm>
-              <a:off x="1474804" y="21844"/>
-              <a:ext cx="200703" cy="200703"/>
-            </a:xfrm>
-            <a:prstGeom prst="rect">
-              <a:avLst/>
-            </a:prstGeom>
-            <a:ln w="12700" cap="flat">
-              <a:noFill/>
-              <a:miter lim="400000"/>
-            </a:ln>
-            <a:effectLst/>
-          </p:spPr>
-        </p:pic>
-        <p:pic>
-          <p:nvPicPr>
-            <p:cNvPr id="1001" name="Group 14.png" descr="Group 14.png"/>
-            <p:cNvPicPr>
-              <a:picLocks noChangeAspect="1"/>
-            </p:cNvPicPr>
-            <p:nvPr/>
-          </p:nvPicPr>
-          <p:blipFill>
-            <a:blip r:embed="rId6"/>
-            <a:srcRect/>
-            <a:stretch>
-              <a:fillRect/>
-            </a:stretch>
-          </p:blipFill>
-          <p:spPr>
-            <a:xfrm>
-              <a:off x="1474804" y="633715"/>
-              <a:ext cx="200703" cy="200703"/>
-            </a:xfrm>
-            <a:prstGeom prst="rect">
-              <a:avLst/>
-            </a:prstGeom>
-            <a:ln w="12700" cap="flat">
-              <a:noFill/>
-              <a:miter lim="400000"/>
-            </a:ln>
-            <a:effectLst/>
-          </p:spPr>
-        </p:pic>
-      </p:grpSp>
-      <p:sp>
-        <p:nvSpPr>
-          <p:cNvPr id="1003" name="Линия"/>
-          <p:cNvSpPr/>
-          <p:nvPr/>
-        </p:nvSpPr>
-        <p:spPr>
-          <a:xfrm flipV="1">
-            <a:off x="3735058" y="3121102"/>
-            <a:ext cx="1" cy="1302436"/>
-          </a:xfrm>
-          <a:prstGeom prst="line">
-            <a:avLst/>
-          </a:prstGeom>
-          <a:ln w="12700">
-            <a:solidFill>
-              <a:srgbClr val="D5D5D5"/>
-            </a:solidFill>
-            <a:miter lim="400000"/>
-            <a:headEnd type="oval"/>
-            <a:tailEnd type="oval"/>
-          </a:ln>
-        </p:spPr>
-        <p:txBody>
-          <a:bodyPr lIns="50800" tIns="50800" rIns="50800" bIns="50800"/>
-          <a:lstStyle/>
-          <a:p>
-            <a:pPr defTabSz="457200">
-              <a:defRPr sz="1100">
-                <a:latin typeface="Helvetica Neue"/>
-                <a:ea typeface="Helvetica Neue"/>
-                <a:cs typeface="Helvetica Neue"/>
-                <a:sym typeface="Helvetica Neue"/>
-              </a:defRPr>
-            </a:pPr>
-            <a:endParaRPr/>
-          </a:p>
-        </p:txBody>
-      </p:sp>
-      <p:grpSp>
-        <p:nvGrpSpPr>
-          <p:cNvPr id="1008" name="Сгруппировать"/>
-          <p:cNvGrpSpPr/>
-          <p:nvPr/>
-        </p:nvGrpSpPr>
-        <p:grpSpPr>
-          <a:xfrm>
-            <a:off x="3251171" y="4187438"/>
-            <a:ext cx="4251576" cy="1123887"/>
-            <a:chOff x="0" y="0"/>
-            <a:chExt cx="4251575" cy="1123885"/>
-          </a:xfrm>
-        </p:grpSpPr>
-        <p:sp>
-          <p:nvSpPr>
-            <p:cNvPr id="1004" name="Web-designer"/>
-            <p:cNvSpPr txBox="1"/>
-            <p:nvPr/>
-          </p:nvSpPr>
-          <p:spPr>
-            <a:xfrm>
-              <a:off x="717324" y="13227"/>
-              <a:ext cx="1719133" cy="264450"/>
-            </a:xfrm>
-            <a:prstGeom prst="rect">
-              <a:avLst/>
-            </a:prstGeom>
-            <a:noFill/>
-            <a:ln w="12700" cap="flat">
-              <a:noFill/>
-              <a:miter lim="400000"/>
-            </a:ln>
-            <a:effectLst/>
-            <a:extLst>
-              <a:ext uri="{C572A759-6A51-4108-AA02-DFA0A04FC94B}">
-                <ma14:wrappingTextBoxFlag xmlns="" xmlns:m="http://schemas.openxmlformats.org/officeDocument/2006/math" xmlns:a14="http://schemas.microsoft.com/office/drawing/2010/main" xmlns:ma14="http://schemas.microsoft.com/office/mac/drawingml/2011/main" val="1"/>
-              </a:ext>
-            </a:extLst>
-          </p:spPr>
-          <p:txBody>
-            <a:bodyPr wrap="square" lIns="0" tIns="0" rIns="0" bIns="0" numCol="1" anchor="t">
-              <a:noAutofit/>
-            </a:bodyPr>
-            <a:lstStyle>
-              <a:lvl1pPr defTabSz="457200">
-                <a:defRPr sz="900" cap="all" spc="45">
-                  <a:latin typeface="Helvetica Neue Medium"/>
-                  <a:ea typeface="Helvetica Neue Medium"/>
-                  <a:cs typeface="Helvetica Neue Medium"/>
-                  <a:sym typeface="Helvetica Neue Medium"/>
-                </a:defRPr>
-              </a:lvl1pPr>
-            </a:lstStyle>
-            <a:p>
-              <a:r>
-                <a:t>Web-designer</a:t>
-              </a:r>
-            </a:p>
-          </p:txBody>
-        </p:sp>
-        <p:sp>
-          <p:nvSpPr>
-            <p:cNvPr id="1005" name="Company name | Location"/>
-            <p:cNvSpPr txBox="1"/>
-            <p:nvPr/>
-          </p:nvSpPr>
-          <p:spPr>
-            <a:xfrm>
-              <a:off x="717324" y="211589"/>
-              <a:ext cx="1862257" cy="264450"/>
-            </a:xfrm>
-            <a:prstGeom prst="rect">
-              <a:avLst/>
-            </a:prstGeom>
-            <a:noFill/>
-            <a:ln w="12700" cap="flat">
-              <a:noFill/>
-              <a:miter lim="400000"/>
-            </a:ln>
-            <a:effectLst/>
-            <a:extLst>
-              <a:ext uri="{C572A759-6A51-4108-AA02-DFA0A04FC94B}">
-                <ma14:wrappingTextBoxFlag xmlns="" xmlns:m="http://schemas.openxmlformats.org/officeDocument/2006/math" xmlns:a14="http://schemas.microsoft.com/office/drawing/2010/main" xmlns:ma14="http://schemas.microsoft.com/office/mac/drawingml/2011/main" val="1"/>
-              </a:ext>
-            </a:extLst>
-          </p:spPr>
-          <p:txBody>
-            <a:bodyPr wrap="square" lIns="0" tIns="0" rIns="0" bIns="0" numCol="1" anchor="ctr">
-              <a:noAutofit/>
-            </a:bodyPr>
-            <a:lstStyle>
-              <a:lvl1pPr defTabSz="457200">
-                <a:defRPr sz="900">
-                  <a:latin typeface="Helvetica Neue Light"/>
-                  <a:ea typeface="Helvetica Neue Light"/>
-                  <a:cs typeface="Helvetica Neue Light"/>
-                  <a:sym typeface="Helvetica Neue Light"/>
-                </a:defRPr>
-              </a:lvl1pPr>
-            </a:lstStyle>
-            <a:p>
-              <a:r>
-                <a:t>Company name | Location</a:t>
-              </a:r>
-            </a:p>
-          </p:txBody>
-        </p:sp>
-        <p:sp>
-          <p:nvSpPr>
-            <p:cNvPr id="1006" name="2016…"/>
-            <p:cNvSpPr txBox="1"/>
-            <p:nvPr/>
-          </p:nvSpPr>
-          <p:spPr>
-            <a:xfrm>
-              <a:off x="0" y="0"/>
-              <a:ext cx="249631" cy="462812"/>
-            </a:xfrm>
-            <a:prstGeom prst="rect">
-              <a:avLst/>
-            </a:prstGeom>
-            <a:noFill/>
-            <a:ln w="12700" cap="flat">
-              <a:noFill/>
-              <a:miter lim="400000"/>
-            </a:ln>
-            <a:effectLst/>
-            <a:extLst>
-              <a:ext uri="{C572A759-6A51-4108-AA02-DFA0A04FC94B}">
-                <ma14:wrappingTextBoxFlag xmlns="" xmlns:m="http://schemas.openxmlformats.org/officeDocument/2006/math" xmlns:a14="http://schemas.microsoft.com/office/drawing/2010/main" xmlns:ma14="http://schemas.microsoft.com/office/mac/drawingml/2011/main" val="1"/>
-              </a:ext>
-            </a:extLst>
-          </p:spPr>
-          <p:txBody>
-            <a:bodyPr wrap="square" lIns="0" tIns="0" rIns="0" bIns="0" numCol="1" anchor="t">
-              <a:noAutofit/>
-            </a:bodyPr>
-            <a:lstStyle/>
-            <a:p>
-              <a:pPr defTabSz="457200">
-                <a:lnSpc>
-                  <a:spcPct val="110000"/>
-                </a:lnSpc>
-                <a:defRPr sz="800">
-                  <a:latin typeface="Helvetica Neue"/>
-                  <a:ea typeface="Helvetica Neue"/>
-                  <a:cs typeface="Helvetica Neue"/>
-                  <a:sym typeface="Helvetica Neue"/>
-                </a:defRPr>
-              </a:pPr>
-              <a:r>
-                <a:t>2016</a:t>
-              </a:r>
-            </a:p>
-            <a:p>
-              <a:pPr defTabSz="457200">
-                <a:lnSpc>
-                  <a:spcPct val="110000"/>
-                </a:lnSpc>
-                <a:defRPr sz="800">
-                  <a:latin typeface="Helvetica Neue"/>
-                  <a:ea typeface="Helvetica Neue"/>
-                  <a:cs typeface="Helvetica Neue"/>
-                  <a:sym typeface="Helvetica Neue"/>
-                </a:defRPr>
-              </a:pPr>
-              <a:r>
-                <a:t>-</a:t>
-              </a:r>
-            </a:p>
-            <a:p>
-              <a:pPr defTabSz="457200">
-                <a:lnSpc>
-                  <a:spcPct val="110000"/>
-                </a:lnSpc>
-                <a:defRPr sz="800">
-                  <a:latin typeface="Helvetica Neue"/>
-                  <a:ea typeface="Helvetica Neue"/>
-                  <a:cs typeface="Helvetica Neue"/>
-                  <a:sym typeface="Helvetica Neue"/>
-                </a:defRPr>
-              </a:pPr>
-              <a:r>
-                <a:t>2018</a:t>
-              </a:r>
-            </a:p>
-          </p:txBody>
-        </p:sp>
-        <p:sp>
-          <p:nvSpPr>
-            <p:cNvPr id="1007" name="Lorem ipsum dolor sit amet, consectetur adipiscing elit. Aliquam ac bibendum dui. Proin convallis libero id diam porta, facilisis varius velit tempus. Mauris semper, sem sit amet semper porttitor, lectus enim vehicula enim, vel scelerisque metus ligula i"/>
-            <p:cNvSpPr txBox="1"/>
-            <p:nvPr/>
-          </p:nvSpPr>
-          <p:spPr>
-            <a:xfrm>
-              <a:off x="717324" y="462811"/>
-              <a:ext cx="3534252" cy="661075"/>
-            </a:xfrm>
-            <a:prstGeom prst="rect">
-              <a:avLst/>
-            </a:prstGeom>
-            <a:noFill/>
-            <a:ln w="12700" cap="flat">
-              <a:noFill/>
-              <a:miter lim="400000"/>
-            </a:ln>
-            <a:effectLst/>
-            <a:extLst>
-              <a:ext uri="{C572A759-6A51-4108-AA02-DFA0A04FC94B}">
-                <ma14:wrappingTextBoxFlag xmlns="" xmlns:m="http://schemas.openxmlformats.org/officeDocument/2006/math" xmlns:a14="http://schemas.microsoft.com/office/drawing/2010/main" xmlns:ma14="http://schemas.microsoft.com/office/mac/drawingml/2011/main" val="1"/>
-              </a:ext>
-            </a:extLst>
-          </p:spPr>
-          <p:txBody>
-            <a:bodyPr wrap="square" lIns="0" tIns="0" rIns="0" bIns="0" numCol="1" anchor="t">
-              <a:noAutofit/>
-            </a:bodyPr>
-            <a:lstStyle>
-              <a:lvl1pPr algn="just" defTabSz="457200">
-                <a:lnSpc>
-                  <a:spcPct val="120000"/>
-                </a:lnSpc>
-                <a:defRPr sz="800">
-                  <a:latin typeface="Helvetica Neue Light"/>
-                  <a:ea typeface="Helvetica Neue Light"/>
-                  <a:cs typeface="Helvetica Neue Light"/>
-                  <a:sym typeface="Helvetica Neue Light"/>
-                </a:defRPr>
-              </a:lvl1pPr>
-            </a:lstStyle>
-            <a:p>
-              <a:r>
-                <a:t>Lorem ipsum dolor sit amet, consectetur adipiscing elit. Aliquam ac bibendum dui. Proin convallis libero id diam porta, facilisis varius velit tempus. Mauris semper, sem sit amet semper porttitor, lectus enim vehicula enim, vel scelerisque metus ligula id nibh.</a:t>
-              </a:r>
-            </a:p>
-          </p:txBody>
-        </p:sp>
-      </p:grpSp>
-      <p:sp>
-        <p:nvSpPr>
-          <p:cNvPr id="1009" name="Линия"/>
-          <p:cNvSpPr/>
-          <p:nvPr/>
-        </p:nvSpPr>
-        <p:spPr>
-          <a:xfrm flipV="1">
-            <a:off x="3735058" y="4393348"/>
-            <a:ext cx="1" cy="1351237"/>
-          </a:xfrm>
-          <a:prstGeom prst="line">
-            <a:avLst/>
-          </a:prstGeom>
-          <a:ln w="12700">
-            <a:solidFill>
-              <a:srgbClr val="D5D5D5"/>
-            </a:solidFill>
-            <a:miter lim="400000"/>
-            <a:headEnd type="oval"/>
-            <a:tailEnd type="oval"/>
-          </a:ln>
-        </p:spPr>
-        <p:txBody>
-          <a:bodyPr lIns="50800" tIns="50800" rIns="50800" bIns="50800"/>
-          <a:lstStyle/>
-          <a:p>
-            <a:pPr defTabSz="457200">
-              <a:defRPr sz="1100">
-                <a:latin typeface="Helvetica Neue"/>
-                <a:ea typeface="Helvetica Neue"/>
-                <a:cs typeface="Helvetica Neue"/>
-                <a:sym typeface="Helvetica Neue"/>
-              </a:defRPr>
-            </a:pPr>
-            <a:endParaRPr/>
-          </a:p>
-        </p:txBody>
-      </p:sp>
-      <p:sp>
-        <p:nvSpPr>
-          <p:cNvPr id="1010" name="Линия"/>
-          <p:cNvSpPr/>
-          <p:nvPr/>
-        </p:nvSpPr>
-        <p:spPr>
-          <a:xfrm flipV="1">
-            <a:off x="3735058" y="2818836"/>
-            <a:ext cx="1" cy="338081"/>
-          </a:xfrm>
-          <a:prstGeom prst="line">
-            <a:avLst/>
-          </a:prstGeom>
-          <a:ln w="12700">
-            <a:solidFill>
-              <a:srgbClr val="D5D5D5"/>
-            </a:solidFill>
-            <a:miter lim="400000"/>
-            <a:headEnd type="oval"/>
-          </a:ln>
-        </p:spPr>
-        <p:txBody>
-          <a:bodyPr lIns="50800" tIns="50800" rIns="50800" bIns="50800"/>
-          <a:lstStyle/>
-          <a:p>
-            <a:pPr defTabSz="457200">
-              <a:defRPr sz="1100">
-                <a:latin typeface="Helvetica Neue"/>
-                <a:ea typeface="Helvetica Neue"/>
-                <a:cs typeface="Helvetica Neue"/>
-                <a:sym typeface="Helvetica Neue"/>
-              </a:defRPr>
-            </a:pPr>
-            <a:endParaRPr/>
-          </a:p>
-        </p:txBody>
-      </p:sp>
-      <p:grpSp>
-        <p:nvGrpSpPr>
-          <p:cNvPr id="1015" name="Сгруппировать"/>
-          <p:cNvGrpSpPr/>
-          <p:nvPr/>
-        </p:nvGrpSpPr>
-        <p:grpSpPr>
-          <a:xfrm>
-            <a:off x="3251171" y="5505768"/>
-            <a:ext cx="4251576" cy="1285379"/>
-            <a:chOff x="0" y="0"/>
-            <a:chExt cx="4251575" cy="1285378"/>
-          </a:xfrm>
-        </p:grpSpPr>
-        <p:sp>
-          <p:nvSpPr>
-            <p:cNvPr id="1011" name="Job position here"/>
-            <p:cNvSpPr txBox="1"/>
-            <p:nvPr/>
-          </p:nvSpPr>
-          <p:spPr>
-            <a:xfrm>
-              <a:off x="717324" y="13227"/>
-              <a:ext cx="1719133" cy="264450"/>
-            </a:xfrm>
-            <a:prstGeom prst="rect">
-              <a:avLst/>
-            </a:prstGeom>
-            <a:noFill/>
-            <a:ln w="12700" cap="flat">
-              <a:noFill/>
-              <a:miter lim="400000"/>
-            </a:ln>
-            <a:effectLst/>
-            <a:extLst>
-              <a:ext uri="{C572A759-6A51-4108-AA02-DFA0A04FC94B}">
-                <ma14:wrappingTextBoxFlag xmlns="" xmlns:m="http://schemas.openxmlformats.org/officeDocument/2006/math" xmlns:a14="http://schemas.microsoft.com/office/drawing/2010/main" xmlns:ma14="http://schemas.microsoft.com/office/mac/drawingml/2011/main" val="1"/>
-              </a:ext>
-            </a:extLst>
-          </p:spPr>
-          <p:txBody>
-            <a:bodyPr wrap="square" lIns="0" tIns="0" rIns="0" bIns="0" numCol="1" anchor="t">
-              <a:noAutofit/>
-            </a:bodyPr>
-            <a:lstStyle>
-              <a:lvl1pPr defTabSz="457200">
-                <a:defRPr sz="900" cap="all" spc="45">
-                  <a:latin typeface="Helvetica Neue Medium"/>
-                  <a:ea typeface="Helvetica Neue Medium"/>
-                  <a:cs typeface="Helvetica Neue Medium"/>
-                  <a:sym typeface="Helvetica Neue Medium"/>
-                </a:defRPr>
-              </a:lvl1pPr>
-            </a:lstStyle>
-            <a:p>
-              <a:r>
-                <a:t>Job position here</a:t>
-              </a:r>
-            </a:p>
-          </p:txBody>
-        </p:sp>
-        <p:sp>
-          <p:nvSpPr>
-            <p:cNvPr id="1012" name="Company name | Location"/>
-            <p:cNvSpPr txBox="1"/>
-            <p:nvPr/>
-          </p:nvSpPr>
-          <p:spPr>
-            <a:xfrm>
-              <a:off x="717324" y="211589"/>
-              <a:ext cx="1862257" cy="264450"/>
-            </a:xfrm>
-            <a:prstGeom prst="rect">
-              <a:avLst/>
-            </a:prstGeom>
-            <a:noFill/>
-            <a:ln w="12700" cap="flat">
-              <a:noFill/>
-              <a:miter lim="400000"/>
-            </a:ln>
-            <a:effectLst/>
-            <a:extLst>
-              <a:ext uri="{C572A759-6A51-4108-AA02-DFA0A04FC94B}">
-                <ma14:wrappingTextBoxFlag xmlns="" xmlns:m="http://schemas.openxmlformats.org/officeDocument/2006/math" xmlns:a14="http://schemas.microsoft.com/office/drawing/2010/main" xmlns:ma14="http://schemas.microsoft.com/office/mac/drawingml/2011/main" val="1"/>
-              </a:ext>
-            </a:extLst>
-          </p:spPr>
-          <p:txBody>
-            <a:bodyPr wrap="square" lIns="0" tIns="0" rIns="0" bIns="0" numCol="1" anchor="ctr">
-              <a:noAutofit/>
-            </a:bodyPr>
-            <a:lstStyle>
-              <a:lvl1pPr defTabSz="457200">
-                <a:defRPr sz="900">
-                  <a:latin typeface="Helvetica Neue Light"/>
-                  <a:ea typeface="Helvetica Neue Light"/>
-                  <a:cs typeface="Helvetica Neue Light"/>
-                  <a:sym typeface="Helvetica Neue Light"/>
-                </a:defRPr>
-              </a:lvl1pPr>
-            </a:lstStyle>
-            <a:p>
-              <a:r>
-                <a:t>Company name | Location</a:t>
-              </a:r>
-            </a:p>
-          </p:txBody>
-        </p:sp>
-        <p:sp>
-          <p:nvSpPr>
-            <p:cNvPr id="1013" name="2016…"/>
-            <p:cNvSpPr txBox="1"/>
-            <p:nvPr/>
-          </p:nvSpPr>
-          <p:spPr>
-            <a:xfrm>
-              <a:off x="0" y="0"/>
-              <a:ext cx="249631" cy="462812"/>
-            </a:xfrm>
-            <a:prstGeom prst="rect">
-              <a:avLst/>
-            </a:prstGeom>
-            <a:noFill/>
-            <a:ln w="12700" cap="flat">
-              <a:noFill/>
-              <a:miter lim="400000"/>
-            </a:ln>
-            <a:effectLst/>
-            <a:extLst>
-              <a:ext uri="{C572A759-6A51-4108-AA02-DFA0A04FC94B}">
-                <ma14:wrappingTextBoxFlag xmlns="" xmlns:m="http://schemas.openxmlformats.org/officeDocument/2006/math" xmlns:a14="http://schemas.microsoft.com/office/drawing/2010/main" xmlns:ma14="http://schemas.microsoft.com/office/mac/drawingml/2011/main" val="1"/>
-              </a:ext>
-            </a:extLst>
-          </p:spPr>
-          <p:txBody>
-            <a:bodyPr wrap="square" lIns="0" tIns="0" rIns="0" bIns="0" numCol="1" anchor="t">
-              <a:noAutofit/>
-            </a:bodyPr>
-            <a:lstStyle/>
-            <a:p>
-              <a:pPr defTabSz="457200">
-                <a:lnSpc>
-                  <a:spcPct val="110000"/>
-                </a:lnSpc>
-                <a:defRPr sz="800">
-                  <a:latin typeface="Helvetica Neue"/>
-                  <a:ea typeface="Helvetica Neue"/>
-                  <a:cs typeface="Helvetica Neue"/>
-                  <a:sym typeface="Helvetica Neue"/>
-                </a:defRPr>
-              </a:pPr>
-              <a:r>
-                <a:t>2016</a:t>
-              </a:r>
-            </a:p>
-            <a:p>
-              <a:pPr defTabSz="457200">
-                <a:lnSpc>
-                  <a:spcPct val="110000"/>
-                </a:lnSpc>
-                <a:defRPr sz="800">
-                  <a:latin typeface="Helvetica Neue"/>
-                  <a:ea typeface="Helvetica Neue"/>
-                  <a:cs typeface="Helvetica Neue"/>
-                  <a:sym typeface="Helvetica Neue"/>
-                </a:defRPr>
-              </a:pPr>
-              <a:r>
-                <a:t>-</a:t>
-              </a:r>
-            </a:p>
-            <a:p>
-              <a:pPr defTabSz="457200">
-                <a:lnSpc>
-                  <a:spcPct val="110000"/>
-                </a:lnSpc>
-                <a:defRPr sz="800">
-                  <a:latin typeface="Helvetica Neue"/>
-                  <a:ea typeface="Helvetica Neue"/>
-                  <a:cs typeface="Helvetica Neue"/>
-                  <a:sym typeface="Helvetica Neue"/>
-                </a:defRPr>
-              </a:pPr>
-              <a:r>
-                <a:t>2018</a:t>
-              </a:r>
-            </a:p>
-          </p:txBody>
-        </p:sp>
-        <p:sp>
-          <p:nvSpPr>
-            <p:cNvPr id="1014" name="Lorem ipsum dolor sit amet, consectetur adipiscing elit. Aliquam ac bibendum dui. Proin convallis libero id diam porta, facilisis varius velit tempus. Mauris semper, sem sit amet semper porttitor, lectus enim vehicula enim, vel scelerisque metus ligula i"/>
-            <p:cNvSpPr txBox="1"/>
-            <p:nvPr/>
-          </p:nvSpPr>
-          <p:spPr>
-            <a:xfrm>
-              <a:off x="717324" y="462811"/>
-              <a:ext cx="3534252" cy="822568"/>
-            </a:xfrm>
-            <a:prstGeom prst="rect">
-              <a:avLst/>
-            </a:prstGeom>
-            <a:noFill/>
-            <a:ln w="12700" cap="flat">
-              <a:noFill/>
-              <a:miter lim="400000"/>
-            </a:ln>
-            <a:effectLst/>
-            <a:extLst>
-              <a:ext uri="{C572A759-6A51-4108-AA02-DFA0A04FC94B}">
-                <ma14:wrappingTextBoxFlag xmlns="" xmlns:m="http://schemas.openxmlformats.org/officeDocument/2006/math" xmlns:a14="http://schemas.microsoft.com/office/drawing/2010/main" xmlns:ma14="http://schemas.microsoft.com/office/mac/drawingml/2011/main" val="1"/>
-              </a:ext>
-            </a:extLst>
-          </p:spPr>
-          <p:txBody>
-            <a:bodyPr wrap="square" lIns="0" tIns="0" rIns="0" bIns="0" numCol="1" anchor="t">
-              <a:noAutofit/>
-            </a:bodyPr>
-            <a:lstStyle>
-              <a:lvl1pPr algn="just" defTabSz="457200">
-                <a:lnSpc>
-                  <a:spcPct val="120000"/>
-                </a:lnSpc>
-                <a:defRPr sz="800">
-                  <a:latin typeface="Helvetica Neue Light"/>
-                  <a:ea typeface="Helvetica Neue Light"/>
-                  <a:cs typeface="Helvetica Neue Light"/>
-                  <a:sym typeface="Helvetica Neue Light"/>
-                </a:defRPr>
-              </a:lvl1pPr>
-            </a:lstStyle>
-            <a:p>
-              <a:r>
-                <a:t>Lorem ipsum dolor sit amet, consectetur adipiscing elit. Aliquam ac bibendum dui. Proin convallis libero id diam porta, facilisis varius velit tempus. Mauris semper, sem sit amet semper porttitor, lectus enim vehicula enim, vel scelerisque metus ligula id nibh.</a:t>
-              </a:r>
-            </a:p>
-          </p:txBody>
-        </p:sp>
-      </p:grpSp>
-      <p:sp>
-        <p:nvSpPr>
-          <p:cNvPr id="1016" name="Линия"/>
-          <p:cNvSpPr/>
-          <p:nvPr/>
-        </p:nvSpPr>
-        <p:spPr>
-          <a:xfrm flipV="1">
-            <a:off x="3735058" y="5711677"/>
-            <a:ext cx="1" cy="1351238"/>
-          </a:xfrm>
-          <a:prstGeom prst="line">
-            <a:avLst/>
-          </a:prstGeom>
-          <a:ln w="12700">
-            <a:solidFill>
-              <a:srgbClr val="D5D5D5"/>
-            </a:solidFill>
-            <a:miter lim="400000"/>
-            <a:headEnd type="oval"/>
-            <a:tailEnd type="oval"/>
-          </a:ln>
-        </p:spPr>
-        <p:txBody>
-          <a:bodyPr lIns="50800" tIns="50800" rIns="50800" bIns="50800"/>
-          <a:lstStyle/>
-          <a:p>
-            <a:pPr defTabSz="457200">
-              <a:defRPr sz="1100">
-                <a:latin typeface="Helvetica Neue"/>
-                <a:ea typeface="Helvetica Neue"/>
-                <a:cs typeface="Helvetica Neue"/>
-                <a:sym typeface="Helvetica Neue"/>
-              </a:defRPr>
-            </a:pPr>
-            <a:endParaRPr/>
-          </a:p>
-        </p:txBody>
-      </p:sp>
-      <p:grpSp>
-        <p:nvGrpSpPr>
-          <p:cNvPr id="1021" name="Сгруппировать"/>
-          <p:cNvGrpSpPr/>
-          <p:nvPr/>
-        </p:nvGrpSpPr>
-        <p:grpSpPr>
-          <a:xfrm>
-            <a:off x="3251171" y="6817757"/>
-            <a:ext cx="4251576" cy="1253525"/>
-            <a:chOff x="0" y="0"/>
-            <a:chExt cx="4251575" cy="1253524"/>
-          </a:xfrm>
-        </p:grpSpPr>
-        <p:sp>
-          <p:nvSpPr>
-            <p:cNvPr id="1017" name="Job position here"/>
-            <p:cNvSpPr txBox="1"/>
-            <p:nvPr/>
-          </p:nvSpPr>
-          <p:spPr>
-            <a:xfrm>
-              <a:off x="717324" y="13227"/>
-              <a:ext cx="1719133" cy="264450"/>
-            </a:xfrm>
-            <a:prstGeom prst="rect">
-              <a:avLst/>
-            </a:prstGeom>
-            <a:noFill/>
-            <a:ln w="12700" cap="flat">
-              <a:noFill/>
-              <a:miter lim="400000"/>
-            </a:ln>
-            <a:effectLst/>
-            <a:extLst>
-              <a:ext uri="{C572A759-6A51-4108-AA02-DFA0A04FC94B}">
-                <ma14:wrappingTextBoxFlag xmlns="" xmlns:m="http://schemas.openxmlformats.org/officeDocument/2006/math" xmlns:a14="http://schemas.microsoft.com/office/drawing/2010/main" xmlns:ma14="http://schemas.microsoft.com/office/mac/drawingml/2011/main" val="1"/>
-              </a:ext>
-            </a:extLst>
-          </p:spPr>
-          <p:txBody>
-            <a:bodyPr wrap="square" lIns="0" tIns="0" rIns="0" bIns="0" numCol="1" anchor="t">
-              <a:noAutofit/>
-            </a:bodyPr>
-            <a:lstStyle>
-              <a:lvl1pPr defTabSz="457200">
-                <a:defRPr sz="900" cap="all" spc="45">
-                  <a:latin typeface="Helvetica Neue Medium"/>
-                  <a:ea typeface="Helvetica Neue Medium"/>
-                  <a:cs typeface="Helvetica Neue Medium"/>
-                  <a:sym typeface="Helvetica Neue Medium"/>
-                </a:defRPr>
-              </a:lvl1pPr>
-            </a:lstStyle>
-            <a:p>
-              <a:r>
-                <a:t>Job position here</a:t>
-              </a:r>
-            </a:p>
-          </p:txBody>
-        </p:sp>
-        <p:sp>
-          <p:nvSpPr>
-            <p:cNvPr id="1018" name="Company name | Location"/>
-            <p:cNvSpPr txBox="1"/>
-            <p:nvPr/>
-          </p:nvSpPr>
-          <p:spPr>
-            <a:xfrm>
-              <a:off x="717324" y="211589"/>
-              <a:ext cx="1862257" cy="264450"/>
-            </a:xfrm>
-            <a:prstGeom prst="rect">
-              <a:avLst/>
-            </a:prstGeom>
-            <a:noFill/>
-            <a:ln w="12700" cap="flat">
-              <a:noFill/>
-              <a:miter lim="400000"/>
-            </a:ln>
-            <a:effectLst/>
-            <a:extLst>
-              <a:ext uri="{C572A759-6A51-4108-AA02-DFA0A04FC94B}">
-                <ma14:wrappingTextBoxFlag xmlns="" xmlns:m="http://schemas.openxmlformats.org/officeDocument/2006/math" xmlns:a14="http://schemas.microsoft.com/office/drawing/2010/main" xmlns:ma14="http://schemas.microsoft.com/office/mac/drawingml/2011/main" val="1"/>
-              </a:ext>
-            </a:extLst>
-          </p:spPr>
-          <p:txBody>
-            <a:bodyPr wrap="square" lIns="0" tIns="0" rIns="0" bIns="0" numCol="1" anchor="ctr">
-              <a:noAutofit/>
-            </a:bodyPr>
-            <a:lstStyle>
-              <a:lvl1pPr defTabSz="457200">
-                <a:defRPr sz="900">
-                  <a:latin typeface="Helvetica Neue Light"/>
-                  <a:ea typeface="Helvetica Neue Light"/>
-                  <a:cs typeface="Helvetica Neue Light"/>
-                  <a:sym typeface="Helvetica Neue Light"/>
-                </a:defRPr>
-              </a:lvl1pPr>
-            </a:lstStyle>
-            <a:p>
-              <a:r>
-                <a:t>Company name | Location</a:t>
-              </a:r>
-            </a:p>
-          </p:txBody>
-        </p:sp>
-        <p:sp>
-          <p:nvSpPr>
-            <p:cNvPr id="1019" name="2016…"/>
-            <p:cNvSpPr txBox="1"/>
-            <p:nvPr/>
-          </p:nvSpPr>
-          <p:spPr>
-            <a:xfrm>
-              <a:off x="0" y="0"/>
-              <a:ext cx="249631" cy="462812"/>
-            </a:xfrm>
-            <a:prstGeom prst="rect">
-              <a:avLst/>
-            </a:prstGeom>
-            <a:noFill/>
-            <a:ln w="12700" cap="flat">
-              <a:noFill/>
-              <a:miter lim="400000"/>
-            </a:ln>
-            <a:effectLst/>
-            <a:extLst>
-              <a:ext uri="{C572A759-6A51-4108-AA02-DFA0A04FC94B}">
-                <ma14:wrappingTextBoxFlag xmlns="" xmlns:m="http://schemas.openxmlformats.org/officeDocument/2006/math" xmlns:a14="http://schemas.microsoft.com/office/drawing/2010/main" xmlns:ma14="http://schemas.microsoft.com/office/mac/drawingml/2011/main" val="1"/>
-              </a:ext>
-            </a:extLst>
-          </p:spPr>
-          <p:txBody>
-            <a:bodyPr wrap="square" lIns="0" tIns="0" rIns="0" bIns="0" numCol="1" anchor="t">
-              <a:noAutofit/>
-            </a:bodyPr>
-            <a:lstStyle/>
-            <a:p>
-              <a:pPr defTabSz="457200">
-                <a:lnSpc>
-                  <a:spcPct val="110000"/>
-                </a:lnSpc>
-                <a:defRPr sz="800">
-                  <a:latin typeface="Helvetica Neue"/>
-                  <a:ea typeface="Helvetica Neue"/>
-                  <a:cs typeface="Helvetica Neue"/>
-                  <a:sym typeface="Helvetica Neue"/>
-                </a:defRPr>
-              </a:pPr>
-              <a:r>
-                <a:t>2016</a:t>
-              </a:r>
-            </a:p>
-            <a:p>
-              <a:pPr defTabSz="457200">
-                <a:lnSpc>
-                  <a:spcPct val="110000"/>
-                </a:lnSpc>
-                <a:defRPr sz="800">
-                  <a:latin typeface="Helvetica Neue"/>
-                  <a:ea typeface="Helvetica Neue"/>
-                  <a:cs typeface="Helvetica Neue"/>
-                  <a:sym typeface="Helvetica Neue"/>
-                </a:defRPr>
-              </a:pPr>
-              <a:r>
-                <a:t>-</a:t>
-              </a:r>
-            </a:p>
-            <a:p>
-              <a:pPr defTabSz="457200">
-                <a:lnSpc>
-                  <a:spcPct val="110000"/>
-                </a:lnSpc>
-                <a:defRPr sz="800">
-                  <a:latin typeface="Helvetica Neue"/>
-                  <a:ea typeface="Helvetica Neue"/>
-                  <a:cs typeface="Helvetica Neue"/>
-                  <a:sym typeface="Helvetica Neue"/>
-                </a:defRPr>
-              </a:pPr>
-              <a:r>
-                <a:t>2018</a:t>
-              </a:r>
-            </a:p>
-          </p:txBody>
-        </p:sp>
-        <p:sp>
-          <p:nvSpPr>
-            <p:cNvPr id="1020" name="Lorem ipsum dolor sit amet, consectetur adipiscing elit. Aliquam ac bibendum dui. Proin convallis libero id diam porta, facilisis varius velit tempus. Mauris semper, sem sit amet semper porttitor, lectus enim vehicula enim, vel scelerisque metus ligula i"/>
-            <p:cNvSpPr txBox="1"/>
-            <p:nvPr/>
-          </p:nvSpPr>
-          <p:spPr>
-            <a:xfrm>
-              <a:off x="717324" y="462811"/>
-              <a:ext cx="3534252" cy="790714"/>
-            </a:xfrm>
-            <a:prstGeom prst="rect">
-              <a:avLst/>
-            </a:prstGeom>
-            <a:noFill/>
-            <a:ln w="12700" cap="flat">
-              <a:noFill/>
-              <a:miter lim="400000"/>
-            </a:ln>
-            <a:effectLst/>
-            <a:extLst>
-              <a:ext uri="{C572A759-6A51-4108-AA02-DFA0A04FC94B}">
-                <ma14:wrappingTextBoxFlag xmlns="" xmlns:m="http://schemas.openxmlformats.org/officeDocument/2006/math" xmlns:a14="http://schemas.microsoft.com/office/drawing/2010/main" xmlns:ma14="http://schemas.microsoft.com/office/mac/drawingml/2011/main" val="1"/>
-              </a:ext>
-            </a:extLst>
-          </p:spPr>
-          <p:txBody>
-            <a:bodyPr wrap="square" lIns="0" tIns="0" rIns="0" bIns="0" numCol="1" anchor="t">
-              <a:noAutofit/>
-            </a:bodyPr>
-            <a:lstStyle>
-              <a:lvl1pPr algn="just" defTabSz="457200">
-                <a:lnSpc>
-                  <a:spcPct val="120000"/>
-                </a:lnSpc>
-                <a:defRPr sz="800">
-                  <a:latin typeface="Helvetica Neue Light"/>
-                  <a:ea typeface="Helvetica Neue Light"/>
-                  <a:cs typeface="Helvetica Neue Light"/>
-                  <a:sym typeface="Helvetica Neue Light"/>
-                </a:defRPr>
-              </a:lvl1pPr>
-            </a:lstStyle>
-            <a:p>
-              <a:r>
-                <a:t>Lorem ipsum dolor sit amet, consectetur adipiscing elit. Aliquam ac bibendum dui. Proin convallis libero id diam porta, facilisis varius velit tempus. Mauris semper, sem sit amet semper porttitor, lectus enim vehicula enim, vel scelerisque metus ligula id nibh. Nullam vitae sem fermentum, dignissim dui eget, luctus ex.</a:t>
-              </a:r>
-            </a:p>
-          </p:txBody>
-        </p:sp>
-      </p:grpSp>
-      <p:sp>
-        <p:nvSpPr>
-          <p:cNvPr id="1022" name="Линия"/>
-          <p:cNvSpPr/>
-          <p:nvPr/>
-        </p:nvSpPr>
-        <p:spPr>
-          <a:xfrm flipV="1">
-            <a:off x="3735058" y="7023667"/>
-            <a:ext cx="1" cy="1027238"/>
-          </a:xfrm>
-          <a:prstGeom prst="line">
-            <a:avLst/>
-          </a:prstGeom>
-          <a:ln w="12700">
-            <a:solidFill>
-              <a:srgbClr val="D5D5D5"/>
-            </a:solidFill>
-            <a:miter lim="400000"/>
-            <a:tailEnd type="oval"/>
-          </a:ln>
-        </p:spPr>
-        <p:txBody>
-          <a:bodyPr lIns="50800" tIns="50800" rIns="50800" bIns="50800"/>
-          <a:lstStyle/>
-          <a:p>
-            <a:pPr defTabSz="457200">
-              <a:defRPr sz="1100">
-                <a:latin typeface="Helvetica Neue"/>
-                <a:ea typeface="Helvetica Neue"/>
-                <a:cs typeface="Helvetica Neue"/>
-                <a:sym typeface="Helvetica Neue"/>
-              </a:defRPr>
-            </a:pPr>
-            <a:endParaRPr/>
-          </a:p>
-        </p:txBody>
-      </p:sp>
-      <p:sp>
-        <p:nvSpPr>
-          <p:cNvPr id="1023" name="Прямоугольник"/>
-          <p:cNvSpPr/>
-          <p:nvPr/>
-        </p:nvSpPr>
-        <p:spPr>
-          <a:xfrm>
-            <a:off x="0" y="5433970"/>
-            <a:ext cx="2946717" cy="449940"/>
+            <a:off x="3408609" y="5261915"/>
+            <a:ext cx="2920795" cy="253297"/>
           </a:xfrm>
           <a:prstGeom prst="rect">
             <a:avLst/>
           </a:prstGeom>
-          <a:solidFill>
-            <a:srgbClr val="335C67"/>
-          </a:solidFill>
-          <a:ln w="3175">
+          <a:ln w="12700">
             <a:miter lim="400000"/>
           </a:ln>
-        </p:spPr>
-        <p:txBody>
-          <a:bodyPr lIns="50800" tIns="50800" rIns="50800" bIns="50800" anchor="ctr"/>
-          <a:lstStyle/>
-          <a:p>
-            <a:pPr algn="ctr" defTabSz="584200">
-              <a:defRPr sz="1200">
-                <a:solidFill>
-                  <a:srgbClr val="FFFFFF"/>
-                </a:solidFill>
+          <a:extLst>
+            <a:ext uri="{C572A759-6A51-4108-AA02-DFA0A04FC94B}">
+              <ma14:wrappingTextBoxFlag xmlns:ma14="http://schemas.microsoft.com/office/mac/drawingml/2011/main" xmlns:a14="http://schemas.microsoft.com/office/drawing/2010/main" xmlns:m="http://schemas.openxmlformats.org/officeDocument/2006/math" xmlns="" val="1"/>
+            </a:ext>
+          </a:extLst>
+        </p:spPr>
+        <p:txBody>
+          <a:bodyPr lIns="57117" tIns="57117" rIns="57117" bIns="57117" anchor="ctr"/>
+          <a:lstStyle>
+            <a:lvl1pPr>
+              <a:defRPr sz="1000" cap="all" spc="50">
                 <a:latin typeface="Helvetica Neue Medium"/>
                 <a:ea typeface="Helvetica Neue Medium"/>
                 <a:cs typeface="Helvetica Neue Medium"/>
                 <a:sym typeface="Helvetica Neue Medium"/>
               </a:defRPr>
-            </a:pPr>
-            <a:endParaRPr/>
-          </a:p>
-        </p:txBody>
-      </p:sp>
-      <p:sp>
-        <p:nvSpPr>
-          <p:cNvPr id="1024" name="Education"/>
+            </a:lvl1pPr>
+          </a:lstStyle>
+          <a:p>
+            <a:r>
+              <a:t>Enter your job position here</a:t>
+            </a:r>
+          </a:p>
+        </p:txBody>
+      </p:sp>
+      <p:sp>
+        <p:nvSpPr>
+          <p:cNvPr id="377" name="Name of Company - address"/>
           <p:cNvSpPr txBox="1"/>
           <p:nvPr/>
         </p:nvSpPr>
         <p:spPr>
           <a:xfrm>
-            <a:off x="383854" y="5515055"/>
-            <a:ext cx="1634113" cy="287770"/>
+            <a:off x="3408609" y="5444847"/>
+            <a:ext cx="2920795" cy="304097"/>
           </a:xfrm>
           <a:prstGeom prst="rect">
             <a:avLst/>
@@ -4858,21 +3912,15 @@
           </a:ln>
           <a:extLst>
             <a:ext uri="{C572A759-6A51-4108-AA02-DFA0A04FC94B}">
-              <ma14:wrappingTextBoxFlag xmlns="" xmlns:m="http://schemas.openxmlformats.org/officeDocument/2006/math" xmlns:a14="http://schemas.microsoft.com/office/drawing/2010/main" xmlns:ma14="http://schemas.microsoft.com/office/mac/drawingml/2011/main" val="1"/>
+              <ma14:wrappingTextBoxFlag xmlns:ma14="http://schemas.microsoft.com/office/mac/drawingml/2011/main" xmlns:a14="http://schemas.microsoft.com/office/drawing/2010/main" xmlns:m="http://schemas.openxmlformats.org/officeDocument/2006/math" xmlns="" val="1"/>
             </a:ext>
           </a:extLst>
         </p:spPr>
         <p:txBody>
-          <a:bodyPr lIns="0" tIns="0" rIns="0" bIns="0" anchor="ctr"/>
+          <a:bodyPr lIns="57117" tIns="57117" rIns="57117" bIns="57117" anchor="ctr"/>
           <a:lstStyle>
-            <a:lvl1pPr defTabSz="457200">
-              <a:tabLst>
-                <a:tab pos="228600" algn="l"/>
-              </a:tabLst>
-              <a:defRPr sz="1000" spc="250">
-                <a:solidFill>
-                  <a:srgbClr val="FFFFFF"/>
-                </a:solidFill>
+            <a:lvl1pPr>
+              <a:defRPr sz="1000">
                 <a:latin typeface="Helvetica Neue"/>
                 <a:ea typeface="Helvetica Neue"/>
                 <a:cs typeface="Helvetica Neue"/>
@@ -4882,21 +3930,21 @@
           </a:lstStyle>
           <a:p>
             <a:r>
-              <a:t>Education</a:t>
-            </a:r>
-          </a:p>
-        </p:txBody>
-      </p:sp>
-      <p:sp>
-        <p:nvSpPr>
-          <p:cNvPr id="1025" name="Your degree"/>
+              <a:t>Name of Company - address</a:t>
+            </a:r>
+          </a:p>
+        </p:txBody>
+      </p:sp>
+      <p:sp>
+        <p:nvSpPr>
+          <p:cNvPr id="378" name="Bachelor of Business Administration (BBA)"/>
           <p:cNvSpPr txBox="1"/>
           <p:nvPr/>
         </p:nvSpPr>
         <p:spPr>
           <a:xfrm>
-            <a:off x="1101179" y="6267153"/>
-            <a:ext cx="1719133" cy="171448"/>
+            <a:off x="538089" y="4952557"/>
+            <a:ext cx="2525264" cy="250150"/>
           </a:xfrm>
           <a:prstGeom prst="rect">
             <a:avLst/>
@@ -4906,15 +3954,15 @@
           </a:ln>
           <a:extLst>
             <a:ext uri="{C572A759-6A51-4108-AA02-DFA0A04FC94B}">
-              <ma14:wrappingTextBoxFlag xmlns="" xmlns:m="http://schemas.openxmlformats.org/officeDocument/2006/math" xmlns:a14="http://schemas.microsoft.com/office/drawing/2010/main" xmlns:ma14="http://schemas.microsoft.com/office/mac/drawingml/2011/main" val="1"/>
+              <ma14:wrappingTextBoxFlag xmlns:ma14="http://schemas.microsoft.com/office/mac/drawingml/2011/main" xmlns:a14="http://schemas.microsoft.com/office/drawing/2010/main" xmlns:m="http://schemas.openxmlformats.org/officeDocument/2006/math" xmlns="" val="1"/>
             </a:ext>
           </a:extLst>
         </p:spPr>
         <p:txBody>
-          <a:bodyPr lIns="0" tIns="0" rIns="0" bIns="0"/>
+          <a:bodyPr lIns="0" tIns="0" rIns="0" bIns="0" anchor="ctr"/>
           <a:lstStyle>
-            <a:lvl1pPr defTabSz="457200">
-              <a:defRPr sz="700" cap="all" spc="35">
+            <a:lvl1pPr>
+              <a:defRPr sz="1000">
                 <a:latin typeface="Helvetica Neue Medium"/>
                 <a:ea typeface="Helvetica Neue Medium"/>
                 <a:cs typeface="Helvetica Neue Medium"/>
@@ -4924,21 +3972,21 @@
           </a:lstStyle>
           <a:p>
             <a:r>
-              <a:t>Your degree</a:t>
-            </a:r>
-          </a:p>
-        </p:txBody>
-      </p:sp>
-      <p:sp>
-        <p:nvSpPr>
-          <p:cNvPr id="1026" name="Oxford University"/>
+              <a:t>Bachelor of Business Administration (BBA)</a:t>
+            </a:r>
+          </a:p>
+        </p:txBody>
+      </p:sp>
+      <p:sp>
+        <p:nvSpPr>
+          <p:cNvPr id="379" name="University Name, City, State"/>
           <p:cNvSpPr txBox="1"/>
           <p:nvPr/>
         </p:nvSpPr>
         <p:spPr>
           <a:xfrm>
-            <a:off x="1101179" y="6419141"/>
-            <a:ext cx="1862257" cy="158836"/>
+            <a:off x="538089" y="5221257"/>
+            <a:ext cx="2525264" cy="209586"/>
           </a:xfrm>
           <a:prstGeom prst="rect">
             <a:avLst/>
@@ -4948,15 +3996,18 @@
           </a:ln>
           <a:extLst>
             <a:ext uri="{C572A759-6A51-4108-AA02-DFA0A04FC94B}">
-              <ma14:wrappingTextBoxFlag xmlns="" xmlns:m="http://schemas.openxmlformats.org/officeDocument/2006/math" xmlns:a14="http://schemas.microsoft.com/office/drawing/2010/main" xmlns:ma14="http://schemas.microsoft.com/office/mac/drawingml/2011/main" val="1"/>
+              <ma14:wrappingTextBoxFlag xmlns:ma14="http://schemas.microsoft.com/office/mac/drawingml/2011/main" xmlns:a14="http://schemas.microsoft.com/office/drawing/2010/main" xmlns:m="http://schemas.openxmlformats.org/officeDocument/2006/math" xmlns="" val="1"/>
             </a:ext>
           </a:extLst>
         </p:spPr>
         <p:txBody>
           <a:bodyPr lIns="0" tIns="0" rIns="0" bIns="0" anchor="ctr"/>
           <a:lstStyle>
-            <a:lvl1pPr defTabSz="457200">
-              <a:defRPr sz="700">
+            <a:lvl1pPr>
+              <a:defRPr sz="1000">
+                <a:solidFill>
+                  <a:srgbClr val="333333"/>
+                </a:solidFill>
                 <a:latin typeface="Helvetica Neue Light"/>
                 <a:ea typeface="Helvetica Neue Light"/>
                 <a:cs typeface="Helvetica Neue Light"/>
@@ -4966,21 +4017,21 @@
           </a:lstStyle>
           <a:p>
             <a:r>
-              <a:t>Oxford University</a:t>
-            </a:r>
-          </a:p>
-        </p:txBody>
-      </p:sp>
-      <p:sp>
-        <p:nvSpPr>
-          <p:cNvPr id="1027" name="2016…"/>
+              <a:t>University Name, City, State</a:t>
+            </a:r>
+          </a:p>
+        </p:txBody>
+      </p:sp>
+      <p:sp>
+        <p:nvSpPr>
+          <p:cNvPr id="380" name="Graduated: May 2008"/>
           <p:cNvSpPr txBox="1"/>
           <p:nvPr/>
         </p:nvSpPr>
         <p:spPr>
           <a:xfrm>
-            <a:off x="383854" y="6253926"/>
-            <a:ext cx="249632" cy="462812"/>
+            <a:off x="538089" y="5478989"/>
+            <a:ext cx="2525264" cy="209586"/>
           </a:xfrm>
           <a:prstGeom prst="rect">
             <a:avLst/>
@@ -4990,94 +4041,18 @@
           </a:ln>
           <a:extLst>
             <a:ext uri="{C572A759-6A51-4108-AA02-DFA0A04FC94B}">
-              <ma14:wrappingTextBoxFlag xmlns="" xmlns:m="http://schemas.openxmlformats.org/officeDocument/2006/math" xmlns:a14="http://schemas.microsoft.com/office/drawing/2010/main" xmlns:ma14="http://schemas.microsoft.com/office/mac/drawingml/2011/main" val="1"/>
+              <ma14:wrappingTextBoxFlag xmlns:ma14="http://schemas.microsoft.com/office/mac/drawingml/2011/main" xmlns:a14="http://schemas.microsoft.com/office/drawing/2010/main" xmlns:m="http://schemas.openxmlformats.org/officeDocument/2006/math" xmlns="" val="1"/>
             </a:ext>
           </a:extLst>
         </p:spPr>
         <p:txBody>
           <a:bodyPr lIns="0" tIns="0" rIns="0" bIns="0"/>
-          <a:lstStyle/>
-          <a:p>
-            <a:pPr defTabSz="457200">
-              <a:lnSpc>
-                <a:spcPct val="110000"/>
-              </a:lnSpc>
-              <a:defRPr sz="800">
-                <a:latin typeface="Helvetica Neue"/>
-                <a:ea typeface="Helvetica Neue"/>
-                <a:cs typeface="Helvetica Neue"/>
-                <a:sym typeface="Helvetica Neue"/>
-              </a:defRPr>
-            </a:pPr>
-            <a:r>
-              <a:t>2016</a:t>
-            </a:r>
-          </a:p>
-          <a:p>
-            <a:pPr defTabSz="457200">
-              <a:lnSpc>
-                <a:spcPct val="110000"/>
-              </a:lnSpc>
-              <a:defRPr sz="800">
-                <a:latin typeface="Helvetica Neue"/>
-                <a:ea typeface="Helvetica Neue"/>
-                <a:cs typeface="Helvetica Neue"/>
-                <a:sym typeface="Helvetica Neue"/>
-              </a:defRPr>
-            </a:pPr>
-            <a:r>
-              <a:t>-</a:t>
-            </a:r>
-          </a:p>
-          <a:p>
-            <a:pPr defTabSz="457200">
-              <a:lnSpc>
-                <a:spcPct val="110000"/>
-              </a:lnSpc>
-              <a:defRPr sz="800">
-                <a:latin typeface="Helvetica Neue"/>
-                <a:ea typeface="Helvetica Neue"/>
-                <a:cs typeface="Helvetica Neue"/>
-                <a:sym typeface="Helvetica Neue"/>
-              </a:defRPr>
-            </a:pPr>
-            <a:r>
-              <a:t>2018</a:t>
-            </a:r>
-          </a:p>
-        </p:txBody>
-      </p:sp>
-      <p:sp>
-        <p:nvSpPr>
-          <p:cNvPr id="1028" name="Lorem ipsum dolor sit amet, consectetur adipiscing elit. Aliquam ac bibendum dui."/>
-          <p:cNvSpPr txBox="1"/>
-          <p:nvPr/>
-        </p:nvSpPr>
-        <p:spPr>
-          <a:xfrm>
-            <a:off x="1101179" y="6604118"/>
-            <a:ext cx="1417173" cy="432684"/>
-          </a:xfrm>
-          <a:prstGeom prst="rect">
-            <a:avLst/>
-          </a:prstGeom>
-          <a:ln w="12700">
-            <a:miter lim="400000"/>
-          </a:ln>
-          <a:extLst>
-            <a:ext uri="{C572A759-6A51-4108-AA02-DFA0A04FC94B}">
-              <ma14:wrappingTextBoxFlag xmlns="" xmlns:m="http://schemas.openxmlformats.org/officeDocument/2006/math" xmlns:a14="http://schemas.microsoft.com/office/drawing/2010/main" xmlns:ma14="http://schemas.microsoft.com/office/mac/drawingml/2011/main" val="1"/>
-            </a:ext>
-          </a:extLst>
-        </p:spPr>
-        <p:txBody>
-          <a:bodyPr lIns="0" tIns="0" rIns="0" bIns="0"/>
           <a:lstStyle>
-            <a:lvl1pPr algn="just" defTabSz="457200">
-              <a:lnSpc>
-                <a:spcPct val="120000"/>
-              </a:lnSpc>
-              <a:defRPr sz="700">
+            <a:lvl1pPr>
+              <a:defRPr sz="1000">
+                <a:solidFill>
+                  <a:srgbClr val="333333"/>
+                </a:solidFill>
                 <a:latin typeface="Helvetica Neue Light"/>
                 <a:ea typeface="Helvetica Neue Light"/>
                 <a:cs typeface="Helvetica Neue Light"/>
@@ -5087,98 +4062,21 @@
           </a:lstStyle>
           <a:p>
             <a:r>
-              <a:t>Lorem ipsum dolor sit amet, consectetur adipiscing elit. Aliquam ac bibendum dui.</a:t>
-            </a:r>
-          </a:p>
-        </p:txBody>
-      </p:sp>
-      <p:sp>
-        <p:nvSpPr>
-          <p:cNvPr id="1029" name="Линия"/>
-          <p:cNvSpPr/>
-          <p:nvPr/>
-        </p:nvSpPr>
-        <p:spPr>
-          <a:xfrm flipV="1">
-            <a:off x="867742" y="6461827"/>
-            <a:ext cx="1" cy="991405"/>
-          </a:xfrm>
-          <a:prstGeom prst="line">
-            <a:avLst/>
-          </a:prstGeom>
-          <a:ln w="12700">
-            <a:solidFill>
-              <a:srgbClr val="D5D5D5"/>
-            </a:solidFill>
-            <a:miter lim="400000"/>
-            <a:headEnd type="oval"/>
-            <a:tailEnd type="oval"/>
-          </a:ln>
-        </p:spPr>
-        <p:txBody>
-          <a:bodyPr lIns="50800" tIns="50800" rIns="50800" bIns="50800"/>
-          <a:lstStyle/>
-          <a:p>
-            <a:pPr defTabSz="457200">
-              <a:defRPr sz="1100">
-                <a:latin typeface="Helvetica Neue"/>
-                <a:ea typeface="Helvetica Neue"/>
-                <a:cs typeface="Helvetica Neue"/>
-                <a:sym typeface="Helvetica Neue"/>
-              </a:defRPr>
-            </a:pPr>
-            <a:endParaRPr/>
-          </a:p>
-        </p:txBody>
-      </p:sp>
-      <p:sp>
-        <p:nvSpPr>
-          <p:cNvPr id="1030" name="Линия"/>
-          <p:cNvSpPr/>
-          <p:nvPr/>
-        </p:nvSpPr>
-        <p:spPr>
-          <a:xfrm flipV="1">
-            <a:off x="867742" y="6159563"/>
-            <a:ext cx="1" cy="338081"/>
-          </a:xfrm>
-          <a:prstGeom prst="line">
-            <a:avLst/>
-          </a:prstGeom>
-          <a:ln w="12700">
-            <a:solidFill>
-              <a:srgbClr val="D5D5D5"/>
-            </a:solidFill>
-            <a:miter lim="400000"/>
-            <a:headEnd type="oval"/>
-          </a:ln>
-        </p:spPr>
-        <p:txBody>
-          <a:bodyPr lIns="50800" tIns="50800" rIns="50800" bIns="50800"/>
-          <a:lstStyle/>
-          <a:p>
-            <a:pPr defTabSz="457200">
-              <a:defRPr sz="1100">
-                <a:latin typeface="Helvetica Neue"/>
-                <a:ea typeface="Helvetica Neue"/>
-                <a:cs typeface="Helvetica Neue"/>
-                <a:sym typeface="Helvetica Neue"/>
-              </a:defRPr>
-            </a:pPr>
-            <a:endParaRPr/>
-          </a:p>
-        </p:txBody>
-      </p:sp>
-      <p:sp>
-        <p:nvSpPr>
-          <p:cNvPr id="1031" name="Your degree"/>
+              <a:t>Graduated: May 2008</a:t>
+            </a:r>
+          </a:p>
+        </p:txBody>
+      </p:sp>
+      <p:sp>
+        <p:nvSpPr>
+          <p:cNvPr id="381" name="Bachelor of Business Administration (BBA)"/>
           <p:cNvSpPr txBox="1"/>
           <p:nvPr/>
         </p:nvSpPr>
         <p:spPr>
           <a:xfrm>
-            <a:off x="1101179" y="7222742"/>
-            <a:ext cx="1719133" cy="171448"/>
+            <a:off x="538089" y="5702075"/>
+            <a:ext cx="2525264" cy="250149"/>
           </a:xfrm>
           <a:prstGeom prst="rect">
             <a:avLst/>
@@ -5188,15 +4086,15 @@
           </a:ln>
           <a:extLst>
             <a:ext uri="{C572A759-6A51-4108-AA02-DFA0A04FC94B}">
-              <ma14:wrappingTextBoxFlag xmlns="" xmlns:m="http://schemas.openxmlformats.org/officeDocument/2006/math" xmlns:a14="http://schemas.microsoft.com/office/drawing/2010/main" xmlns:ma14="http://schemas.microsoft.com/office/mac/drawingml/2011/main" val="1"/>
+              <ma14:wrappingTextBoxFlag xmlns:ma14="http://schemas.microsoft.com/office/mac/drawingml/2011/main" xmlns:a14="http://schemas.microsoft.com/office/drawing/2010/main" xmlns:m="http://schemas.openxmlformats.org/officeDocument/2006/math" xmlns="" val="1"/>
             </a:ext>
           </a:extLst>
         </p:spPr>
         <p:txBody>
-          <a:bodyPr lIns="0" tIns="0" rIns="0" bIns="0"/>
+          <a:bodyPr lIns="0" tIns="0" rIns="0" bIns="0" anchor="ctr"/>
           <a:lstStyle>
-            <a:lvl1pPr defTabSz="457200">
-              <a:defRPr sz="700" cap="all" spc="35">
+            <a:lvl1pPr>
+              <a:defRPr sz="1000">
                 <a:latin typeface="Helvetica Neue Medium"/>
                 <a:ea typeface="Helvetica Neue Medium"/>
                 <a:cs typeface="Helvetica Neue Medium"/>
@@ -5206,21 +4104,21 @@
           </a:lstStyle>
           <a:p>
             <a:r>
-              <a:t>Your degree</a:t>
-            </a:r>
-          </a:p>
-        </p:txBody>
-      </p:sp>
-      <p:sp>
-        <p:nvSpPr>
-          <p:cNvPr id="1032" name="Oxford University"/>
+              <a:t>Bachelor of Business Administration (BBA)</a:t>
+            </a:r>
+          </a:p>
+        </p:txBody>
+      </p:sp>
+      <p:sp>
+        <p:nvSpPr>
+          <p:cNvPr id="382" name="University Name, City, State"/>
           <p:cNvSpPr txBox="1"/>
           <p:nvPr/>
         </p:nvSpPr>
         <p:spPr>
           <a:xfrm>
-            <a:off x="1101179" y="7374729"/>
-            <a:ext cx="1862257" cy="158836"/>
+            <a:off x="538089" y="5970775"/>
+            <a:ext cx="2525264" cy="209586"/>
           </a:xfrm>
           <a:prstGeom prst="rect">
             <a:avLst/>
@@ -5230,15 +4128,18 @@
           </a:ln>
           <a:extLst>
             <a:ext uri="{C572A759-6A51-4108-AA02-DFA0A04FC94B}">
-              <ma14:wrappingTextBoxFlag xmlns="" xmlns:m="http://schemas.openxmlformats.org/officeDocument/2006/math" xmlns:a14="http://schemas.microsoft.com/office/drawing/2010/main" xmlns:ma14="http://schemas.microsoft.com/office/mac/drawingml/2011/main" val="1"/>
+              <ma14:wrappingTextBoxFlag xmlns:ma14="http://schemas.microsoft.com/office/mac/drawingml/2011/main" xmlns:a14="http://schemas.microsoft.com/office/drawing/2010/main" xmlns:m="http://schemas.openxmlformats.org/officeDocument/2006/math" xmlns="" val="1"/>
             </a:ext>
           </a:extLst>
         </p:spPr>
         <p:txBody>
           <a:bodyPr lIns="0" tIns="0" rIns="0" bIns="0" anchor="ctr"/>
           <a:lstStyle>
-            <a:lvl1pPr defTabSz="457200">
-              <a:defRPr sz="700">
+            <a:lvl1pPr>
+              <a:defRPr sz="1000">
+                <a:solidFill>
+                  <a:srgbClr val="333333"/>
+                </a:solidFill>
                 <a:latin typeface="Helvetica Neue Light"/>
                 <a:ea typeface="Helvetica Neue Light"/>
                 <a:cs typeface="Helvetica Neue Light"/>
@@ -5248,21 +4149,21 @@
           </a:lstStyle>
           <a:p>
             <a:r>
-              <a:t>Oxford University</a:t>
-            </a:r>
-          </a:p>
-        </p:txBody>
-      </p:sp>
-      <p:sp>
-        <p:nvSpPr>
-          <p:cNvPr id="1033" name="2016…"/>
+              <a:t>University Name, City, State</a:t>
+            </a:r>
+          </a:p>
+        </p:txBody>
+      </p:sp>
+      <p:sp>
+        <p:nvSpPr>
+          <p:cNvPr id="383" name="Graduated: May 2001"/>
           <p:cNvSpPr txBox="1"/>
           <p:nvPr/>
         </p:nvSpPr>
         <p:spPr>
           <a:xfrm>
-            <a:off x="383854" y="7209514"/>
-            <a:ext cx="249632" cy="462813"/>
+            <a:off x="538089" y="6228507"/>
+            <a:ext cx="2525264" cy="209586"/>
           </a:xfrm>
           <a:prstGeom prst="rect">
             <a:avLst/>
@@ -5272,7 +4173,7 @@
           </a:ln>
           <a:extLst>
             <a:ext uri="{C572A759-6A51-4108-AA02-DFA0A04FC94B}">
-              <ma14:wrappingTextBoxFlag xmlns="" xmlns:m="http://schemas.openxmlformats.org/officeDocument/2006/math" xmlns:a14="http://schemas.microsoft.com/office/drawing/2010/main" xmlns:ma14="http://schemas.microsoft.com/office/mac/drawingml/2011/main" val="1"/>
+              <ma14:wrappingTextBoxFlag xmlns:ma14="http://schemas.microsoft.com/office/mac/drawingml/2011/main" xmlns:a14="http://schemas.microsoft.com/office/drawing/2010/main" xmlns:m="http://schemas.openxmlformats.org/officeDocument/2006/math" xmlns="" val="1"/>
             </a:ext>
           </a:extLst>
         </p:spPr>
@@ -5280,11 +4181,104 @@
           <a:bodyPr lIns="0" tIns="0" rIns="0" bIns="0"/>
           <a:lstStyle/>
           <a:p>
-            <a:pPr defTabSz="457200">
+            <a:pPr>
+              <a:defRPr sz="1000">
+                <a:solidFill>
+                  <a:srgbClr val="333333"/>
+                </a:solidFill>
+                <a:latin typeface="Helvetica Neue Light"/>
+                <a:ea typeface="Helvetica Neue Light"/>
+                <a:cs typeface="Helvetica Neue Light"/>
+                <a:sym typeface="Helvetica Neue Light"/>
+              </a:defRPr>
+            </a:pPr>
+            <a:r>
+              <a:t>Graduated: May 2001</a:t>
+            </a:r>
+          </a:p>
+          <a:p>
+            <a:pPr>
+              <a:defRPr sz="1000">
+                <a:solidFill>
+                  <a:srgbClr val="333333"/>
+                </a:solidFill>
+                <a:latin typeface="Helvetica Neue Light"/>
+                <a:ea typeface="Helvetica Neue Light"/>
+                <a:cs typeface="Helvetica Neue Light"/>
+                <a:sym typeface="Helvetica Neue Light"/>
+              </a:defRPr>
+            </a:pPr>
+            <a:endParaRPr/>
+          </a:p>
+          <a:p>
+            <a:pPr>
+              <a:defRPr sz="1000">
+                <a:solidFill>
+                  <a:srgbClr val="333333"/>
+                </a:solidFill>
+                <a:latin typeface="Helvetica Neue Light"/>
+                <a:ea typeface="Helvetica Neue Light"/>
+                <a:cs typeface="Helvetica Neue Light"/>
+                <a:sym typeface="Helvetica Neue Light"/>
+              </a:defRPr>
+            </a:pPr>
+            <a:endParaRPr/>
+          </a:p>
+          <a:p>
+            <a:pPr>
+              <a:defRPr sz="1000">
+                <a:solidFill>
+                  <a:srgbClr val="333333"/>
+                </a:solidFill>
+                <a:latin typeface="Helvetica Neue Light"/>
+                <a:ea typeface="Helvetica Neue Light"/>
+                <a:cs typeface="Helvetica Neue Light"/>
+                <a:sym typeface="Helvetica Neue Light"/>
+              </a:defRPr>
+            </a:pPr>
+            <a:endParaRPr/>
+          </a:p>
+        </p:txBody>
+      </p:sp>
+      <p:sp>
+        <p:nvSpPr>
+          <p:cNvPr id="384" name="Sales Strategy Development…"/>
+          <p:cNvSpPr txBox="1"/>
+          <p:nvPr/>
+        </p:nvSpPr>
+        <p:spPr>
+          <a:xfrm>
+            <a:off x="486472" y="8088379"/>
+            <a:ext cx="2162264" cy="418940"/>
+          </a:xfrm>
+          <a:prstGeom prst="rect">
+            <a:avLst/>
+          </a:prstGeom>
+          <a:ln w="12700">
+            <a:miter lim="400000"/>
+          </a:ln>
+          <a:extLst>
+            <a:ext uri="{C572A759-6A51-4108-AA02-DFA0A04FC94B}">
+              <ma14:wrappingTextBoxFlag xmlns:ma14="http://schemas.microsoft.com/office/mac/drawingml/2011/main" xmlns:a14="http://schemas.microsoft.com/office/drawing/2010/main" xmlns:m="http://schemas.openxmlformats.org/officeDocument/2006/math" xmlns="" val="1"/>
+            </a:ext>
+          </a:extLst>
+        </p:spPr>
+        <p:txBody>
+          <a:bodyPr lIns="51405" tIns="51405" rIns="51405" bIns="51405">
+            <a:spAutoFit/>
+          </a:bodyPr>
+          <a:lstStyle/>
+          <a:p>
+            <a:pPr marL="100263" indent="-100263" defTabSz="457200">
               <a:lnSpc>
                 <a:spcPct val="110000"/>
               </a:lnSpc>
-              <a:defRPr sz="800">
+              <a:buSzPct val="100000"/>
+              <a:buChar char="•"/>
+              <a:defRPr sz="1000">
+                <a:solidFill>
+                  <a:srgbClr val="333333"/>
+                </a:solidFill>
                 <a:latin typeface="Helvetica Neue"/>
                 <a:ea typeface="Helvetica Neue"/>
                 <a:cs typeface="Helvetica Neue"/>
@@ -5292,15 +4286,20 @@
               </a:defRPr>
             </a:pPr>
             <a:r>
-              <a:t>2016</a:t>
-            </a:r>
-          </a:p>
-          <a:p>
-            <a:pPr defTabSz="457200">
+              <a:t>Sales Strategy Development</a:t>
+            </a:r>
+          </a:p>
+          <a:p>
+            <a:pPr marL="100263" indent="-100263" defTabSz="457200">
               <a:lnSpc>
                 <a:spcPct val="110000"/>
               </a:lnSpc>
-              <a:defRPr sz="800">
+              <a:buSzPct val="100000"/>
+              <a:buChar char="•"/>
+              <a:defRPr sz="1000">
+                <a:solidFill>
+                  <a:srgbClr val="333333"/>
+                </a:solidFill>
                 <a:latin typeface="Helvetica Neue"/>
                 <a:ea typeface="Helvetica Neue"/>
                 <a:cs typeface="Helvetica Neue"/>
@@ -5308,15 +4307,50 @@
               </a:defRPr>
             </a:pPr>
             <a:r>
-              <a:t>-</a:t>
-            </a:r>
-          </a:p>
-          <a:p>
-            <a:pPr defTabSz="457200">
+              <a:t>Team Leadership and Motivation</a:t>
+            </a:r>
+          </a:p>
+        </p:txBody>
+      </p:sp>
+      <p:sp>
+        <p:nvSpPr>
+          <p:cNvPr id="385" name="Client Relationship Management…"/>
+          <p:cNvSpPr txBox="1"/>
+          <p:nvPr/>
+        </p:nvSpPr>
+        <p:spPr>
+          <a:xfrm>
+            <a:off x="2904552" y="8088379"/>
+            <a:ext cx="2162264" cy="418940"/>
+          </a:xfrm>
+          <a:prstGeom prst="rect">
+            <a:avLst/>
+          </a:prstGeom>
+          <a:ln w="12700">
+            <a:miter lim="400000"/>
+          </a:ln>
+          <a:extLst>
+            <a:ext uri="{C572A759-6A51-4108-AA02-DFA0A04FC94B}">
+              <ma14:wrappingTextBoxFlag xmlns:ma14="http://schemas.microsoft.com/office/mac/drawingml/2011/main" xmlns:a14="http://schemas.microsoft.com/office/drawing/2010/main" xmlns:m="http://schemas.openxmlformats.org/officeDocument/2006/math" xmlns="" val="1"/>
+            </a:ext>
+          </a:extLst>
+        </p:spPr>
+        <p:txBody>
+          <a:bodyPr lIns="51405" tIns="51405" rIns="51405" bIns="51405">
+            <a:spAutoFit/>
+          </a:bodyPr>
+          <a:lstStyle/>
+          <a:p>
+            <a:pPr marL="100263" indent="-100263" defTabSz="457200">
               <a:lnSpc>
                 <a:spcPct val="110000"/>
               </a:lnSpc>
-              <a:defRPr sz="800">
+              <a:buSzPct val="100000"/>
+              <a:buChar char="•"/>
+              <a:defRPr sz="1000">
+                <a:solidFill>
+                  <a:srgbClr val="333333"/>
+                </a:solidFill>
                 <a:latin typeface="Helvetica Neue"/>
                 <a:ea typeface="Helvetica Neue"/>
                 <a:cs typeface="Helvetica Neue"/>
@@ -5324,21 +4358,42 @@
               </a:defRPr>
             </a:pPr>
             <a:r>
-              <a:t>2018</a:t>
-            </a:r>
-          </a:p>
-        </p:txBody>
-      </p:sp>
-      <p:sp>
-        <p:nvSpPr>
-          <p:cNvPr id="1034" name="Lorem ipsum dolor sit amet, consectetur adipiscing elit. Aliquam ac bibendum dui."/>
+              <a:t>Client Relationship Management</a:t>
+            </a:r>
+          </a:p>
+          <a:p>
+            <a:pPr marL="100263" indent="-100263" defTabSz="457200">
+              <a:lnSpc>
+                <a:spcPct val="110000"/>
+              </a:lnSpc>
+              <a:buSzPct val="100000"/>
+              <a:buChar char="•"/>
+              <a:defRPr sz="1000">
+                <a:solidFill>
+                  <a:srgbClr val="333333"/>
+                </a:solidFill>
+                <a:latin typeface="Helvetica Neue"/>
+                <a:ea typeface="Helvetica Neue"/>
+                <a:cs typeface="Helvetica Neue"/>
+                <a:sym typeface="Helvetica Neue"/>
+              </a:defRPr>
+            </a:pPr>
+            <a:r>
+              <a:t>Revenue Growth and Target</a:t>
+            </a:r>
+          </a:p>
+        </p:txBody>
+      </p:sp>
+      <p:sp>
+        <p:nvSpPr>
+          <p:cNvPr id="386" name="CRM Software Proficiency…"/>
           <p:cNvSpPr txBox="1"/>
           <p:nvPr/>
         </p:nvSpPr>
         <p:spPr>
           <a:xfrm>
-            <a:off x="1101179" y="7559707"/>
-            <a:ext cx="1417173" cy="432684"/>
+            <a:off x="5322632" y="8088379"/>
+            <a:ext cx="2162264" cy="418940"/>
           </a:xfrm>
           <a:prstGeom prst="rect">
             <a:avLst/>
@@ -5348,18 +4403,132 @@
           </a:ln>
           <a:extLst>
             <a:ext uri="{C572A759-6A51-4108-AA02-DFA0A04FC94B}">
-              <ma14:wrappingTextBoxFlag xmlns="" xmlns:m="http://schemas.openxmlformats.org/officeDocument/2006/math" xmlns:a14="http://schemas.microsoft.com/office/drawing/2010/main" xmlns:ma14="http://schemas.microsoft.com/office/mac/drawingml/2011/main" val="1"/>
+              <ma14:wrappingTextBoxFlag xmlns:ma14="http://schemas.microsoft.com/office/mac/drawingml/2011/main" xmlns:a14="http://schemas.microsoft.com/office/drawing/2010/main" xmlns:m="http://schemas.openxmlformats.org/officeDocument/2006/math" xmlns="" val="1"/>
             </a:ext>
           </a:extLst>
         </p:spPr>
         <p:txBody>
-          <a:bodyPr lIns="0" tIns="0" rIns="0" bIns="0"/>
+          <a:bodyPr lIns="51405" tIns="51405" rIns="51405" bIns="51405">
+            <a:spAutoFit/>
+          </a:bodyPr>
+          <a:lstStyle/>
+          <a:p>
+            <a:pPr marL="100263" indent="-100263" defTabSz="457200">
+              <a:lnSpc>
+                <a:spcPct val="110000"/>
+              </a:lnSpc>
+              <a:buSzPct val="100000"/>
+              <a:buChar char="•"/>
+              <a:defRPr sz="1000">
+                <a:solidFill>
+                  <a:srgbClr val="333333"/>
+                </a:solidFill>
+                <a:latin typeface="Helvetica Neue"/>
+                <a:ea typeface="Helvetica Neue"/>
+                <a:cs typeface="Helvetica Neue"/>
+                <a:sym typeface="Helvetica Neue"/>
+              </a:defRPr>
+            </a:pPr>
+            <a:r>
+              <a:t>CRM Software Proficiency</a:t>
+            </a:r>
+          </a:p>
+          <a:p>
+            <a:pPr marL="100263" indent="-100263" defTabSz="457200">
+              <a:lnSpc>
+                <a:spcPct val="110000"/>
+              </a:lnSpc>
+              <a:buSzPct val="100000"/>
+              <a:buChar char="•"/>
+              <a:defRPr sz="1000">
+                <a:solidFill>
+                  <a:srgbClr val="333333"/>
+                </a:solidFill>
+                <a:latin typeface="Helvetica Neue"/>
+                <a:ea typeface="Helvetica Neue"/>
+                <a:cs typeface="Helvetica Neue"/>
+                <a:sym typeface="Helvetica Neue"/>
+              </a:defRPr>
+            </a:pPr>
+            <a:r>
+              <a:t>Excellent Communication Skills</a:t>
+            </a:r>
+          </a:p>
+        </p:txBody>
+      </p:sp>
+      <p:sp>
+        <p:nvSpPr>
+          <p:cNvPr id="387" name="Bachelor of Business Administration (BBA)"/>
+          <p:cNvSpPr txBox="1"/>
+          <p:nvPr/>
+        </p:nvSpPr>
+        <p:spPr>
+          <a:xfrm>
+            <a:off x="538089" y="6391602"/>
+            <a:ext cx="2525264" cy="250149"/>
+          </a:xfrm>
+          <a:prstGeom prst="rect">
+            <a:avLst/>
+          </a:prstGeom>
+          <a:ln w="12700">
+            <a:miter lim="400000"/>
+          </a:ln>
+          <a:extLst>
+            <a:ext uri="{C572A759-6A51-4108-AA02-DFA0A04FC94B}">
+              <ma14:wrappingTextBoxFlag xmlns:ma14="http://schemas.microsoft.com/office/mac/drawingml/2011/main" xmlns:a14="http://schemas.microsoft.com/office/drawing/2010/main" xmlns:m="http://schemas.openxmlformats.org/officeDocument/2006/math" xmlns="" val="1"/>
+            </a:ext>
+          </a:extLst>
+        </p:spPr>
+        <p:txBody>
+          <a:bodyPr lIns="0" tIns="0" rIns="0" bIns="0" anchor="ctr"/>
           <a:lstStyle>
-            <a:lvl1pPr algn="just" defTabSz="457200">
-              <a:lnSpc>
-                <a:spcPct val="120000"/>
-              </a:lnSpc>
-              <a:defRPr sz="700">
+            <a:lvl1pPr>
+              <a:defRPr sz="1000">
+                <a:latin typeface="Helvetica Neue Medium"/>
+                <a:ea typeface="Helvetica Neue Medium"/>
+                <a:cs typeface="Helvetica Neue Medium"/>
+                <a:sym typeface="Helvetica Neue Medium"/>
+              </a:defRPr>
+            </a:lvl1pPr>
+          </a:lstStyle>
+          <a:p>
+            <a:r>
+              <a:t>Bachelor of Business Administration (BBA)</a:t>
+            </a:r>
+          </a:p>
+        </p:txBody>
+      </p:sp>
+      <p:sp>
+        <p:nvSpPr>
+          <p:cNvPr id="388" name="University Name, City, State"/>
+          <p:cNvSpPr txBox="1"/>
+          <p:nvPr/>
+        </p:nvSpPr>
+        <p:spPr>
+          <a:xfrm>
+            <a:off x="538089" y="6660302"/>
+            <a:ext cx="2525264" cy="209586"/>
+          </a:xfrm>
+          <a:prstGeom prst="rect">
+            <a:avLst/>
+          </a:prstGeom>
+          <a:ln w="12700">
+            <a:miter lim="400000"/>
+          </a:ln>
+          <a:extLst>
+            <a:ext uri="{C572A759-6A51-4108-AA02-DFA0A04FC94B}">
+              <ma14:wrappingTextBoxFlag xmlns:ma14="http://schemas.microsoft.com/office/mac/drawingml/2011/main" xmlns:a14="http://schemas.microsoft.com/office/drawing/2010/main" xmlns:m="http://schemas.openxmlformats.org/officeDocument/2006/math" xmlns="" val="1"/>
+            </a:ext>
+          </a:extLst>
+        </p:spPr>
+        <p:txBody>
+          <a:bodyPr lIns="0" tIns="0" rIns="0" bIns="0" anchor="ctr"/>
+          <a:lstStyle>
+            <a:lvl1pPr>
+              <a:defRPr sz="1000">
+                <a:solidFill>
+                  <a:srgbClr val="333333"/>
+                </a:solidFill>
                 <a:latin typeface="Helvetica Neue Light"/>
                 <a:ea typeface="Helvetica Neue Light"/>
                 <a:cs typeface="Helvetica Neue Light"/>
@@ -5369,59 +4538,21 @@
           </a:lstStyle>
           <a:p>
             <a:r>
-              <a:t>Lorem ipsum dolor sit amet, consectetur adipiscing elit. Aliquam ac bibendum dui.</a:t>
-            </a:r>
-          </a:p>
-        </p:txBody>
-      </p:sp>
-      <p:sp>
-        <p:nvSpPr>
-          <p:cNvPr id="1035" name="Линия"/>
-          <p:cNvSpPr/>
-          <p:nvPr/>
-        </p:nvSpPr>
-        <p:spPr>
-          <a:xfrm flipV="1">
-            <a:off x="867742" y="7417416"/>
-            <a:ext cx="1" cy="656633"/>
-          </a:xfrm>
-          <a:prstGeom prst="line">
-            <a:avLst/>
-          </a:prstGeom>
-          <a:ln w="12700">
-            <a:solidFill>
-              <a:srgbClr val="D5D5D5"/>
-            </a:solidFill>
-            <a:miter lim="400000"/>
-            <a:tailEnd type="oval"/>
-          </a:ln>
-        </p:spPr>
-        <p:txBody>
-          <a:bodyPr lIns="50800" tIns="50800" rIns="50800" bIns="50800"/>
-          <a:lstStyle/>
-          <a:p>
-            <a:pPr defTabSz="457200">
-              <a:defRPr sz="1100">
-                <a:latin typeface="Helvetica Neue"/>
-                <a:ea typeface="Helvetica Neue"/>
-                <a:cs typeface="Helvetica Neue"/>
-                <a:sym typeface="Helvetica Neue"/>
-              </a:defRPr>
-            </a:pPr>
-            <a:endParaRPr/>
-          </a:p>
-        </p:txBody>
-      </p:sp>
-      <p:sp>
-        <p:nvSpPr>
-          <p:cNvPr id="1036" name="Work experience"/>
+              <a:t>University Name, City, State</a:t>
+            </a:r>
+          </a:p>
+        </p:txBody>
+      </p:sp>
+      <p:sp>
+        <p:nvSpPr>
+          <p:cNvPr id="389" name="Graduated: May 2001"/>
           <p:cNvSpPr txBox="1"/>
           <p:nvPr/>
         </p:nvSpPr>
         <p:spPr>
           <a:xfrm>
-            <a:off x="3251171" y="2271076"/>
-            <a:ext cx="1936272" cy="287770"/>
+            <a:off x="538089" y="6918034"/>
+            <a:ext cx="2525264" cy="209586"/>
           </a:xfrm>
           <a:prstGeom prst="rect">
             <a:avLst/>
@@ -5431,21 +4562,191 @@
           </a:ln>
           <a:extLst>
             <a:ext uri="{C572A759-6A51-4108-AA02-DFA0A04FC94B}">
-              <ma14:wrappingTextBoxFlag xmlns="" xmlns:m="http://schemas.openxmlformats.org/officeDocument/2006/math" xmlns:a14="http://schemas.microsoft.com/office/drawing/2010/main" xmlns:ma14="http://schemas.microsoft.com/office/mac/drawingml/2011/main" val="1"/>
+              <ma14:wrappingTextBoxFlag xmlns:ma14="http://schemas.microsoft.com/office/mac/drawingml/2011/main" xmlns:a14="http://schemas.microsoft.com/office/drawing/2010/main" xmlns:m="http://schemas.openxmlformats.org/officeDocument/2006/math" xmlns="" val="1"/>
             </a:ext>
           </a:extLst>
         </p:spPr>
         <p:txBody>
-          <a:bodyPr lIns="0" tIns="0" rIns="0" bIns="0" anchor="ctr"/>
+          <a:bodyPr lIns="0" tIns="0" rIns="0" bIns="0"/>
+          <a:lstStyle/>
+          <a:p>
+            <a:pPr>
+              <a:defRPr sz="1000">
+                <a:solidFill>
+                  <a:srgbClr val="333333"/>
+                </a:solidFill>
+                <a:latin typeface="Helvetica Neue Light"/>
+                <a:ea typeface="Helvetica Neue Light"/>
+                <a:cs typeface="Helvetica Neue Light"/>
+                <a:sym typeface="Helvetica Neue Light"/>
+              </a:defRPr>
+            </a:pPr>
+            <a:r>
+              <a:t>Graduated: May 2001</a:t>
+            </a:r>
+          </a:p>
+          <a:p>
+            <a:pPr>
+              <a:defRPr sz="1000">
+                <a:solidFill>
+                  <a:srgbClr val="333333"/>
+                </a:solidFill>
+                <a:latin typeface="Helvetica Neue Light"/>
+                <a:ea typeface="Helvetica Neue Light"/>
+                <a:cs typeface="Helvetica Neue Light"/>
+                <a:sym typeface="Helvetica Neue Light"/>
+              </a:defRPr>
+            </a:pPr>
+            <a:endParaRPr/>
+          </a:p>
+          <a:p>
+            <a:pPr>
+              <a:defRPr sz="1000">
+                <a:solidFill>
+                  <a:srgbClr val="333333"/>
+                </a:solidFill>
+                <a:latin typeface="Helvetica Neue Light"/>
+                <a:ea typeface="Helvetica Neue Light"/>
+                <a:cs typeface="Helvetica Neue Light"/>
+                <a:sym typeface="Helvetica Neue Light"/>
+              </a:defRPr>
+            </a:pPr>
+            <a:endParaRPr/>
+          </a:p>
+          <a:p>
+            <a:pPr>
+              <a:defRPr sz="1000">
+                <a:solidFill>
+                  <a:srgbClr val="333333"/>
+                </a:solidFill>
+                <a:latin typeface="Helvetica Neue Light"/>
+                <a:ea typeface="Helvetica Neue Light"/>
+                <a:cs typeface="Helvetica Neue Light"/>
+                <a:sym typeface="Helvetica Neue Light"/>
+              </a:defRPr>
+            </a:pPr>
+            <a:endParaRPr/>
+          </a:p>
+        </p:txBody>
+      </p:sp>
+      <p:sp>
+        <p:nvSpPr>
+          <p:cNvPr id="390" name="Lorem ipsum dolor sit amet, consectetur adipiscing elit. Aliquam ac bibendum dui. Proin convallis libero id diam porta, facilisis varius velit tempus. Mauris semper, sem sit amet semper porttitor …"/>
+          <p:cNvSpPr txBox="1"/>
+          <p:nvPr/>
+        </p:nvSpPr>
+        <p:spPr>
+          <a:xfrm>
+            <a:off x="3408609" y="6794375"/>
+            <a:ext cx="3983368" cy="606614"/>
+          </a:xfrm>
+          <a:prstGeom prst="rect">
+            <a:avLst/>
+          </a:prstGeom>
+          <a:ln w="12700">
+            <a:miter lim="400000"/>
+          </a:ln>
+          <a:extLst>
+            <a:ext uri="{C572A759-6A51-4108-AA02-DFA0A04FC94B}">
+              <ma14:wrappingTextBoxFlag xmlns:ma14="http://schemas.microsoft.com/office/mac/drawingml/2011/main" xmlns:a14="http://schemas.microsoft.com/office/drawing/2010/main" xmlns:m="http://schemas.openxmlformats.org/officeDocument/2006/math" xmlns="" val="1"/>
+            </a:ext>
+          </a:extLst>
+        </p:spPr>
+        <p:txBody>
+          <a:bodyPr lIns="0" tIns="0" rIns="0" bIns="0"/>
           <a:lstStyle>
-            <a:lvl1pPr defTabSz="457200">
-              <a:tabLst>
-                <a:tab pos="228600" algn="l"/>
-              </a:tabLst>
-              <a:defRPr sz="1000" spc="250">
+            <a:lvl1pPr algn="just">
+              <a:lnSpc>
+                <a:spcPct val="130000"/>
+              </a:lnSpc>
+              <a:defRPr sz="1000">
                 <a:solidFill>
-                  <a:srgbClr val="FFFFFF"/>
+                  <a:srgbClr val="333333"/>
                 </a:solidFill>
+                <a:latin typeface="Helvetica Neue Light"/>
+                <a:ea typeface="Helvetica Neue Light"/>
+                <a:cs typeface="Helvetica Neue Light"/>
+                <a:sym typeface="Helvetica Neue Light"/>
+              </a:defRPr>
+            </a:lvl1pPr>
+          </a:lstStyle>
+          <a:p>
+            <a:r>
+              <a:t>Lorem ipsum dolor sit amet, consectetur adipiscing elit. Aliquam ac bibendum dui. Proin convallis libero id diam porta, facilisis varius velit tempus. Mauris semper, sem sit amet semper porttitor …</a:t>
+            </a:r>
+          </a:p>
+        </p:txBody>
+      </p:sp>
+      <p:sp>
+        <p:nvSpPr>
+          <p:cNvPr id="391" name="Enter your job position here"/>
+          <p:cNvSpPr txBox="1"/>
+          <p:nvPr/>
+        </p:nvSpPr>
+        <p:spPr>
+          <a:xfrm>
+            <a:off x="3408609" y="6340811"/>
+            <a:ext cx="2920795" cy="253297"/>
+          </a:xfrm>
+          <a:prstGeom prst="rect">
+            <a:avLst/>
+          </a:prstGeom>
+          <a:ln w="12700">
+            <a:miter lim="400000"/>
+          </a:ln>
+          <a:extLst>
+            <a:ext uri="{C572A759-6A51-4108-AA02-DFA0A04FC94B}">
+              <ma14:wrappingTextBoxFlag xmlns:ma14="http://schemas.microsoft.com/office/mac/drawingml/2011/main" xmlns:a14="http://schemas.microsoft.com/office/drawing/2010/main" xmlns:m="http://schemas.openxmlformats.org/officeDocument/2006/math" xmlns="" val="1"/>
+            </a:ext>
+          </a:extLst>
+        </p:spPr>
+        <p:txBody>
+          <a:bodyPr lIns="57117" tIns="57117" rIns="57117" bIns="57117" anchor="ctr"/>
+          <a:lstStyle>
+            <a:lvl1pPr>
+              <a:defRPr sz="1000" cap="all" spc="50">
+                <a:latin typeface="Helvetica Neue Medium"/>
+                <a:ea typeface="Helvetica Neue Medium"/>
+                <a:cs typeface="Helvetica Neue Medium"/>
+                <a:sym typeface="Helvetica Neue Medium"/>
+              </a:defRPr>
+            </a:lvl1pPr>
+          </a:lstStyle>
+          <a:p>
+            <a:r>
+              <a:t>Enter your job position here</a:t>
+            </a:r>
+          </a:p>
+        </p:txBody>
+      </p:sp>
+      <p:sp>
+        <p:nvSpPr>
+          <p:cNvPr id="392" name="Name of Company - address"/>
+          <p:cNvSpPr txBox="1"/>
+          <p:nvPr/>
+        </p:nvSpPr>
+        <p:spPr>
+          <a:xfrm>
+            <a:off x="3408609" y="6523743"/>
+            <a:ext cx="2920795" cy="304097"/>
+          </a:xfrm>
+          <a:prstGeom prst="rect">
+            <a:avLst/>
+          </a:prstGeom>
+          <a:ln w="12700">
+            <a:miter lim="400000"/>
+          </a:ln>
+          <a:extLst>
+            <a:ext uri="{C572A759-6A51-4108-AA02-DFA0A04FC94B}">
+              <ma14:wrappingTextBoxFlag xmlns:ma14="http://schemas.microsoft.com/office/mac/drawingml/2011/main" xmlns:a14="http://schemas.microsoft.com/office/drawing/2010/main" xmlns:m="http://schemas.openxmlformats.org/officeDocument/2006/math" xmlns="" val="1"/>
+            </a:ext>
+          </a:extLst>
+        </p:spPr>
+        <p:txBody>
+          <a:bodyPr lIns="57117" tIns="57117" rIns="57117" bIns="57117" anchor="ctr"/>
+          <a:lstStyle>
+            <a:lvl1pPr>
+              <a:defRPr sz="1000">
                 <a:latin typeface="Helvetica Neue"/>
                 <a:ea typeface="Helvetica Neue"/>
                 <a:cs typeface="Helvetica Neue"/>
@@ -5455,61 +4756,21 @@
           </a:lstStyle>
           <a:p>
             <a:r>
-              <a:t>Work experience</a:t>
-            </a:r>
-          </a:p>
-        </p:txBody>
-      </p:sp>
-      <p:sp>
-        <p:nvSpPr>
-          <p:cNvPr id="1037" name="Прямоугольник"/>
-          <p:cNvSpPr/>
-          <p:nvPr/>
-        </p:nvSpPr>
-        <p:spPr>
-          <a:xfrm>
-            <a:off x="0" y="8515951"/>
-            <a:ext cx="2997984" cy="449941"/>
-          </a:xfrm>
-          <a:prstGeom prst="rect">
-            <a:avLst/>
-          </a:prstGeom>
-          <a:solidFill>
-            <a:srgbClr val="335C67"/>
-          </a:solidFill>
-          <a:ln w="3175">
-            <a:miter lim="400000"/>
-          </a:ln>
-        </p:spPr>
-        <p:txBody>
-          <a:bodyPr lIns="50800" tIns="50800" rIns="50800" bIns="50800" anchor="ctr"/>
-          <a:lstStyle/>
-          <a:p>
-            <a:pPr algn="ctr" defTabSz="584200">
-              <a:defRPr sz="1200">
-                <a:solidFill>
-                  <a:srgbClr val="FFFFFF"/>
-                </a:solidFill>
-                <a:latin typeface="Helvetica Neue Medium"/>
-                <a:ea typeface="Helvetica Neue Medium"/>
-                <a:cs typeface="Helvetica Neue Medium"/>
-                <a:sym typeface="Helvetica Neue Medium"/>
-              </a:defRPr>
-            </a:pPr>
-            <a:endParaRPr/>
-          </a:p>
-        </p:txBody>
-      </p:sp>
-      <p:sp>
-        <p:nvSpPr>
-          <p:cNvPr id="1038" name="Skills"/>
+              <a:t>Name of Company - address</a:t>
+            </a:r>
+          </a:p>
+        </p:txBody>
+      </p:sp>
+      <p:sp>
+        <p:nvSpPr>
+          <p:cNvPr id="393" name="Hobbies"/>
           <p:cNvSpPr txBox="1"/>
           <p:nvPr/>
         </p:nvSpPr>
         <p:spPr>
           <a:xfrm>
-            <a:off x="383854" y="8597036"/>
-            <a:ext cx="1634113" cy="287770"/>
+            <a:off x="538089" y="9093897"/>
+            <a:ext cx="1904805" cy="447350"/>
           </a:xfrm>
           <a:prstGeom prst="rect">
             <a:avLst/>
@@ -5519,21 +4780,15 @@
           </a:ln>
           <a:extLst>
             <a:ext uri="{C572A759-6A51-4108-AA02-DFA0A04FC94B}">
-              <ma14:wrappingTextBoxFlag xmlns="" xmlns:m="http://schemas.openxmlformats.org/officeDocument/2006/math" xmlns:a14="http://schemas.microsoft.com/office/drawing/2010/main" xmlns:ma14="http://schemas.microsoft.com/office/mac/drawingml/2011/main" val="1"/>
+              <ma14:wrappingTextBoxFlag xmlns:ma14="http://schemas.microsoft.com/office/mac/drawingml/2011/main" xmlns:a14="http://schemas.microsoft.com/office/drawing/2010/main" xmlns:m="http://schemas.openxmlformats.org/officeDocument/2006/math" xmlns="" val="1"/>
             </a:ext>
           </a:extLst>
         </p:spPr>
         <p:txBody>
-          <a:bodyPr lIns="0" tIns="0" rIns="0" bIns="0" anchor="ctr"/>
+          <a:bodyPr lIns="57117" tIns="57117" rIns="57117" bIns="57117" anchor="ctr"/>
           <a:lstStyle>
-            <a:lvl1pPr defTabSz="457200">
-              <a:tabLst>
-                <a:tab pos="228600" algn="l"/>
-              </a:tabLst>
-              <a:defRPr sz="1000" spc="250">
-                <a:solidFill>
-                  <a:srgbClr val="FFFFFF"/>
-                </a:solidFill>
+            <a:lvl1pPr>
+              <a:defRPr sz="1900" cap="all" spc="228">
                 <a:latin typeface="Helvetica Neue"/>
                 <a:ea typeface="Helvetica Neue"/>
                 <a:cs typeface="Helvetica Neue"/>
@@ -5543,61 +4798,21 @@
           </a:lstStyle>
           <a:p>
             <a:r>
-              <a:t>Skills</a:t>
-            </a:r>
-          </a:p>
-        </p:txBody>
-      </p:sp>
-      <p:sp>
-        <p:nvSpPr>
-          <p:cNvPr id="1039" name="Прямоугольник"/>
-          <p:cNvSpPr/>
-          <p:nvPr/>
-        </p:nvSpPr>
-        <p:spPr>
-          <a:xfrm>
-            <a:off x="2997983" y="8515951"/>
-            <a:ext cx="4876018" cy="449941"/>
-          </a:xfrm>
-          <a:prstGeom prst="rect">
-            <a:avLst/>
-          </a:prstGeom>
-          <a:solidFill>
-            <a:srgbClr val="335C67"/>
-          </a:solidFill>
-          <a:ln w="3175">
-            <a:miter lim="400000"/>
-          </a:ln>
-        </p:spPr>
-        <p:txBody>
-          <a:bodyPr lIns="50800" tIns="50800" rIns="50800" bIns="50800" anchor="ctr"/>
-          <a:lstStyle/>
-          <a:p>
-            <a:pPr algn="ctr" defTabSz="584200">
-              <a:defRPr sz="1200">
-                <a:solidFill>
-                  <a:srgbClr val="FFFFFF"/>
-                </a:solidFill>
-                <a:latin typeface="Helvetica Neue Medium"/>
-                <a:ea typeface="Helvetica Neue Medium"/>
-                <a:cs typeface="Helvetica Neue Medium"/>
-                <a:sym typeface="Helvetica Neue Medium"/>
-              </a:defRPr>
-            </a:pPr>
-            <a:endParaRPr/>
-          </a:p>
-        </p:txBody>
-      </p:sp>
-      <p:sp>
-        <p:nvSpPr>
-          <p:cNvPr id="1040" name="Interests"/>
+              <a:t>Hobbies</a:t>
+            </a:r>
+          </a:p>
+        </p:txBody>
+      </p:sp>
+      <p:sp>
+        <p:nvSpPr>
+          <p:cNvPr id="394" name="Lorem ipsum dolor sit amet, consectetur adipiscing elit. Aliquam ac bibendum dui. Proin convallis libero id diam porta, facilisis varius velit tempus. Mauris semper, sem sit amet semper porttitor …"/>
           <p:cNvSpPr txBox="1"/>
           <p:nvPr/>
         </p:nvSpPr>
         <p:spPr>
           <a:xfrm>
-            <a:off x="3241789" y="8597036"/>
-            <a:ext cx="1634113" cy="287770"/>
+            <a:off x="583812" y="9594769"/>
+            <a:ext cx="6883388" cy="919314"/>
           </a:xfrm>
           <a:prstGeom prst="rect">
             <a:avLst/>
@@ -5607,21 +4822,208 @@
           </a:ln>
           <a:extLst>
             <a:ext uri="{C572A759-6A51-4108-AA02-DFA0A04FC94B}">
-              <ma14:wrappingTextBoxFlag xmlns="" xmlns:m="http://schemas.openxmlformats.org/officeDocument/2006/math" xmlns:a14="http://schemas.microsoft.com/office/drawing/2010/main" xmlns:ma14="http://schemas.microsoft.com/office/mac/drawingml/2011/main" val="1"/>
+              <ma14:wrappingTextBoxFlag xmlns:ma14="http://schemas.microsoft.com/office/mac/drawingml/2011/main" xmlns:a14="http://schemas.microsoft.com/office/drawing/2010/main" xmlns:m="http://schemas.openxmlformats.org/officeDocument/2006/math" xmlns="" val="1"/>
             </a:ext>
           </a:extLst>
         </p:spPr>
         <p:txBody>
-          <a:bodyPr lIns="0" tIns="0" rIns="0" bIns="0" anchor="ctr"/>
+          <a:bodyPr lIns="0" tIns="0" rIns="0" bIns="0"/>
           <a:lstStyle>
-            <a:lvl1pPr defTabSz="457200">
-              <a:tabLst>
-                <a:tab pos="228600" algn="l"/>
-              </a:tabLst>
-              <a:defRPr sz="1000" spc="250">
+            <a:lvl1pPr algn="just">
+              <a:lnSpc>
+                <a:spcPct val="130000"/>
+              </a:lnSpc>
+              <a:defRPr sz="1000">
                 <a:solidFill>
-                  <a:srgbClr val="FFFFFF"/>
+                  <a:srgbClr val="333333"/>
                 </a:solidFill>
+                <a:latin typeface="Helvetica Neue Light"/>
+                <a:ea typeface="Helvetica Neue Light"/>
+                <a:cs typeface="Helvetica Neue Light"/>
+                <a:sym typeface="Helvetica Neue Light"/>
+              </a:defRPr>
+            </a:lvl1pPr>
+          </a:lstStyle>
+          <a:p>
+            <a:r>
+              <a:t>Lorem ipsum dolor sit amet, consectetur adipiscing elit. Aliquam ac bibendum dui. Proin convallis libero id diam porta, facilisis varius velit tempus. Mauris semper, sem sit amet semper porttitor …</a:t>
+            </a:r>
+          </a:p>
+        </p:txBody>
+      </p:sp>
+      <p:sp>
+        <p:nvSpPr>
+          <p:cNvPr id="395" name="Line"/>
+          <p:cNvSpPr/>
+          <p:nvPr/>
+        </p:nvSpPr>
+        <p:spPr>
+          <a:xfrm>
+            <a:off x="486472" y="2315665"/>
+            <a:ext cx="2525264" cy="1"/>
+          </a:xfrm>
+          <a:prstGeom prst="line">
+            <a:avLst/>
+          </a:prstGeom>
+          <a:ln w="12700">
+            <a:solidFill>
+              <a:srgbClr val="F4A261"/>
+            </a:solidFill>
+            <a:miter/>
+          </a:ln>
+        </p:spPr>
+        <p:txBody>
+          <a:bodyPr lIns="51405" tIns="51405" rIns="51405" bIns="51405"/>
+          <a:lstStyle/>
+          <a:p>
+            <a:endParaRPr/>
+          </a:p>
+        </p:txBody>
+      </p:sp>
+      <p:sp>
+        <p:nvSpPr>
+          <p:cNvPr id="396" name="Line"/>
+          <p:cNvSpPr/>
+          <p:nvPr/>
+        </p:nvSpPr>
+        <p:spPr>
+          <a:xfrm>
+            <a:off x="486472" y="4138939"/>
+            <a:ext cx="2525264" cy="1"/>
+          </a:xfrm>
+          <a:prstGeom prst="line">
+            <a:avLst/>
+          </a:prstGeom>
+          <a:ln w="12700">
+            <a:solidFill>
+              <a:srgbClr val="F4A261"/>
+            </a:solidFill>
+            <a:miter/>
+          </a:ln>
+        </p:spPr>
+        <p:txBody>
+          <a:bodyPr lIns="51405" tIns="51405" rIns="51405" bIns="51405"/>
+          <a:lstStyle/>
+          <a:p>
+            <a:endParaRPr/>
+          </a:p>
+        </p:txBody>
+      </p:sp>
+      <p:sp>
+        <p:nvSpPr>
+          <p:cNvPr id="397" name="Line"/>
+          <p:cNvSpPr/>
+          <p:nvPr/>
+        </p:nvSpPr>
+        <p:spPr>
+          <a:xfrm>
+            <a:off x="486472" y="8053937"/>
+            <a:ext cx="2525264" cy="1"/>
+          </a:xfrm>
+          <a:prstGeom prst="line">
+            <a:avLst/>
+          </a:prstGeom>
+          <a:ln w="12700">
+            <a:solidFill>
+              <a:srgbClr val="F4A261"/>
+            </a:solidFill>
+            <a:miter/>
+          </a:ln>
+        </p:spPr>
+        <p:txBody>
+          <a:bodyPr lIns="51405" tIns="51405" rIns="51405" bIns="51405"/>
+          <a:lstStyle/>
+          <a:p>
+            <a:endParaRPr/>
+          </a:p>
+        </p:txBody>
+      </p:sp>
+      <p:sp>
+        <p:nvSpPr>
+          <p:cNvPr id="398" name="Line"/>
+          <p:cNvSpPr/>
+          <p:nvPr/>
+        </p:nvSpPr>
+        <p:spPr>
+          <a:xfrm>
+            <a:off x="486472" y="9540272"/>
+            <a:ext cx="2525264" cy="1"/>
+          </a:xfrm>
+          <a:prstGeom prst="line">
+            <a:avLst/>
+          </a:prstGeom>
+          <a:ln w="12700">
+            <a:solidFill>
+              <a:srgbClr val="F4A261"/>
+            </a:solidFill>
+            <a:miter/>
+          </a:ln>
+        </p:spPr>
+        <p:txBody>
+          <a:bodyPr lIns="51405" tIns="51405" rIns="51405" bIns="51405"/>
+          <a:lstStyle/>
+          <a:p>
+            <a:endParaRPr/>
+          </a:p>
+        </p:txBody>
+      </p:sp>
+      <p:sp>
+        <p:nvSpPr>
+          <p:cNvPr id="399" name="Line"/>
+          <p:cNvSpPr/>
+          <p:nvPr/>
+        </p:nvSpPr>
+        <p:spPr>
+          <a:xfrm>
+            <a:off x="3463005" y="4138939"/>
+            <a:ext cx="2525264" cy="1"/>
+          </a:xfrm>
+          <a:prstGeom prst="line">
+            <a:avLst/>
+          </a:prstGeom>
+          <a:ln w="12700">
+            <a:solidFill>
+              <a:srgbClr val="F4A261"/>
+            </a:solidFill>
+            <a:miter/>
+          </a:ln>
+        </p:spPr>
+        <p:txBody>
+          <a:bodyPr lIns="51405" tIns="51405" rIns="51405" bIns="51405"/>
+          <a:lstStyle/>
+          <a:p>
+            <a:endParaRPr/>
+          </a:p>
+        </p:txBody>
+      </p:sp>
+      <p:sp>
+        <p:nvSpPr>
+          <p:cNvPr id="400" name="Experience"/>
+          <p:cNvSpPr txBox="1"/>
+          <p:nvPr/>
+        </p:nvSpPr>
+        <p:spPr>
+          <a:xfrm>
+            <a:off x="3408609" y="3702861"/>
+            <a:ext cx="2298495" cy="447351"/>
+          </a:xfrm>
+          <a:prstGeom prst="rect">
+            <a:avLst/>
+          </a:prstGeom>
+          <a:ln w="12700">
+            <a:miter lim="400000"/>
+          </a:ln>
+          <a:extLst>
+            <a:ext uri="{C572A759-6A51-4108-AA02-DFA0A04FC94B}">
+              <ma14:wrappingTextBoxFlag xmlns:ma14="http://schemas.microsoft.com/office/mac/drawingml/2011/main" xmlns:a14="http://schemas.microsoft.com/office/drawing/2010/main" xmlns:m="http://schemas.openxmlformats.org/officeDocument/2006/math" xmlns="" val="1"/>
+            </a:ext>
+          </a:extLst>
+        </p:spPr>
+        <p:txBody>
+          <a:bodyPr lIns="57117" tIns="57117" rIns="57117" bIns="57117" anchor="ctr"/>
+          <a:lstStyle>
+            <a:lvl1pPr>
+              <a:defRPr sz="1900" cap="all" spc="228">
                 <a:latin typeface="Helvetica Neue"/>
                 <a:ea typeface="Helvetica Neue"/>
                 <a:cs typeface="Helvetica Neue"/>
@@ -5631,502 +5033,7 @@
           </a:lstStyle>
           <a:p>
             <a:r>
-              <a:t>Interests</a:t>
-            </a:r>
-          </a:p>
-        </p:txBody>
-      </p:sp>
-      <p:sp>
-        <p:nvSpPr>
-          <p:cNvPr id="1041" name="Professional"/>
-          <p:cNvSpPr txBox="1"/>
-          <p:nvPr/>
-        </p:nvSpPr>
-        <p:spPr>
-          <a:xfrm>
-            <a:off x="383854" y="9152587"/>
-            <a:ext cx="996091" cy="287770"/>
-          </a:xfrm>
-          <a:prstGeom prst="rect">
-            <a:avLst/>
-          </a:prstGeom>
-          <a:ln w="12700">
-            <a:miter lim="400000"/>
-          </a:ln>
-          <a:extLst>
-            <a:ext uri="{C572A759-6A51-4108-AA02-DFA0A04FC94B}">
-              <ma14:wrappingTextBoxFlag xmlns="" xmlns:m="http://schemas.openxmlformats.org/officeDocument/2006/math" xmlns:a14="http://schemas.microsoft.com/office/drawing/2010/main" xmlns:ma14="http://schemas.microsoft.com/office/mac/drawingml/2011/main" val="1"/>
-            </a:ext>
-          </a:extLst>
-        </p:spPr>
-        <p:txBody>
-          <a:bodyPr lIns="0" tIns="0" rIns="0" bIns="0" anchor="ctr"/>
-          <a:lstStyle>
-            <a:lvl1pPr defTabSz="457200">
-              <a:tabLst>
-                <a:tab pos="228600" algn="l"/>
-              </a:tabLst>
-              <a:defRPr sz="800" spc="56">
-                <a:latin typeface="Helvetica Neue Medium"/>
-                <a:ea typeface="Helvetica Neue Medium"/>
-                <a:cs typeface="Helvetica Neue Medium"/>
-                <a:sym typeface="Helvetica Neue Medium"/>
-              </a:defRPr>
-            </a:lvl1pPr>
-          </a:lstStyle>
-          <a:p>
-            <a:r>
-              <a:t>Professional</a:t>
-            </a:r>
-          </a:p>
-        </p:txBody>
-      </p:sp>
-      <p:sp>
-        <p:nvSpPr>
-          <p:cNvPr id="1042" name="Personal"/>
-          <p:cNvSpPr txBox="1"/>
-          <p:nvPr/>
-        </p:nvSpPr>
-        <p:spPr>
-          <a:xfrm>
-            <a:off x="1768736" y="9152587"/>
-            <a:ext cx="1176338" cy="287770"/>
-          </a:xfrm>
-          <a:prstGeom prst="rect">
-            <a:avLst/>
-          </a:prstGeom>
-          <a:ln w="12700">
-            <a:miter lim="400000"/>
-          </a:ln>
-          <a:extLst>
-            <a:ext uri="{C572A759-6A51-4108-AA02-DFA0A04FC94B}">
-              <ma14:wrappingTextBoxFlag xmlns="" xmlns:m="http://schemas.openxmlformats.org/officeDocument/2006/math" xmlns:a14="http://schemas.microsoft.com/office/drawing/2010/main" xmlns:ma14="http://schemas.microsoft.com/office/mac/drawingml/2011/main" val="1"/>
-            </a:ext>
-          </a:extLst>
-        </p:spPr>
-        <p:txBody>
-          <a:bodyPr lIns="0" tIns="0" rIns="0" bIns="0" anchor="ctr"/>
-          <a:lstStyle>
-            <a:lvl1pPr defTabSz="457200">
-              <a:tabLst>
-                <a:tab pos="228600" algn="l"/>
-              </a:tabLst>
-              <a:defRPr sz="800" spc="56">
-                <a:latin typeface="Helvetica Neue Medium"/>
-                <a:ea typeface="Helvetica Neue Medium"/>
-                <a:cs typeface="Helvetica Neue Medium"/>
-                <a:sym typeface="Helvetica Neue Medium"/>
-              </a:defRPr>
-            </a:lvl1pPr>
-          </a:lstStyle>
-          <a:p>
-            <a:r>
-              <a:t>Personal</a:t>
-            </a:r>
-          </a:p>
-        </p:txBody>
-      </p:sp>
-      <p:sp>
-        <p:nvSpPr>
-          <p:cNvPr id="1043" name="Communication"/>
-          <p:cNvSpPr txBox="1"/>
-          <p:nvPr/>
-        </p:nvSpPr>
-        <p:spPr>
-          <a:xfrm>
-            <a:off x="383854" y="9440355"/>
-            <a:ext cx="996091" cy="287770"/>
-          </a:xfrm>
-          <a:prstGeom prst="rect">
-            <a:avLst/>
-          </a:prstGeom>
-          <a:ln w="12700">
-            <a:miter lim="400000"/>
-          </a:ln>
-          <a:extLst>
-            <a:ext uri="{C572A759-6A51-4108-AA02-DFA0A04FC94B}">
-              <ma14:wrappingTextBoxFlag xmlns="" xmlns:m="http://schemas.openxmlformats.org/officeDocument/2006/math" xmlns:a14="http://schemas.microsoft.com/office/drawing/2010/main" xmlns:ma14="http://schemas.microsoft.com/office/mac/drawingml/2011/main" val="1"/>
-            </a:ext>
-          </a:extLst>
-        </p:spPr>
-        <p:txBody>
-          <a:bodyPr lIns="0" tIns="0" rIns="0" bIns="0" anchor="ctr"/>
-          <a:lstStyle>
-            <a:lvl1pPr defTabSz="457200">
-              <a:tabLst>
-                <a:tab pos="228600" algn="l"/>
-              </a:tabLst>
-              <a:defRPr sz="800" spc="56">
-                <a:latin typeface="Helvetica Neue Light"/>
-                <a:ea typeface="Helvetica Neue Light"/>
-                <a:cs typeface="Helvetica Neue Light"/>
-                <a:sym typeface="Helvetica Neue Light"/>
-              </a:defRPr>
-            </a:lvl1pPr>
-          </a:lstStyle>
-          <a:p>
-            <a:r>
-              <a:t>Communication</a:t>
-            </a:r>
-          </a:p>
-        </p:txBody>
-      </p:sp>
-      <p:sp>
-        <p:nvSpPr>
-          <p:cNvPr id="1044" name="Motivation"/>
-          <p:cNvSpPr txBox="1"/>
-          <p:nvPr/>
-        </p:nvSpPr>
-        <p:spPr>
-          <a:xfrm>
-            <a:off x="1768736" y="9440355"/>
-            <a:ext cx="1176338" cy="287770"/>
-          </a:xfrm>
-          <a:prstGeom prst="rect">
-            <a:avLst/>
-          </a:prstGeom>
-          <a:ln w="12700">
-            <a:miter lim="400000"/>
-          </a:ln>
-          <a:extLst>
-            <a:ext uri="{C572A759-6A51-4108-AA02-DFA0A04FC94B}">
-              <ma14:wrappingTextBoxFlag xmlns="" xmlns:m="http://schemas.openxmlformats.org/officeDocument/2006/math" xmlns:a14="http://schemas.microsoft.com/office/drawing/2010/main" xmlns:ma14="http://schemas.microsoft.com/office/mac/drawingml/2011/main" val="1"/>
-            </a:ext>
-          </a:extLst>
-        </p:spPr>
-        <p:txBody>
-          <a:bodyPr lIns="0" tIns="0" rIns="0" bIns="0" anchor="ctr"/>
-          <a:lstStyle>
-            <a:lvl1pPr defTabSz="457200">
-              <a:tabLst>
-                <a:tab pos="228600" algn="l"/>
-              </a:tabLst>
-              <a:defRPr sz="800" spc="56">
-                <a:latin typeface="Helvetica Neue Light"/>
-                <a:ea typeface="Helvetica Neue Light"/>
-                <a:cs typeface="Helvetica Neue Light"/>
-                <a:sym typeface="Helvetica Neue Light"/>
-              </a:defRPr>
-            </a:lvl1pPr>
-          </a:lstStyle>
-          <a:p>
-            <a:r>
-              <a:t>Motivation</a:t>
-            </a:r>
-          </a:p>
-        </p:txBody>
-      </p:sp>
-      <p:sp>
-        <p:nvSpPr>
-          <p:cNvPr id="1045" name="Adobe"/>
-          <p:cNvSpPr txBox="1"/>
-          <p:nvPr/>
-        </p:nvSpPr>
-        <p:spPr>
-          <a:xfrm>
-            <a:off x="383854" y="9634357"/>
-            <a:ext cx="996091" cy="287770"/>
-          </a:xfrm>
-          <a:prstGeom prst="rect">
-            <a:avLst/>
-          </a:prstGeom>
-          <a:ln w="12700">
-            <a:miter lim="400000"/>
-          </a:ln>
-          <a:extLst>
-            <a:ext uri="{C572A759-6A51-4108-AA02-DFA0A04FC94B}">
-              <ma14:wrappingTextBoxFlag xmlns="" xmlns:m="http://schemas.openxmlformats.org/officeDocument/2006/math" xmlns:a14="http://schemas.microsoft.com/office/drawing/2010/main" xmlns:ma14="http://schemas.microsoft.com/office/mac/drawingml/2011/main" val="1"/>
-            </a:ext>
-          </a:extLst>
-        </p:spPr>
-        <p:txBody>
-          <a:bodyPr lIns="0" tIns="0" rIns="0" bIns="0" anchor="ctr"/>
-          <a:lstStyle>
-            <a:lvl1pPr defTabSz="457200">
-              <a:tabLst>
-                <a:tab pos="228600" algn="l"/>
-              </a:tabLst>
-              <a:defRPr sz="800" spc="56">
-                <a:latin typeface="Helvetica Neue Light"/>
-                <a:ea typeface="Helvetica Neue Light"/>
-                <a:cs typeface="Helvetica Neue Light"/>
-                <a:sym typeface="Helvetica Neue Light"/>
-              </a:defRPr>
-            </a:lvl1pPr>
-          </a:lstStyle>
-          <a:p>
-            <a:r>
-              <a:t>Adobe</a:t>
-            </a:r>
-          </a:p>
-        </p:txBody>
-      </p:sp>
-      <p:sp>
-        <p:nvSpPr>
-          <p:cNvPr id="1046" name="Thinking"/>
-          <p:cNvSpPr txBox="1"/>
-          <p:nvPr/>
-        </p:nvSpPr>
-        <p:spPr>
-          <a:xfrm>
-            <a:off x="1768736" y="9634357"/>
-            <a:ext cx="1176338" cy="287770"/>
-          </a:xfrm>
-          <a:prstGeom prst="rect">
-            <a:avLst/>
-          </a:prstGeom>
-          <a:ln w="12700">
-            <a:miter lim="400000"/>
-          </a:ln>
-          <a:extLst>
-            <a:ext uri="{C572A759-6A51-4108-AA02-DFA0A04FC94B}">
-              <ma14:wrappingTextBoxFlag xmlns="" xmlns:m="http://schemas.openxmlformats.org/officeDocument/2006/math" xmlns:a14="http://schemas.microsoft.com/office/drawing/2010/main" xmlns:ma14="http://schemas.microsoft.com/office/mac/drawingml/2011/main" val="1"/>
-            </a:ext>
-          </a:extLst>
-        </p:spPr>
-        <p:txBody>
-          <a:bodyPr lIns="0" tIns="0" rIns="0" bIns="0" anchor="ctr"/>
-          <a:lstStyle>
-            <a:lvl1pPr defTabSz="457200">
-              <a:tabLst>
-                <a:tab pos="228600" algn="l"/>
-              </a:tabLst>
-              <a:defRPr sz="800" spc="56">
-                <a:latin typeface="Helvetica Neue Light"/>
-                <a:ea typeface="Helvetica Neue Light"/>
-                <a:cs typeface="Helvetica Neue Light"/>
-                <a:sym typeface="Helvetica Neue Light"/>
-              </a:defRPr>
-            </a:lvl1pPr>
-          </a:lstStyle>
-          <a:p>
-            <a:r>
-              <a:t>Thinking</a:t>
-            </a:r>
-          </a:p>
-        </p:txBody>
-      </p:sp>
-      <p:sp>
-        <p:nvSpPr>
-          <p:cNvPr id="1047" name="Project Design"/>
-          <p:cNvSpPr txBox="1"/>
-          <p:nvPr/>
-        </p:nvSpPr>
-        <p:spPr>
-          <a:xfrm>
-            <a:off x="383854" y="9832768"/>
-            <a:ext cx="996091" cy="287771"/>
-          </a:xfrm>
-          <a:prstGeom prst="rect">
-            <a:avLst/>
-          </a:prstGeom>
-          <a:ln w="12700">
-            <a:miter lim="400000"/>
-          </a:ln>
-          <a:extLst>
-            <a:ext uri="{C572A759-6A51-4108-AA02-DFA0A04FC94B}">
-              <ma14:wrappingTextBoxFlag xmlns="" xmlns:m="http://schemas.openxmlformats.org/officeDocument/2006/math" xmlns:a14="http://schemas.microsoft.com/office/drawing/2010/main" xmlns:ma14="http://schemas.microsoft.com/office/mac/drawingml/2011/main" val="1"/>
-            </a:ext>
-          </a:extLst>
-        </p:spPr>
-        <p:txBody>
-          <a:bodyPr lIns="0" tIns="0" rIns="0" bIns="0" anchor="ctr"/>
-          <a:lstStyle>
-            <a:lvl1pPr defTabSz="457200">
-              <a:tabLst>
-                <a:tab pos="228600" algn="l"/>
-              </a:tabLst>
-              <a:defRPr sz="800" spc="56">
-                <a:latin typeface="Helvetica Neue Light"/>
-                <a:ea typeface="Helvetica Neue Light"/>
-                <a:cs typeface="Helvetica Neue Light"/>
-                <a:sym typeface="Helvetica Neue Light"/>
-              </a:defRPr>
-            </a:lvl1pPr>
-          </a:lstStyle>
-          <a:p>
-            <a:r>
-              <a:t>Project Design</a:t>
-            </a:r>
-          </a:p>
-        </p:txBody>
-      </p:sp>
-      <p:sp>
-        <p:nvSpPr>
-          <p:cNvPr id="1048" name="Flexible"/>
-          <p:cNvSpPr txBox="1"/>
-          <p:nvPr/>
-        </p:nvSpPr>
-        <p:spPr>
-          <a:xfrm>
-            <a:off x="1768736" y="9832768"/>
-            <a:ext cx="1176338" cy="287771"/>
-          </a:xfrm>
-          <a:prstGeom prst="rect">
-            <a:avLst/>
-          </a:prstGeom>
-          <a:ln w="12700">
-            <a:miter lim="400000"/>
-          </a:ln>
-          <a:extLst>
-            <a:ext uri="{C572A759-6A51-4108-AA02-DFA0A04FC94B}">
-              <ma14:wrappingTextBoxFlag xmlns="" xmlns:m="http://schemas.openxmlformats.org/officeDocument/2006/math" xmlns:a14="http://schemas.microsoft.com/office/drawing/2010/main" xmlns:ma14="http://schemas.microsoft.com/office/mac/drawingml/2011/main" val="1"/>
-            </a:ext>
-          </a:extLst>
-        </p:spPr>
-        <p:txBody>
-          <a:bodyPr lIns="0" tIns="0" rIns="0" bIns="0" anchor="ctr"/>
-          <a:lstStyle>
-            <a:lvl1pPr defTabSz="457200">
-              <a:tabLst>
-                <a:tab pos="228600" algn="l"/>
-              </a:tabLst>
-              <a:defRPr sz="800" spc="56">
-                <a:latin typeface="Helvetica Neue Light"/>
-                <a:ea typeface="Helvetica Neue Light"/>
-                <a:cs typeface="Helvetica Neue Light"/>
-                <a:sym typeface="Helvetica Neue Light"/>
-              </a:defRPr>
-            </a:lvl1pPr>
-          </a:lstStyle>
-          <a:p>
-            <a:r>
-              <a:t>Flexible</a:t>
-            </a:r>
-          </a:p>
-        </p:txBody>
-      </p:sp>
-      <p:sp>
-        <p:nvSpPr>
-          <p:cNvPr id="1049" name="Quality Control"/>
-          <p:cNvSpPr txBox="1"/>
-          <p:nvPr/>
-        </p:nvSpPr>
-        <p:spPr>
-          <a:xfrm>
-            <a:off x="383854" y="10035947"/>
-            <a:ext cx="996091" cy="287770"/>
-          </a:xfrm>
-          <a:prstGeom prst="rect">
-            <a:avLst/>
-          </a:prstGeom>
-          <a:ln w="12700">
-            <a:miter lim="400000"/>
-          </a:ln>
-          <a:extLst>
-            <a:ext uri="{C572A759-6A51-4108-AA02-DFA0A04FC94B}">
-              <ma14:wrappingTextBoxFlag xmlns="" xmlns:m="http://schemas.openxmlformats.org/officeDocument/2006/math" xmlns:a14="http://schemas.microsoft.com/office/drawing/2010/main" xmlns:ma14="http://schemas.microsoft.com/office/mac/drawingml/2011/main" val="1"/>
-            </a:ext>
-          </a:extLst>
-        </p:spPr>
-        <p:txBody>
-          <a:bodyPr lIns="0" tIns="0" rIns="0" bIns="0" anchor="ctr"/>
-          <a:lstStyle>
-            <a:lvl1pPr defTabSz="457200">
-              <a:tabLst>
-                <a:tab pos="228600" algn="l"/>
-              </a:tabLst>
-              <a:defRPr sz="800" spc="56">
-                <a:latin typeface="Helvetica Neue Light"/>
-                <a:ea typeface="Helvetica Neue Light"/>
-                <a:cs typeface="Helvetica Neue Light"/>
-                <a:sym typeface="Helvetica Neue Light"/>
-              </a:defRPr>
-            </a:lvl1pPr>
-          </a:lstStyle>
-          <a:p>
-            <a:r>
-              <a:t>Quality Control</a:t>
-            </a:r>
-          </a:p>
-        </p:txBody>
-      </p:sp>
-      <p:sp>
-        <p:nvSpPr>
-          <p:cNvPr id="1050" name="Dependable"/>
-          <p:cNvSpPr txBox="1"/>
-          <p:nvPr/>
-        </p:nvSpPr>
-        <p:spPr>
-          <a:xfrm>
-            <a:off x="1768736" y="10035947"/>
-            <a:ext cx="1176338" cy="287770"/>
-          </a:xfrm>
-          <a:prstGeom prst="rect">
-            <a:avLst/>
-          </a:prstGeom>
-          <a:ln w="12700">
-            <a:miter lim="400000"/>
-          </a:ln>
-          <a:extLst>
-            <a:ext uri="{C572A759-6A51-4108-AA02-DFA0A04FC94B}">
-              <ma14:wrappingTextBoxFlag xmlns="" xmlns:m="http://schemas.openxmlformats.org/officeDocument/2006/math" xmlns:a14="http://schemas.microsoft.com/office/drawing/2010/main" xmlns:ma14="http://schemas.microsoft.com/office/mac/drawingml/2011/main" val="1"/>
-            </a:ext>
-          </a:extLst>
-        </p:spPr>
-        <p:txBody>
-          <a:bodyPr lIns="0" tIns="0" rIns="0" bIns="0" anchor="ctr"/>
-          <a:lstStyle>
-            <a:lvl1pPr defTabSz="457200">
-              <a:tabLst>
-                <a:tab pos="228600" algn="l"/>
-              </a:tabLst>
-              <a:defRPr sz="800" spc="56">
-                <a:latin typeface="Helvetica Neue Light"/>
-                <a:ea typeface="Helvetica Neue Light"/>
-                <a:cs typeface="Helvetica Neue Light"/>
-                <a:sym typeface="Helvetica Neue Light"/>
-              </a:defRPr>
-            </a:lvl1pPr>
-          </a:lstStyle>
-          <a:p>
-            <a:r>
-              <a:t>Dependable</a:t>
-            </a:r>
-          </a:p>
-        </p:txBody>
-      </p:sp>
-      <p:sp>
-        <p:nvSpPr>
-          <p:cNvPr id="1051" name="Lorem ipsum dolor sit amet, consectetur adipiscing elit. Aliquam ac bibendum dui. Proin convallis libero id diam porta, facilisis varius velit tempus. Mauris semper, sem sit amet semper porttitor, lectus enim vehicula enim, vel scelerisque metus ligula i"/>
-          <p:cNvSpPr txBox="1"/>
-          <p:nvPr/>
-        </p:nvSpPr>
-        <p:spPr>
-          <a:xfrm>
-            <a:off x="3241789" y="9225773"/>
-            <a:ext cx="4260958" cy="1620349"/>
-          </a:xfrm>
-          <a:prstGeom prst="rect">
-            <a:avLst/>
-          </a:prstGeom>
-          <a:ln w="12700">
-            <a:miter lim="400000"/>
-          </a:ln>
-          <a:extLst>
-            <a:ext uri="{C572A759-6A51-4108-AA02-DFA0A04FC94B}">
-              <ma14:wrappingTextBoxFlag xmlns="" xmlns:m="http://schemas.openxmlformats.org/officeDocument/2006/math" xmlns:a14="http://schemas.microsoft.com/office/drawing/2010/main" xmlns:ma14="http://schemas.microsoft.com/office/mac/drawingml/2011/main" val="1"/>
-            </a:ext>
-          </a:extLst>
-        </p:spPr>
-        <p:txBody>
-          <a:bodyPr lIns="0" tIns="0" rIns="0" bIns="0"/>
-          <a:lstStyle>
-            <a:lvl1pPr algn="just" defTabSz="457200">
-              <a:lnSpc>
-                <a:spcPct val="120000"/>
-              </a:lnSpc>
-              <a:defRPr sz="800">
-                <a:latin typeface="Helvetica Neue Light"/>
-                <a:ea typeface="Helvetica Neue Light"/>
-                <a:cs typeface="Helvetica Neue Light"/>
-                <a:sym typeface="Helvetica Neue Light"/>
-              </a:defRPr>
-            </a:lvl1pPr>
-          </a:lstStyle>
-          <a:p>
-            <a:r>
-              <a:t>Lorem ipsum dolor sit amet, consectetur adipiscing elit. Aliquam ac bibendum dui. Proin convallis libero id diam porta, facilisis varius velit tempus. Mauris semper, sem sit amet semper porttitor, lectus enim vehicula enim, vel scelerisque metus ligula id nibh. Nullam vitae sem fermentum, dignissim dui eget, luctus ex.Lorem ipsum dolor sit amet, consectetur adipiscing elit. Aliquam ac bibendum dui. Proin convallis libero id diam porta, facilisis varius velit tempus. Mauris semper, sem sit amet semper porttitor, lectus enim vehicula enim, vel scelerisque metus ligula id nibh. Nullam vitae sem fermentum, dignissim dui eget, luctus ex.</a:t>
+              <a:t>Experience</a:t>
             </a:r>
           </a:p>
         </p:txBody>
